--- a/WIKI/images/Presentation3.pptx
+++ b/WIKI/images/Presentation3.pptx
@@ -10,6 +10,9 @@
     <p:sldId id="260" r:id="rId4"/>
     <p:sldId id="258" r:id="rId5"/>
     <p:sldId id="259" r:id="rId6"/>
+    <p:sldId id="262" r:id="rId7"/>
+    <p:sldId id="263" r:id="rId8"/>
+    <p:sldId id="261" r:id="rId9"/>
   </p:sldIdLst>
   <p:sldSz cx="12192000" cy="6858000"/>
   <p:notesSz cx="6858000" cy="9144000"/>
@@ -108,6 +111,11 @@
       </a:defRPr>
     </a:lvl9pPr>
   </p:defaultTextStyle>
+  <p:extLst>
+    <p:ext uri="{EFAFB233-063F-42B5-8137-9DF3F51BA10A}">
+      <p15:sldGuideLst xmlns:p15="http://schemas.microsoft.com/office/powerpoint/2012/main"/>
+    </p:ext>
+  </p:extLst>
 </p:presentation>
 </file>
 
@@ -258,7 +266,7 @@
           <a:p>
             <a:fld id="{85AE306B-6387-C846-A285-0C26740644B2}" type="datetimeFigureOut">
               <a:rPr lang="en-US" smtClean="0"/>
-              <a:t>3/29/22</a:t>
+              <a:t>6/22/22</a:t>
             </a:fld>
             <a:endParaRPr lang="en-US"/>
           </a:p>
@@ -456,7 +464,7 @@
           <a:p>
             <a:fld id="{85AE306B-6387-C846-A285-0C26740644B2}" type="datetimeFigureOut">
               <a:rPr lang="en-US" smtClean="0"/>
-              <a:t>3/29/22</a:t>
+              <a:t>6/22/22</a:t>
             </a:fld>
             <a:endParaRPr lang="en-US"/>
           </a:p>
@@ -664,7 +672,7 @@
           <a:p>
             <a:fld id="{85AE306B-6387-C846-A285-0C26740644B2}" type="datetimeFigureOut">
               <a:rPr lang="en-US" smtClean="0"/>
-              <a:t>3/29/22</a:t>
+              <a:t>6/22/22</a:t>
             </a:fld>
             <a:endParaRPr lang="en-US"/>
           </a:p>
@@ -862,7 +870,7 @@
           <a:p>
             <a:fld id="{85AE306B-6387-C846-A285-0C26740644B2}" type="datetimeFigureOut">
               <a:rPr lang="en-US" smtClean="0"/>
-              <a:t>3/29/22</a:t>
+              <a:t>6/22/22</a:t>
             </a:fld>
             <a:endParaRPr lang="en-US"/>
           </a:p>
@@ -1137,7 +1145,7 @@
           <a:p>
             <a:fld id="{85AE306B-6387-C846-A285-0C26740644B2}" type="datetimeFigureOut">
               <a:rPr lang="en-US" smtClean="0"/>
-              <a:t>3/29/22</a:t>
+              <a:t>6/22/22</a:t>
             </a:fld>
             <a:endParaRPr lang="en-US"/>
           </a:p>
@@ -1402,7 +1410,7 @@
           <a:p>
             <a:fld id="{85AE306B-6387-C846-A285-0C26740644B2}" type="datetimeFigureOut">
               <a:rPr lang="en-US" smtClean="0"/>
-              <a:t>3/29/22</a:t>
+              <a:t>6/22/22</a:t>
             </a:fld>
             <a:endParaRPr lang="en-US"/>
           </a:p>
@@ -1814,7 +1822,7 @@
           <a:p>
             <a:fld id="{85AE306B-6387-C846-A285-0C26740644B2}" type="datetimeFigureOut">
               <a:rPr lang="en-US" smtClean="0"/>
-              <a:t>3/29/22</a:t>
+              <a:t>6/22/22</a:t>
             </a:fld>
             <a:endParaRPr lang="en-US"/>
           </a:p>
@@ -1955,7 +1963,7 @@
           <a:p>
             <a:fld id="{85AE306B-6387-C846-A285-0C26740644B2}" type="datetimeFigureOut">
               <a:rPr lang="en-US" smtClean="0"/>
-              <a:t>3/29/22</a:t>
+              <a:t>6/22/22</a:t>
             </a:fld>
             <a:endParaRPr lang="en-US"/>
           </a:p>
@@ -2068,7 +2076,7 @@
           <a:p>
             <a:fld id="{85AE306B-6387-C846-A285-0C26740644B2}" type="datetimeFigureOut">
               <a:rPr lang="en-US" smtClean="0"/>
-              <a:t>3/29/22</a:t>
+              <a:t>6/22/22</a:t>
             </a:fld>
             <a:endParaRPr lang="en-US"/>
           </a:p>
@@ -2379,7 +2387,7 @@
           <a:p>
             <a:fld id="{85AE306B-6387-C846-A285-0C26740644B2}" type="datetimeFigureOut">
               <a:rPr lang="en-US" smtClean="0"/>
-              <a:t>3/29/22</a:t>
+              <a:t>6/22/22</a:t>
             </a:fld>
             <a:endParaRPr lang="en-US"/>
           </a:p>
@@ -2667,7 +2675,7 @@
           <a:p>
             <a:fld id="{85AE306B-6387-C846-A285-0C26740644B2}" type="datetimeFigureOut">
               <a:rPr lang="en-US" smtClean="0"/>
-              <a:t>3/29/22</a:t>
+              <a:t>6/22/22</a:t>
             </a:fld>
             <a:endParaRPr lang="en-US"/>
           </a:p>
@@ -2908,7 +2916,7 @@
           <a:p>
             <a:fld id="{85AE306B-6387-C846-A285-0C26740644B2}" type="datetimeFigureOut">
               <a:rPr lang="en-US" smtClean="0"/>
-              <a:t>3/29/22</a:t>
+              <a:t>6/22/22</a:t>
             </a:fld>
             <a:endParaRPr lang="en-US"/>
           </a:p>
@@ -8557,6 +8565,5348 @@
     <p:extLst>
       <p:ext uri="{BB962C8B-B14F-4D97-AF65-F5344CB8AC3E}">
         <p14:creationId xmlns:p14="http://schemas.microsoft.com/office/powerpoint/2010/main" val="2181002144"/>
+      </p:ext>
+    </p:extLst>
+  </p:cSld>
+  <p:clrMapOvr>
+    <a:masterClrMapping/>
+  </p:clrMapOvr>
+</p:sld>
+</file>
+
+<file path=ppt/slides/slide6.xml><?xml version="1.0" encoding="utf-8"?>
+<p:sld xmlns:a="http://schemas.openxmlformats.org/drawingml/2006/main" xmlns:r="http://schemas.openxmlformats.org/officeDocument/2006/relationships" xmlns:p="http://schemas.openxmlformats.org/presentationml/2006/main">
+  <p:cSld>
+    <p:spTree>
+      <p:nvGrpSpPr>
+        <p:cNvPr id="1" name=""/>
+        <p:cNvGrpSpPr/>
+        <p:nvPr/>
+      </p:nvGrpSpPr>
+      <p:grpSpPr>
+        <a:xfrm>
+          <a:off x="0" y="0"/>
+          <a:ext cx="0" cy="0"/>
+          <a:chOff x="0" y="0"/>
+          <a:chExt cx="0" cy="0"/>
+        </a:xfrm>
+      </p:grpSpPr>
+      <p:pic>
+        <p:nvPicPr>
+          <p:cNvPr id="5" name="Picture 4" descr="Chart, surface chart&#10;&#10;Description automatically generated">
+            <a:extLst>
+              <a:ext uri="{FF2B5EF4-FFF2-40B4-BE49-F238E27FC236}">
+                <a16:creationId xmlns:a16="http://schemas.microsoft.com/office/drawing/2014/main" id="{2CA77D69-68D5-4C41-B93B-EA45BE9285D3}"/>
+              </a:ext>
+            </a:extLst>
+          </p:cNvPr>
+          <p:cNvPicPr>
+            <a:picLocks noChangeAspect="1"/>
+          </p:cNvPicPr>
+          <p:nvPr/>
+        </p:nvPicPr>
+        <p:blipFill>
+          <a:blip r:embed="rId2"/>
+          <a:stretch>
+            <a:fillRect/>
+          </a:stretch>
+        </p:blipFill>
+        <p:spPr>
+          <a:xfrm>
+            <a:off x="2393950" y="654050"/>
+            <a:ext cx="7404100" cy="5549900"/>
+          </a:xfrm>
+          <a:prstGeom prst="rect">
+            <a:avLst/>
+          </a:prstGeom>
+        </p:spPr>
+      </p:pic>
+      <p:cxnSp>
+        <p:nvCxnSpPr>
+          <p:cNvPr id="7" name="Straight Connector 6">
+            <a:extLst>
+              <a:ext uri="{FF2B5EF4-FFF2-40B4-BE49-F238E27FC236}">
+                <a16:creationId xmlns:a16="http://schemas.microsoft.com/office/drawing/2014/main" id="{7CA63484-21B1-AB43-849E-F2B71E823A95}"/>
+              </a:ext>
+            </a:extLst>
+          </p:cNvPr>
+          <p:cNvCxnSpPr>
+            <a:cxnSpLocks/>
+          </p:cNvCxnSpPr>
+          <p:nvPr/>
+        </p:nvCxnSpPr>
+        <p:spPr>
+          <a:xfrm>
+            <a:off x="5515495" y="3616036"/>
+            <a:ext cx="80972" cy="160097"/>
+          </a:xfrm>
+          <a:prstGeom prst="line">
+            <a:avLst/>
+          </a:prstGeom>
+          <a:ln w="12700">
+            <a:solidFill>
+              <a:srgbClr val="FFFF00"/>
+            </a:solidFill>
+            <a:headEnd type="triangle" w="sm" len="sm"/>
+            <a:tailEnd type="triangle" w="sm" len="sm"/>
+          </a:ln>
+        </p:spPr>
+        <p:style>
+          <a:lnRef idx="1">
+            <a:schemeClr val="accent1"/>
+          </a:lnRef>
+          <a:fillRef idx="0">
+            <a:schemeClr val="accent1"/>
+          </a:fillRef>
+          <a:effectRef idx="0">
+            <a:schemeClr val="accent1"/>
+          </a:effectRef>
+          <a:fontRef idx="minor">
+            <a:schemeClr val="tx1"/>
+          </a:fontRef>
+        </p:style>
+      </p:cxnSp>
+      <p:cxnSp>
+        <p:nvCxnSpPr>
+          <p:cNvPr id="11" name="Straight Connector 10">
+            <a:extLst>
+              <a:ext uri="{FF2B5EF4-FFF2-40B4-BE49-F238E27FC236}">
+                <a16:creationId xmlns:a16="http://schemas.microsoft.com/office/drawing/2014/main" id="{A169BDD3-A68E-E243-8958-6DB011811B2C}"/>
+              </a:ext>
+            </a:extLst>
+          </p:cNvPr>
+          <p:cNvCxnSpPr>
+            <a:cxnSpLocks/>
+          </p:cNvCxnSpPr>
+          <p:nvPr/>
+        </p:nvCxnSpPr>
+        <p:spPr>
+          <a:xfrm flipV="1">
+            <a:off x="5202382" y="3616036"/>
+            <a:ext cx="313113" cy="31865"/>
+          </a:xfrm>
+          <a:prstGeom prst="line">
+            <a:avLst/>
+          </a:prstGeom>
+          <a:ln w="12700">
+            <a:solidFill>
+              <a:srgbClr val="FFFF00"/>
+            </a:solidFill>
+            <a:headEnd type="triangle" w="sm" len="sm"/>
+            <a:tailEnd type="triangle" w="sm" len="sm"/>
+          </a:ln>
+        </p:spPr>
+        <p:style>
+          <a:lnRef idx="1">
+            <a:schemeClr val="accent1"/>
+          </a:lnRef>
+          <a:fillRef idx="0">
+            <a:schemeClr val="accent1"/>
+          </a:fillRef>
+          <a:effectRef idx="0">
+            <a:schemeClr val="accent1"/>
+          </a:effectRef>
+          <a:fontRef idx="minor">
+            <a:schemeClr val="tx1"/>
+          </a:fontRef>
+        </p:style>
+      </p:cxnSp>
+      <p:sp>
+        <p:nvSpPr>
+          <p:cNvPr id="13" name="TextBox 12">
+            <a:extLst>
+              <a:ext uri="{FF2B5EF4-FFF2-40B4-BE49-F238E27FC236}">
+                <a16:creationId xmlns:a16="http://schemas.microsoft.com/office/drawing/2014/main" id="{BD8F7D57-D311-8144-B01F-3AAD2AF08B0E}"/>
+              </a:ext>
+            </a:extLst>
+          </p:cNvPr>
+          <p:cNvSpPr txBox="1"/>
+          <p:nvPr/>
+        </p:nvSpPr>
+        <p:spPr>
+          <a:xfrm>
+            <a:off x="5151293" y="3326752"/>
+            <a:ext cx="332142" cy="369332"/>
+          </a:xfrm>
+          <a:prstGeom prst="rect">
+            <a:avLst/>
+          </a:prstGeom>
+          <a:noFill/>
+        </p:spPr>
+        <p:txBody>
+          <a:bodyPr wrap="none" rtlCol="0">
+            <a:spAutoFit/>
+          </a:bodyPr>
+          <a:lstStyle/>
+          <a:p>
+            <a:r>
+              <a:rPr lang="en-US" i="1" dirty="0" err="1">
+                <a:solidFill>
+                  <a:srgbClr val="FFFF00"/>
+                </a:solidFill>
+                <a:latin typeface="Times" pitchFamily="2" charset="0"/>
+              </a:rPr>
+              <a:t>r</a:t>
+            </a:r>
+            <a:r>
+              <a:rPr lang="en-US" sz="1000" i="1" dirty="0" err="1">
+                <a:solidFill>
+                  <a:srgbClr val="FFFF00"/>
+                </a:solidFill>
+                <a:latin typeface="Times" pitchFamily="2" charset="0"/>
+              </a:rPr>
+              <a:t>x</a:t>
+            </a:r>
+            <a:endParaRPr lang="en-US" i="1" dirty="0">
+              <a:solidFill>
+                <a:srgbClr val="FFFF00"/>
+              </a:solidFill>
+              <a:latin typeface="Times" pitchFamily="2" charset="0"/>
+            </a:endParaRPr>
+          </a:p>
+        </p:txBody>
+      </p:sp>
+      <p:sp>
+        <p:nvSpPr>
+          <p:cNvPr id="14" name="TextBox 13">
+            <a:extLst>
+              <a:ext uri="{FF2B5EF4-FFF2-40B4-BE49-F238E27FC236}">
+                <a16:creationId xmlns:a16="http://schemas.microsoft.com/office/drawing/2014/main" id="{FF6AEA26-BA2A-2F46-B8B3-C03177ADF375}"/>
+              </a:ext>
+            </a:extLst>
+          </p:cNvPr>
+          <p:cNvSpPr txBox="1"/>
+          <p:nvPr/>
+        </p:nvSpPr>
+        <p:spPr>
+          <a:xfrm>
+            <a:off x="5534524" y="3463235"/>
+            <a:ext cx="332142" cy="369332"/>
+          </a:xfrm>
+          <a:prstGeom prst="rect">
+            <a:avLst/>
+          </a:prstGeom>
+          <a:noFill/>
+        </p:spPr>
+        <p:txBody>
+          <a:bodyPr wrap="none" rtlCol="0">
+            <a:spAutoFit/>
+          </a:bodyPr>
+          <a:lstStyle/>
+          <a:p>
+            <a:r>
+              <a:rPr lang="en-US" i="1" dirty="0" err="1">
+                <a:solidFill>
+                  <a:srgbClr val="FFFF00"/>
+                </a:solidFill>
+                <a:latin typeface="Times" pitchFamily="2" charset="0"/>
+              </a:rPr>
+              <a:t>r</a:t>
+            </a:r>
+            <a:r>
+              <a:rPr lang="en-US" sz="1000" i="1" dirty="0" err="1">
+                <a:solidFill>
+                  <a:srgbClr val="FFFF00"/>
+                </a:solidFill>
+                <a:latin typeface="Times" pitchFamily="2" charset="0"/>
+              </a:rPr>
+              <a:t>y</a:t>
+            </a:r>
+            <a:endParaRPr lang="en-US" i="1" dirty="0">
+              <a:solidFill>
+                <a:srgbClr val="FFFF00"/>
+              </a:solidFill>
+              <a:latin typeface="Times" pitchFamily="2" charset="0"/>
+            </a:endParaRPr>
+          </a:p>
+        </p:txBody>
+      </p:sp>
+      <p:sp>
+        <p:nvSpPr>
+          <p:cNvPr id="15" name="Freeform 14">
+            <a:extLst>
+              <a:ext uri="{FF2B5EF4-FFF2-40B4-BE49-F238E27FC236}">
+                <a16:creationId xmlns:a16="http://schemas.microsoft.com/office/drawing/2014/main" id="{BF914621-53D9-9640-9800-A9CBEBF57247}"/>
+              </a:ext>
+            </a:extLst>
+          </p:cNvPr>
+          <p:cNvSpPr/>
+          <p:nvPr/>
+        </p:nvSpPr>
+        <p:spPr>
+          <a:xfrm>
+            <a:off x="4712789" y="2616159"/>
+            <a:ext cx="1732015" cy="1157912"/>
+          </a:xfrm>
+          <a:custGeom>
+            <a:avLst/>
+            <a:gdLst>
+              <a:gd name="connsiteX0" fmla="*/ 503446 w 1735688"/>
+              <a:gd name="connsiteY0" fmla="*/ 1049753 h 1170364"/>
+              <a:gd name="connsiteX1" fmla="*/ 648919 w 1735688"/>
+              <a:gd name="connsiteY1" fmla="*/ 1112098 h 1170364"/>
+              <a:gd name="connsiteX2" fmla="*/ 956490 w 1735688"/>
+              <a:gd name="connsiteY2" fmla="*/ 1170287 h 1170364"/>
+              <a:gd name="connsiteX3" fmla="*/ 1359657 w 1735688"/>
+              <a:gd name="connsiteY3" fmla="*/ 1099629 h 1170364"/>
+              <a:gd name="connsiteX4" fmla="*/ 1654759 w 1735688"/>
+              <a:gd name="connsiteY4" fmla="*/ 900124 h 1170364"/>
+              <a:gd name="connsiteX5" fmla="*/ 1733730 w 1735688"/>
+              <a:gd name="connsiteY5" fmla="*/ 650742 h 1170364"/>
+              <a:gd name="connsiteX6" fmla="*/ 1596570 w 1735688"/>
+              <a:gd name="connsiteY6" fmla="*/ 409673 h 1170364"/>
+              <a:gd name="connsiteX7" fmla="*/ 1322250 w 1735688"/>
+              <a:gd name="connsiteY7" fmla="*/ 143665 h 1170364"/>
+              <a:gd name="connsiteX8" fmla="*/ 998054 w 1735688"/>
+              <a:gd name="connsiteY8" fmla="*/ 14818 h 1170364"/>
+              <a:gd name="connsiteX9" fmla="*/ 682170 w 1735688"/>
+              <a:gd name="connsiteY9" fmla="*/ 10662 h 1170364"/>
+              <a:gd name="connsiteX10" fmla="*/ 341348 w 1735688"/>
+              <a:gd name="connsiteY10" fmla="*/ 85476 h 1170364"/>
+              <a:gd name="connsiteX11" fmla="*/ 83654 w 1735688"/>
+              <a:gd name="connsiteY11" fmla="*/ 276669 h 1170364"/>
+              <a:gd name="connsiteX12" fmla="*/ 8839 w 1735688"/>
+              <a:gd name="connsiteY12" fmla="*/ 442924 h 1170364"/>
+              <a:gd name="connsiteX13" fmla="*/ 8839 w 1735688"/>
+              <a:gd name="connsiteY13" fmla="*/ 584240 h 1170364"/>
+              <a:gd name="connsiteX14" fmla="*/ 75341 w 1735688"/>
+              <a:gd name="connsiteY14" fmla="*/ 767120 h 1170364"/>
+              <a:gd name="connsiteX15" fmla="*/ 283159 w 1735688"/>
+              <a:gd name="connsiteY15" fmla="*/ 954156 h 1170364"/>
+              <a:gd name="connsiteX16" fmla="*/ 503446 w 1735688"/>
+              <a:gd name="connsiteY16" fmla="*/ 1049753 h 1170364"/>
+              <a:gd name="connsiteX0" fmla="*/ 503446 w 1734173"/>
+              <a:gd name="connsiteY0" fmla="*/ 1049753 h 1170364"/>
+              <a:gd name="connsiteX1" fmla="*/ 648919 w 1734173"/>
+              <a:gd name="connsiteY1" fmla="*/ 1112098 h 1170364"/>
+              <a:gd name="connsiteX2" fmla="*/ 956490 w 1734173"/>
+              <a:gd name="connsiteY2" fmla="*/ 1170287 h 1170364"/>
+              <a:gd name="connsiteX3" fmla="*/ 1359657 w 1734173"/>
+              <a:gd name="connsiteY3" fmla="*/ 1099629 h 1170364"/>
+              <a:gd name="connsiteX4" fmla="*/ 1629821 w 1734173"/>
+              <a:gd name="connsiteY4" fmla="*/ 916749 h 1170364"/>
+              <a:gd name="connsiteX5" fmla="*/ 1733730 w 1734173"/>
+              <a:gd name="connsiteY5" fmla="*/ 650742 h 1170364"/>
+              <a:gd name="connsiteX6" fmla="*/ 1596570 w 1734173"/>
+              <a:gd name="connsiteY6" fmla="*/ 409673 h 1170364"/>
+              <a:gd name="connsiteX7" fmla="*/ 1322250 w 1734173"/>
+              <a:gd name="connsiteY7" fmla="*/ 143665 h 1170364"/>
+              <a:gd name="connsiteX8" fmla="*/ 998054 w 1734173"/>
+              <a:gd name="connsiteY8" fmla="*/ 14818 h 1170364"/>
+              <a:gd name="connsiteX9" fmla="*/ 682170 w 1734173"/>
+              <a:gd name="connsiteY9" fmla="*/ 10662 h 1170364"/>
+              <a:gd name="connsiteX10" fmla="*/ 341348 w 1734173"/>
+              <a:gd name="connsiteY10" fmla="*/ 85476 h 1170364"/>
+              <a:gd name="connsiteX11" fmla="*/ 83654 w 1734173"/>
+              <a:gd name="connsiteY11" fmla="*/ 276669 h 1170364"/>
+              <a:gd name="connsiteX12" fmla="*/ 8839 w 1734173"/>
+              <a:gd name="connsiteY12" fmla="*/ 442924 h 1170364"/>
+              <a:gd name="connsiteX13" fmla="*/ 8839 w 1734173"/>
+              <a:gd name="connsiteY13" fmla="*/ 584240 h 1170364"/>
+              <a:gd name="connsiteX14" fmla="*/ 75341 w 1734173"/>
+              <a:gd name="connsiteY14" fmla="*/ 767120 h 1170364"/>
+              <a:gd name="connsiteX15" fmla="*/ 283159 w 1734173"/>
+              <a:gd name="connsiteY15" fmla="*/ 954156 h 1170364"/>
+              <a:gd name="connsiteX16" fmla="*/ 503446 w 1734173"/>
+              <a:gd name="connsiteY16" fmla="*/ 1049753 h 1170364"/>
+              <a:gd name="connsiteX0" fmla="*/ 503446 w 1730048"/>
+              <a:gd name="connsiteY0" fmla="*/ 1049753 h 1170364"/>
+              <a:gd name="connsiteX1" fmla="*/ 648919 w 1730048"/>
+              <a:gd name="connsiteY1" fmla="*/ 1112098 h 1170364"/>
+              <a:gd name="connsiteX2" fmla="*/ 956490 w 1730048"/>
+              <a:gd name="connsiteY2" fmla="*/ 1170287 h 1170364"/>
+              <a:gd name="connsiteX3" fmla="*/ 1359657 w 1730048"/>
+              <a:gd name="connsiteY3" fmla="*/ 1099629 h 1170364"/>
+              <a:gd name="connsiteX4" fmla="*/ 1629821 w 1730048"/>
+              <a:gd name="connsiteY4" fmla="*/ 916749 h 1170364"/>
+              <a:gd name="connsiteX5" fmla="*/ 1729574 w 1730048"/>
+              <a:gd name="connsiteY5" fmla="*/ 654898 h 1170364"/>
+              <a:gd name="connsiteX6" fmla="*/ 1596570 w 1730048"/>
+              <a:gd name="connsiteY6" fmla="*/ 409673 h 1170364"/>
+              <a:gd name="connsiteX7" fmla="*/ 1322250 w 1730048"/>
+              <a:gd name="connsiteY7" fmla="*/ 143665 h 1170364"/>
+              <a:gd name="connsiteX8" fmla="*/ 998054 w 1730048"/>
+              <a:gd name="connsiteY8" fmla="*/ 14818 h 1170364"/>
+              <a:gd name="connsiteX9" fmla="*/ 682170 w 1730048"/>
+              <a:gd name="connsiteY9" fmla="*/ 10662 h 1170364"/>
+              <a:gd name="connsiteX10" fmla="*/ 341348 w 1730048"/>
+              <a:gd name="connsiteY10" fmla="*/ 85476 h 1170364"/>
+              <a:gd name="connsiteX11" fmla="*/ 83654 w 1730048"/>
+              <a:gd name="connsiteY11" fmla="*/ 276669 h 1170364"/>
+              <a:gd name="connsiteX12" fmla="*/ 8839 w 1730048"/>
+              <a:gd name="connsiteY12" fmla="*/ 442924 h 1170364"/>
+              <a:gd name="connsiteX13" fmla="*/ 8839 w 1730048"/>
+              <a:gd name="connsiteY13" fmla="*/ 584240 h 1170364"/>
+              <a:gd name="connsiteX14" fmla="*/ 75341 w 1730048"/>
+              <a:gd name="connsiteY14" fmla="*/ 767120 h 1170364"/>
+              <a:gd name="connsiteX15" fmla="*/ 283159 w 1730048"/>
+              <a:gd name="connsiteY15" fmla="*/ 954156 h 1170364"/>
+              <a:gd name="connsiteX16" fmla="*/ 503446 w 1730048"/>
+              <a:gd name="connsiteY16" fmla="*/ 1049753 h 1170364"/>
+              <a:gd name="connsiteX0" fmla="*/ 511759 w 1730048"/>
+              <a:gd name="connsiteY0" fmla="*/ 1066378 h 1170359"/>
+              <a:gd name="connsiteX1" fmla="*/ 648919 w 1730048"/>
+              <a:gd name="connsiteY1" fmla="*/ 1112098 h 1170359"/>
+              <a:gd name="connsiteX2" fmla="*/ 956490 w 1730048"/>
+              <a:gd name="connsiteY2" fmla="*/ 1170287 h 1170359"/>
+              <a:gd name="connsiteX3" fmla="*/ 1359657 w 1730048"/>
+              <a:gd name="connsiteY3" fmla="*/ 1099629 h 1170359"/>
+              <a:gd name="connsiteX4" fmla="*/ 1629821 w 1730048"/>
+              <a:gd name="connsiteY4" fmla="*/ 916749 h 1170359"/>
+              <a:gd name="connsiteX5" fmla="*/ 1729574 w 1730048"/>
+              <a:gd name="connsiteY5" fmla="*/ 654898 h 1170359"/>
+              <a:gd name="connsiteX6" fmla="*/ 1596570 w 1730048"/>
+              <a:gd name="connsiteY6" fmla="*/ 409673 h 1170359"/>
+              <a:gd name="connsiteX7" fmla="*/ 1322250 w 1730048"/>
+              <a:gd name="connsiteY7" fmla="*/ 143665 h 1170359"/>
+              <a:gd name="connsiteX8" fmla="*/ 998054 w 1730048"/>
+              <a:gd name="connsiteY8" fmla="*/ 14818 h 1170359"/>
+              <a:gd name="connsiteX9" fmla="*/ 682170 w 1730048"/>
+              <a:gd name="connsiteY9" fmla="*/ 10662 h 1170359"/>
+              <a:gd name="connsiteX10" fmla="*/ 341348 w 1730048"/>
+              <a:gd name="connsiteY10" fmla="*/ 85476 h 1170359"/>
+              <a:gd name="connsiteX11" fmla="*/ 83654 w 1730048"/>
+              <a:gd name="connsiteY11" fmla="*/ 276669 h 1170359"/>
+              <a:gd name="connsiteX12" fmla="*/ 8839 w 1730048"/>
+              <a:gd name="connsiteY12" fmla="*/ 442924 h 1170359"/>
+              <a:gd name="connsiteX13" fmla="*/ 8839 w 1730048"/>
+              <a:gd name="connsiteY13" fmla="*/ 584240 h 1170359"/>
+              <a:gd name="connsiteX14" fmla="*/ 75341 w 1730048"/>
+              <a:gd name="connsiteY14" fmla="*/ 767120 h 1170359"/>
+              <a:gd name="connsiteX15" fmla="*/ 283159 w 1730048"/>
+              <a:gd name="connsiteY15" fmla="*/ 954156 h 1170359"/>
+              <a:gd name="connsiteX16" fmla="*/ 511759 w 1730048"/>
+              <a:gd name="connsiteY16" fmla="*/ 1066378 h 1170359"/>
+              <a:gd name="connsiteX0" fmla="*/ 511759 w 1730048"/>
+              <a:gd name="connsiteY0" fmla="*/ 1066378 h 1157912"/>
+              <a:gd name="connsiteX1" fmla="*/ 648919 w 1730048"/>
+              <a:gd name="connsiteY1" fmla="*/ 1112098 h 1157912"/>
+              <a:gd name="connsiteX2" fmla="*/ 956490 w 1730048"/>
+              <a:gd name="connsiteY2" fmla="*/ 1157818 h 1157912"/>
+              <a:gd name="connsiteX3" fmla="*/ 1359657 w 1730048"/>
+              <a:gd name="connsiteY3" fmla="*/ 1099629 h 1157912"/>
+              <a:gd name="connsiteX4" fmla="*/ 1629821 w 1730048"/>
+              <a:gd name="connsiteY4" fmla="*/ 916749 h 1157912"/>
+              <a:gd name="connsiteX5" fmla="*/ 1729574 w 1730048"/>
+              <a:gd name="connsiteY5" fmla="*/ 654898 h 1157912"/>
+              <a:gd name="connsiteX6" fmla="*/ 1596570 w 1730048"/>
+              <a:gd name="connsiteY6" fmla="*/ 409673 h 1157912"/>
+              <a:gd name="connsiteX7" fmla="*/ 1322250 w 1730048"/>
+              <a:gd name="connsiteY7" fmla="*/ 143665 h 1157912"/>
+              <a:gd name="connsiteX8" fmla="*/ 998054 w 1730048"/>
+              <a:gd name="connsiteY8" fmla="*/ 14818 h 1157912"/>
+              <a:gd name="connsiteX9" fmla="*/ 682170 w 1730048"/>
+              <a:gd name="connsiteY9" fmla="*/ 10662 h 1157912"/>
+              <a:gd name="connsiteX10" fmla="*/ 341348 w 1730048"/>
+              <a:gd name="connsiteY10" fmla="*/ 85476 h 1157912"/>
+              <a:gd name="connsiteX11" fmla="*/ 83654 w 1730048"/>
+              <a:gd name="connsiteY11" fmla="*/ 276669 h 1157912"/>
+              <a:gd name="connsiteX12" fmla="*/ 8839 w 1730048"/>
+              <a:gd name="connsiteY12" fmla="*/ 442924 h 1157912"/>
+              <a:gd name="connsiteX13" fmla="*/ 8839 w 1730048"/>
+              <a:gd name="connsiteY13" fmla="*/ 584240 h 1157912"/>
+              <a:gd name="connsiteX14" fmla="*/ 75341 w 1730048"/>
+              <a:gd name="connsiteY14" fmla="*/ 767120 h 1157912"/>
+              <a:gd name="connsiteX15" fmla="*/ 283159 w 1730048"/>
+              <a:gd name="connsiteY15" fmla="*/ 954156 h 1157912"/>
+              <a:gd name="connsiteX16" fmla="*/ 511759 w 1730048"/>
+              <a:gd name="connsiteY16" fmla="*/ 1066378 h 1157912"/>
+              <a:gd name="connsiteX0" fmla="*/ 511759 w 1730048"/>
+              <a:gd name="connsiteY0" fmla="*/ 1066378 h 1157912"/>
+              <a:gd name="connsiteX1" fmla="*/ 648919 w 1730048"/>
+              <a:gd name="connsiteY1" fmla="*/ 1112098 h 1157912"/>
+              <a:gd name="connsiteX2" fmla="*/ 956490 w 1730048"/>
+              <a:gd name="connsiteY2" fmla="*/ 1157818 h 1157912"/>
+              <a:gd name="connsiteX3" fmla="*/ 1359657 w 1730048"/>
+              <a:gd name="connsiteY3" fmla="*/ 1099629 h 1157912"/>
+              <a:gd name="connsiteX4" fmla="*/ 1629821 w 1730048"/>
+              <a:gd name="connsiteY4" fmla="*/ 916749 h 1157912"/>
+              <a:gd name="connsiteX5" fmla="*/ 1729574 w 1730048"/>
+              <a:gd name="connsiteY5" fmla="*/ 654898 h 1157912"/>
+              <a:gd name="connsiteX6" fmla="*/ 1596570 w 1730048"/>
+              <a:gd name="connsiteY6" fmla="*/ 409673 h 1157912"/>
+              <a:gd name="connsiteX7" fmla="*/ 1326406 w 1730048"/>
+              <a:gd name="connsiteY7" fmla="*/ 143665 h 1157912"/>
+              <a:gd name="connsiteX8" fmla="*/ 998054 w 1730048"/>
+              <a:gd name="connsiteY8" fmla="*/ 14818 h 1157912"/>
+              <a:gd name="connsiteX9" fmla="*/ 682170 w 1730048"/>
+              <a:gd name="connsiteY9" fmla="*/ 10662 h 1157912"/>
+              <a:gd name="connsiteX10" fmla="*/ 341348 w 1730048"/>
+              <a:gd name="connsiteY10" fmla="*/ 85476 h 1157912"/>
+              <a:gd name="connsiteX11" fmla="*/ 83654 w 1730048"/>
+              <a:gd name="connsiteY11" fmla="*/ 276669 h 1157912"/>
+              <a:gd name="connsiteX12" fmla="*/ 8839 w 1730048"/>
+              <a:gd name="connsiteY12" fmla="*/ 442924 h 1157912"/>
+              <a:gd name="connsiteX13" fmla="*/ 8839 w 1730048"/>
+              <a:gd name="connsiteY13" fmla="*/ 584240 h 1157912"/>
+              <a:gd name="connsiteX14" fmla="*/ 75341 w 1730048"/>
+              <a:gd name="connsiteY14" fmla="*/ 767120 h 1157912"/>
+              <a:gd name="connsiteX15" fmla="*/ 283159 w 1730048"/>
+              <a:gd name="connsiteY15" fmla="*/ 954156 h 1157912"/>
+              <a:gd name="connsiteX16" fmla="*/ 511759 w 1730048"/>
+              <a:gd name="connsiteY16" fmla="*/ 1066378 h 1157912"/>
+              <a:gd name="connsiteX0" fmla="*/ 511759 w 1732015"/>
+              <a:gd name="connsiteY0" fmla="*/ 1066378 h 1157912"/>
+              <a:gd name="connsiteX1" fmla="*/ 648919 w 1732015"/>
+              <a:gd name="connsiteY1" fmla="*/ 1112098 h 1157912"/>
+              <a:gd name="connsiteX2" fmla="*/ 956490 w 1732015"/>
+              <a:gd name="connsiteY2" fmla="*/ 1157818 h 1157912"/>
+              <a:gd name="connsiteX3" fmla="*/ 1359657 w 1732015"/>
+              <a:gd name="connsiteY3" fmla="*/ 1099629 h 1157912"/>
+              <a:gd name="connsiteX4" fmla="*/ 1629821 w 1732015"/>
+              <a:gd name="connsiteY4" fmla="*/ 916749 h 1157912"/>
+              <a:gd name="connsiteX5" fmla="*/ 1729574 w 1732015"/>
+              <a:gd name="connsiteY5" fmla="*/ 654898 h 1157912"/>
+              <a:gd name="connsiteX6" fmla="*/ 1542538 w 1732015"/>
+              <a:gd name="connsiteY6" fmla="*/ 347327 h 1157912"/>
+              <a:gd name="connsiteX7" fmla="*/ 1326406 w 1732015"/>
+              <a:gd name="connsiteY7" fmla="*/ 143665 h 1157912"/>
+              <a:gd name="connsiteX8" fmla="*/ 998054 w 1732015"/>
+              <a:gd name="connsiteY8" fmla="*/ 14818 h 1157912"/>
+              <a:gd name="connsiteX9" fmla="*/ 682170 w 1732015"/>
+              <a:gd name="connsiteY9" fmla="*/ 10662 h 1157912"/>
+              <a:gd name="connsiteX10" fmla="*/ 341348 w 1732015"/>
+              <a:gd name="connsiteY10" fmla="*/ 85476 h 1157912"/>
+              <a:gd name="connsiteX11" fmla="*/ 83654 w 1732015"/>
+              <a:gd name="connsiteY11" fmla="*/ 276669 h 1157912"/>
+              <a:gd name="connsiteX12" fmla="*/ 8839 w 1732015"/>
+              <a:gd name="connsiteY12" fmla="*/ 442924 h 1157912"/>
+              <a:gd name="connsiteX13" fmla="*/ 8839 w 1732015"/>
+              <a:gd name="connsiteY13" fmla="*/ 584240 h 1157912"/>
+              <a:gd name="connsiteX14" fmla="*/ 75341 w 1732015"/>
+              <a:gd name="connsiteY14" fmla="*/ 767120 h 1157912"/>
+              <a:gd name="connsiteX15" fmla="*/ 283159 w 1732015"/>
+              <a:gd name="connsiteY15" fmla="*/ 954156 h 1157912"/>
+              <a:gd name="connsiteX16" fmla="*/ 511759 w 1732015"/>
+              <a:gd name="connsiteY16" fmla="*/ 1066378 h 1157912"/>
+            </a:gdLst>
+            <a:ahLst/>
+            <a:cxnLst>
+              <a:cxn ang="0">
+                <a:pos x="connsiteX0" y="connsiteY0"/>
+              </a:cxn>
+              <a:cxn ang="0">
+                <a:pos x="connsiteX1" y="connsiteY1"/>
+              </a:cxn>
+              <a:cxn ang="0">
+                <a:pos x="connsiteX2" y="connsiteY2"/>
+              </a:cxn>
+              <a:cxn ang="0">
+                <a:pos x="connsiteX3" y="connsiteY3"/>
+              </a:cxn>
+              <a:cxn ang="0">
+                <a:pos x="connsiteX4" y="connsiteY4"/>
+              </a:cxn>
+              <a:cxn ang="0">
+                <a:pos x="connsiteX5" y="connsiteY5"/>
+              </a:cxn>
+              <a:cxn ang="0">
+                <a:pos x="connsiteX6" y="connsiteY6"/>
+              </a:cxn>
+              <a:cxn ang="0">
+                <a:pos x="connsiteX7" y="connsiteY7"/>
+              </a:cxn>
+              <a:cxn ang="0">
+                <a:pos x="connsiteX8" y="connsiteY8"/>
+              </a:cxn>
+              <a:cxn ang="0">
+                <a:pos x="connsiteX9" y="connsiteY9"/>
+              </a:cxn>
+              <a:cxn ang="0">
+                <a:pos x="connsiteX10" y="connsiteY10"/>
+              </a:cxn>
+              <a:cxn ang="0">
+                <a:pos x="connsiteX11" y="connsiteY11"/>
+              </a:cxn>
+              <a:cxn ang="0">
+                <a:pos x="connsiteX12" y="connsiteY12"/>
+              </a:cxn>
+              <a:cxn ang="0">
+                <a:pos x="connsiteX13" y="connsiteY13"/>
+              </a:cxn>
+              <a:cxn ang="0">
+                <a:pos x="connsiteX14" y="connsiteY14"/>
+              </a:cxn>
+              <a:cxn ang="0">
+                <a:pos x="connsiteX15" y="connsiteY15"/>
+              </a:cxn>
+              <a:cxn ang="0">
+                <a:pos x="connsiteX16" y="connsiteY16"/>
+              </a:cxn>
+            </a:cxnLst>
+            <a:rect l="l" t="t" r="r" b="b"/>
+            <a:pathLst>
+              <a:path w="1732015" h="1157912">
+                <a:moveTo>
+                  <a:pt x="511759" y="1066378"/>
+                </a:moveTo>
+                <a:cubicBezTo>
+                  <a:pt x="572719" y="1092702"/>
+                  <a:pt x="574797" y="1096858"/>
+                  <a:pt x="648919" y="1112098"/>
+                </a:cubicBezTo>
+                <a:cubicBezTo>
+                  <a:pt x="723041" y="1127338"/>
+                  <a:pt x="838034" y="1159896"/>
+                  <a:pt x="956490" y="1157818"/>
+                </a:cubicBezTo>
+                <a:cubicBezTo>
+                  <a:pt x="1074946" y="1155740"/>
+                  <a:pt x="1247435" y="1139807"/>
+                  <a:pt x="1359657" y="1099629"/>
+                </a:cubicBezTo>
+                <a:cubicBezTo>
+                  <a:pt x="1471879" y="1059451"/>
+                  <a:pt x="1568168" y="990871"/>
+                  <a:pt x="1629821" y="916749"/>
+                </a:cubicBezTo>
+                <a:cubicBezTo>
+                  <a:pt x="1691474" y="842627"/>
+                  <a:pt x="1744121" y="749802"/>
+                  <a:pt x="1729574" y="654898"/>
+                </a:cubicBezTo>
+                <a:cubicBezTo>
+                  <a:pt x="1715027" y="559994"/>
+                  <a:pt x="1609733" y="432532"/>
+                  <a:pt x="1542538" y="347327"/>
+                </a:cubicBezTo>
+                <a:cubicBezTo>
+                  <a:pt x="1475343" y="262122"/>
+                  <a:pt x="1417153" y="199083"/>
+                  <a:pt x="1326406" y="143665"/>
+                </a:cubicBezTo>
+                <a:cubicBezTo>
+                  <a:pt x="1235659" y="88247"/>
+                  <a:pt x="1105427" y="36985"/>
+                  <a:pt x="998054" y="14818"/>
+                </a:cubicBezTo>
+                <a:cubicBezTo>
+                  <a:pt x="890681" y="-7349"/>
+                  <a:pt x="791621" y="-1114"/>
+                  <a:pt x="682170" y="10662"/>
+                </a:cubicBezTo>
+                <a:cubicBezTo>
+                  <a:pt x="572719" y="22438"/>
+                  <a:pt x="441101" y="41142"/>
+                  <a:pt x="341348" y="85476"/>
+                </a:cubicBezTo>
+                <a:cubicBezTo>
+                  <a:pt x="241595" y="129810"/>
+                  <a:pt x="139072" y="217094"/>
+                  <a:pt x="83654" y="276669"/>
+                </a:cubicBezTo>
+                <a:cubicBezTo>
+                  <a:pt x="28236" y="336244"/>
+                  <a:pt x="21308" y="391662"/>
+                  <a:pt x="8839" y="442924"/>
+                </a:cubicBezTo>
+                <a:cubicBezTo>
+                  <a:pt x="-3630" y="494186"/>
+                  <a:pt x="-2245" y="530207"/>
+                  <a:pt x="8839" y="584240"/>
+                </a:cubicBezTo>
+                <a:cubicBezTo>
+                  <a:pt x="19923" y="638273"/>
+                  <a:pt x="29621" y="705467"/>
+                  <a:pt x="75341" y="767120"/>
+                </a:cubicBezTo>
+                <a:cubicBezTo>
+                  <a:pt x="121061" y="828773"/>
+                  <a:pt x="210423" y="904280"/>
+                  <a:pt x="283159" y="954156"/>
+                </a:cubicBezTo>
+                <a:cubicBezTo>
+                  <a:pt x="355895" y="1004032"/>
+                  <a:pt x="450799" y="1040054"/>
+                  <a:pt x="511759" y="1066378"/>
+                </a:cubicBezTo>
+                <a:close/>
+              </a:path>
+            </a:pathLst>
+          </a:custGeom>
+          <a:noFill/>
+          <a:ln w="15875">
+            <a:solidFill>
+              <a:schemeClr val="bg1"/>
+            </a:solidFill>
+            <a:prstDash val="dash"/>
+          </a:ln>
+        </p:spPr>
+        <p:style>
+          <a:lnRef idx="2">
+            <a:schemeClr val="accent1">
+              <a:shade val="50000"/>
+            </a:schemeClr>
+          </a:lnRef>
+          <a:fillRef idx="1">
+            <a:schemeClr val="accent1"/>
+          </a:fillRef>
+          <a:effectRef idx="0">
+            <a:schemeClr val="accent1"/>
+          </a:effectRef>
+          <a:fontRef idx="minor">
+            <a:schemeClr val="lt1"/>
+          </a:fontRef>
+        </p:style>
+        <p:txBody>
+          <a:bodyPr rtlCol="0" anchor="ctr"/>
+          <a:lstStyle/>
+          <a:p>
+            <a:pPr algn="ctr"/>
+            <a:endParaRPr lang="en-US" dirty="0"/>
+          </a:p>
+        </p:txBody>
+      </p:sp>
+    </p:spTree>
+    <p:extLst>
+      <p:ext uri="{BB962C8B-B14F-4D97-AF65-F5344CB8AC3E}">
+        <p14:creationId xmlns:p14="http://schemas.microsoft.com/office/powerpoint/2010/main" val="4100587412"/>
+      </p:ext>
+    </p:extLst>
+  </p:cSld>
+  <p:clrMapOvr>
+    <a:masterClrMapping/>
+  </p:clrMapOvr>
+</p:sld>
+</file>
+
+<file path=ppt/slides/slide7.xml><?xml version="1.0" encoding="utf-8"?>
+<p:sld xmlns:a="http://schemas.openxmlformats.org/drawingml/2006/main" xmlns:r="http://schemas.openxmlformats.org/officeDocument/2006/relationships" xmlns:p="http://schemas.openxmlformats.org/presentationml/2006/main">
+  <p:cSld>
+    <p:spTree>
+      <p:nvGrpSpPr>
+        <p:cNvPr id="1" name=""/>
+        <p:cNvGrpSpPr/>
+        <p:nvPr/>
+      </p:nvGrpSpPr>
+      <p:grpSpPr>
+        <a:xfrm>
+          <a:off x="0" y="0"/>
+          <a:ext cx="0" cy="0"/>
+          <a:chOff x="0" y="0"/>
+          <a:chExt cx="0" cy="0"/>
+        </a:xfrm>
+      </p:grpSpPr>
+      <p:sp>
+        <p:nvSpPr>
+          <p:cNvPr id="4" name="Freeform 3">
+            <a:extLst>
+              <a:ext uri="{FF2B5EF4-FFF2-40B4-BE49-F238E27FC236}">
+                <a16:creationId xmlns:a16="http://schemas.microsoft.com/office/drawing/2014/main" id="{D09FC8E9-CB92-FF49-8DFA-57A65ED9AAB3}"/>
+              </a:ext>
+            </a:extLst>
+          </p:cNvPr>
+          <p:cNvSpPr/>
+          <p:nvPr/>
+        </p:nvSpPr>
+        <p:spPr>
+          <a:xfrm>
+            <a:off x="2322786" y="4014952"/>
+            <a:ext cx="7147035" cy="1177158"/>
+          </a:xfrm>
+          <a:custGeom>
+            <a:avLst/>
+            <a:gdLst>
+              <a:gd name="connsiteX0" fmla="*/ 0 w 7147035"/>
+              <a:gd name="connsiteY0" fmla="*/ 0 h 1177158"/>
+              <a:gd name="connsiteX1" fmla="*/ 1818290 w 7147035"/>
+              <a:gd name="connsiteY1" fmla="*/ 746234 h 1177158"/>
+              <a:gd name="connsiteX2" fmla="*/ 4141076 w 7147035"/>
+              <a:gd name="connsiteY2" fmla="*/ 1051034 h 1177158"/>
+              <a:gd name="connsiteX3" fmla="*/ 7147035 w 7147035"/>
+              <a:gd name="connsiteY3" fmla="*/ 1177158 h 1177158"/>
+            </a:gdLst>
+            <a:ahLst/>
+            <a:cxnLst>
+              <a:cxn ang="0">
+                <a:pos x="connsiteX0" y="connsiteY0"/>
+              </a:cxn>
+              <a:cxn ang="0">
+                <a:pos x="connsiteX1" y="connsiteY1"/>
+              </a:cxn>
+              <a:cxn ang="0">
+                <a:pos x="connsiteX2" y="connsiteY2"/>
+              </a:cxn>
+              <a:cxn ang="0">
+                <a:pos x="connsiteX3" y="connsiteY3"/>
+              </a:cxn>
+            </a:cxnLst>
+            <a:rect l="l" t="t" r="r" b="b"/>
+            <a:pathLst>
+              <a:path w="7147035" h="1177158">
+                <a:moveTo>
+                  <a:pt x="0" y="0"/>
+                </a:moveTo>
+                <a:cubicBezTo>
+                  <a:pt x="564055" y="285531"/>
+                  <a:pt x="1128111" y="571062"/>
+                  <a:pt x="1818290" y="746234"/>
+                </a:cubicBezTo>
+                <a:cubicBezTo>
+                  <a:pt x="2508469" y="921406"/>
+                  <a:pt x="3252952" y="979213"/>
+                  <a:pt x="4141076" y="1051034"/>
+                </a:cubicBezTo>
+                <a:cubicBezTo>
+                  <a:pt x="5029200" y="1122855"/>
+                  <a:pt x="6088117" y="1150006"/>
+                  <a:pt x="7147035" y="1177158"/>
+                </a:cubicBezTo>
+              </a:path>
+            </a:pathLst>
+          </a:custGeom>
+          <a:noFill/>
+          <a:ln w="38100">
+            <a:solidFill>
+              <a:schemeClr val="tx1"/>
+            </a:solidFill>
+            <a:extLst>
+              <a:ext uri="{C807C97D-BFC1-408E-A445-0C87EB9F89A2}">
+                <ask:lineSketchStyleProps xmlns:ask="http://schemas.microsoft.com/office/drawing/2018/sketchyshapes" sd="1219033472">
+                  <a:custGeom>
+                    <a:avLst/>
+                    <a:gdLst>
+                      <a:gd name="connsiteX0" fmla="*/ 0 w 7147035"/>
+                      <a:gd name="connsiteY0" fmla="*/ 0 h 1177158"/>
+                      <a:gd name="connsiteX1" fmla="*/ 1818290 w 7147035"/>
+                      <a:gd name="connsiteY1" fmla="*/ 746234 h 1177158"/>
+                      <a:gd name="connsiteX2" fmla="*/ 4141076 w 7147035"/>
+                      <a:gd name="connsiteY2" fmla="*/ 1051034 h 1177158"/>
+                      <a:gd name="connsiteX3" fmla="*/ 7147035 w 7147035"/>
+                      <a:gd name="connsiteY3" fmla="*/ 1177158 h 1177158"/>
+                    </a:gdLst>
+                    <a:ahLst/>
+                    <a:cxnLst>
+                      <a:cxn ang="0">
+                        <a:pos x="connsiteX0" y="connsiteY0"/>
+                      </a:cxn>
+                      <a:cxn ang="0">
+                        <a:pos x="connsiteX1" y="connsiteY1"/>
+                      </a:cxn>
+                      <a:cxn ang="0">
+                        <a:pos x="connsiteX2" y="connsiteY2"/>
+                      </a:cxn>
+                      <a:cxn ang="0">
+                        <a:pos x="connsiteX3" y="connsiteY3"/>
+                      </a:cxn>
+                    </a:cxnLst>
+                    <a:rect l="l" t="t" r="r" b="b"/>
+                    <a:pathLst>
+                      <a:path w="7147035" h="1177158" extrusionOk="0">
+                        <a:moveTo>
+                          <a:pt x="0" y="0"/>
+                        </a:moveTo>
+                        <a:cubicBezTo>
+                          <a:pt x="540815" y="271196"/>
+                          <a:pt x="1077682" y="589989"/>
+                          <a:pt x="1818290" y="746234"/>
+                        </a:cubicBezTo>
+                        <a:cubicBezTo>
+                          <a:pt x="2681559" y="957845"/>
+                          <a:pt x="3053605" y="985552"/>
+                          <a:pt x="4141076" y="1051034"/>
+                        </a:cubicBezTo>
+                        <a:cubicBezTo>
+                          <a:pt x="5009824" y="1141776"/>
+                          <a:pt x="6059257" y="1309526"/>
+                          <a:pt x="7147035" y="1177158"/>
+                        </a:cubicBezTo>
+                      </a:path>
+                    </a:pathLst>
+                  </a:custGeom>
+                  <ask:type>
+                    <ask:lineSketchNone/>
+                  </ask:type>
+                </ask:lineSketchStyleProps>
+              </a:ext>
+            </a:extLst>
+          </a:ln>
+        </p:spPr>
+        <p:style>
+          <a:lnRef idx="2">
+            <a:schemeClr val="accent1">
+              <a:shade val="50000"/>
+            </a:schemeClr>
+          </a:lnRef>
+          <a:fillRef idx="1">
+            <a:schemeClr val="accent1"/>
+          </a:fillRef>
+          <a:effectRef idx="0">
+            <a:schemeClr val="accent1"/>
+          </a:effectRef>
+          <a:fontRef idx="minor">
+            <a:schemeClr val="lt1"/>
+          </a:fontRef>
+        </p:style>
+        <p:txBody>
+          <a:bodyPr rtlCol="0" anchor="ctr"/>
+          <a:lstStyle/>
+          <a:p>
+            <a:pPr algn="ctr"/>
+            <a:endParaRPr lang="en-US"/>
+          </a:p>
+        </p:txBody>
+      </p:sp>
+      <p:sp>
+        <p:nvSpPr>
+          <p:cNvPr id="5" name="Freeform 4">
+            <a:extLst>
+              <a:ext uri="{FF2B5EF4-FFF2-40B4-BE49-F238E27FC236}">
+                <a16:creationId xmlns:a16="http://schemas.microsoft.com/office/drawing/2014/main" id="{D9DD671B-D115-804D-B559-E6AC8C3238E2}"/>
+              </a:ext>
+            </a:extLst>
+          </p:cNvPr>
+          <p:cNvSpPr/>
+          <p:nvPr/>
+        </p:nvSpPr>
+        <p:spPr>
+          <a:xfrm>
+            <a:off x="2412488" y="3846690"/>
+            <a:ext cx="7025802" cy="1313890"/>
+          </a:xfrm>
+          <a:custGeom>
+            <a:avLst/>
+            <a:gdLst>
+              <a:gd name="connsiteX0" fmla="*/ 85743 w 6959509"/>
+              <a:gd name="connsiteY0" fmla="*/ 262927 h 1313961"/>
+              <a:gd name="connsiteX1" fmla="*/ 337991 w 6959509"/>
+              <a:gd name="connsiteY1" fmla="*/ 168 h 1313961"/>
+              <a:gd name="connsiteX2" fmla="*/ 432585 w 6959509"/>
+              <a:gd name="connsiteY2" fmla="*/ 220885 h 1313961"/>
+              <a:gd name="connsiteX3" fmla="*/ 611260 w 6959509"/>
+              <a:gd name="connsiteY3" fmla="*/ 84251 h 1313961"/>
+              <a:gd name="connsiteX4" fmla="*/ 789936 w 6959509"/>
+              <a:gd name="connsiteY4" fmla="*/ 578237 h 1313961"/>
+              <a:gd name="connsiteX5" fmla="*/ 1031674 w 6959509"/>
+              <a:gd name="connsiteY5" fmla="*/ 252416 h 1313961"/>
+              <a:gd name="connsiteX6" fmla="*/ 1336474 w 6959509"/>
+              <a:gd name="connsiteY6" fmla="*/ 777934 h 1313961"/>
+              <a:gd name="connsiteX7" fmla="*/ 1767398 w 6959509"/>
+              <a:gd name="connsiteY7" fmla="*/ 399561 h 1313961"/>
+              <a:gd name="connsiteX8" fmla="*/ 1798929 w 6959509"/>
+              <a:gd name="connsiteY8" fmla="*/ 672830 h 1313961"/>
+              <a:gd name="connsiteX9" fmla="*/ 1998626 w 6959509"/>
+              <a:gd name="connsiteY9" fmla="*/ 378541 h 1313961"/>
+              <a:gd name="connsiteX10" fmla="*/ 2082709 w 6959509"/>
+              <a:gd name="connsiteY10" fmla="*/ 746403 h 1313961"/>
+              <a:gd name="connsiteX11" fmla="*/ 2376998 w 6959509"/>
+              <a:gd name="connsiteY11" fmla="*/ 168334 h 1313961"/>
+              <a:gd name="connsiteX12" fmla="*/ 2429550 w 6959509"/>
+              <a:gd name="connsiteY12" fmla="*/ 977630 h 1313961"/>
+              <a:gd name="connsiteX13" fmla="*/ 2734350 w 6959509"/>
+              <a:gd name="connsiteY13" fmla="*/ 798954 h 1313961"/>
+              <a:gd name="connsiteX14" fmla="*/ 2997109 w 6959509"/>
+              <a:gd name="connsiteY14" fmla="*/ 399561 h 1313961"/>
+              <a:gd name="connsiteX15" fmla="*/ 3196805 w 6959509"/>
+              <a:gd name="connsiteY15" fmla="*/ 904058 h 1313961"/>
+              <a:gd name="connsiteX16" fmla="*/ 3648750 w 6959509"/>
+              <a:gd name="connsiteY16" fmla="*/ 651810 h 1313961"/>
+              <a:gd name="connsiteX17" fmla="*/ 3858957 w 6959509"/>
+              <a:gd name="connsiteY17" fmla="*/ 967120 h 1313961"/>
+              <a:gd name="connsiteX18" fmla="*/ 4205798 w 6959509"/>
+              <a:gd name="connsiteY18" fmla="*/ 410072 h 1313961"/>
+              <a:gd name="connsiteX19" fmla="*/ 4258350 w 6959509"/>
+              <a:gd name="connsiteY19" fmla="*/ 662320 h 1313961"/>
+              <a:gd name="connsiteX20" fmla="*/ 4342433 w 6959509"/>
+              <a:gd name="connsiteY20" fmla="*/ 483644 h 1313961"/>
+              <a:gd name="connsiteX21" fmla="*/ 4363453 w 6959509"/>
+              <a:gd name="connsiteY21" fmla="*/ 725382 h 1313961"/>
+              <a:gd name="connsiteX22" fmla="*/ 4426516 w 6959509"/>
+              <a:gd name="connsiteY22" fmla="*/ 473134 h 1313961"/>
+              <a:gd name="connsiteX23" fmla="*/ 4552640 w 6959509"/>
+              <a:gd name="connsiteY23" fmla="*/ 693851 h 1313961"/>
+              <a:gd name="connsiteX24" fmla="*/ 4636722 w 6959509"/>
+              <a:gd name="connsiteY24" fmla="*/ 1082734 h 1313961"/>
+              <a:gd name="connsiteX25" fmla="*/ 4920502 w 6959509"/>
+              <a:gd name="connsiteY25" fmla="*/ 925079 h 1313961"/>
+              <a:gd name="connsiteX26" fmla="*/ 5141219 w 6959509"/>
+              <a:gd name="connsiteY26" fmla="*/ 1187837 h 1313961"/>
+              <a:gd name="connsiteX27" fmla="*/ 5435509 w 6959509"/>
+              <a:gd name="connsiteY27" fmla="*/ 904058 h 1313961"/>
+              <a:gd name="connsiteX28" fmla="*/ 5698267 w 6959509"/>
+              <a:gd name="connsiteY28" fmla="*/ 1261410 h 1313961"/>
+              <a:gd name="connsiteX29" fmla="*/ 5992557 w 6959509"/>
+              <a:gd name="connsiteY29" fmla="*/ 1019672 h 1313961"/>
+              <a:gd name="connsiteX30" fmla="*/ 6066129 w 6959509"/>
+              <a:gd name="connsiteY30" fmla="*/ 1082734 h 1313961"/>
+              <a:gd name="connsiteX31" fmla="*/ 6171233 w 6959509"/>
+              <a:gd name="connsiteY31" fmla="*/ 1009161 h 1313961"/>
+              <a:gd name="connsiteX32" fmla="*/ 6213274 w 6959509"/>
+              <a:gd name="connsiteY32" fmla="*/ 1145796 h 1313961"/>
+              <a:gd name="connsiteX33" fmla="*/ 6276336 w 6959509"/>
+              <a:gd name="connsiteY33" fmla="*/ 1040692 h 1313961"/>
+              <a:gd name="connsiteX34" fmla="*/ 6381440 w 6959509"/>
+              <a:gd name="connsiteY34" fmla="*/ 1261410 h 1313961"/>
+              <a:gd name="connsiteX35" fmla="*/ 6507564 w 6959509"/>
+              <a:gd name="connsiteY35" fmla="*/ 1208858 h 1313961"/>
+              <a:gd name="connsiteX36" fmla="*/ 6591647 w 6959509"/>
+              <a:gd name="connsiteY36" fmla="*/ 1303451 h 1313961"/>
+              <a:gd name="connsiteX37" fmla="*/ 6728281 w 6959509"/>
+              <a:gd name="connsiteY37" fmla="*/ 1103754 h 1313961"/>
+              <a:gd name="connsiteX38" fmla="*/ 6959509 w 6959509"/>
+              <a:gd name="connsiteY38" fmla="*/ 1313961 h 1313961"/>
+              <a:gd name="connsiteX39" fmla="*/ 6959509 w 6959509"/>
+              <a:gd name="connsiteY39" fmla="*/ 1313961 h 1313961"/>
+              <a:gd name="connsiteX40" fmla="*/ 5130709 w 6959509"/>
+              <a:gd name="connsiteY40" fmla="*/ 1282430 h 1313961"/>
+              <a:gd name="connsiteX41" fmla="*/ 1988116 w 6959509"/>
+              <a:gd name="connsiteY41" fmla="*/ 998651 h 1313961"/>
+              <a:gd name="connsiteX42" fmla="*/ 85743 w 6959509"/>
+              <a:gd name="connsiteY42" fmla="*/ 262927 h 1313961"/>
+              <a:gd name="connsiteX0" fmla="*/ 78464 w 7025802"/>
+              <a:gd name="connsiteY0" fmla="*/ 252346 h 1313890"/>
+              <a:gd name="connsiteX1" fmla="*/ 404284 w 7025802"/>
+              <a:gd name="connsiteY1" fmla="*/ 97 h 1313890"/>
+              <a:gd name="connsiteX2" fmla="*/ 498878 w 7025802"/>
+              <a:gd name="connsiteY2" fmla="*/ 220814 h 1313890"/>
+              <a:gd name="connsiteX3" fmla="*/ 677553 w 7025802"/>
+              <a:gd name="connsiteY3" fmla="*/ 84180 h 1313890"/>
+              <a:gd name="connsiteX4" fmla="*/ 856229 w 7025802"/>
+              <a:gd name="connsiteY4" fmla="*/ 578166 h 1313890"/>
+              <a:gd name="connsiteX5" fmla="*/ 1097967 w 7025802"/>
+              <a:gd name="connsiteY5" fmla="*/ 252345 h 1313890"/>
+              <a:gd name="connsiteX6" fmla="*/ 1402767 w 7025802"/>
+              <a:gd name="connsiteY6" fmla="*/ 777863 h 1313890"/>
+              <a:gd name="connsiteX7" fmla="*/ 1833691 w 7025802"/>
+              <a:gd name="connsiteY7" fmla="*/ 399490 h 1313890"/>
+              <a:gd name="connsiteX8" fmla="*/ 1865222 w 7025802"/>
+              <a:gd name="connsiteY8" fmla="*/ 672759 h 1313890"/>
+              <a:gd name="connsiteX9" fmla="*/ 2064919 w 7025802"/>
+              <a:gd name="connsiteY9" fmla="*/ 378470 h 1313890"/>
+              <a:gd name="connsiteX10" fmla="*/ 2149002 w 7025802"/>
+              <a:gd name="connsiteY10" fmla="*/ 746332 h 1313890"/>
+              <a:gd name="connsiteX11" fmla="*/ 2443291 w 7025802"/>
+              <a:gd name="connsiteY11" fmla="*/ 168263 h 1313890"/>
+              <a:gd name="connsiteX12" fmla="*/ 2495843 w 7025802"/>
+              <a:gd name="connsiteY12" fmla="*/ 977559 h 1313890"/>
+              <a:gd name="connsiteX13" fmla="*/ 2800643 w 7025802"/>
+              <a:gd name="connsiteY13" fmla="*/ 798883 h 1313890"/>
+              <a:gd name="connsiteX14" fmla="*/ 3063402 w 7025802"/>
+              <a:gd name="connsiteY14" fmla="*/ 399490 h 1313890"/>
+              <a:gd name="connsiteX15" fmla="*/ 3263098 w 7025802"/>
+              <a:gd name="connsiteY15" fmla="*/ 903987 h 1313890"/>
+              <a:gd name="connsiteX16" fmla="*/ 3715043 w 7025802"/>
+              <a:gd name="connsiteY16" fmla="*/ 651739 h 1313890"/>
+              <a:gd name="connsiteX17" fmla="*/ 3925250 w 7025802"/>
+              <a:gd name="connsiteY17" fmla="*/ 967049 h 1313890"/>
+              <a:gd name="connsiteX18" fmla="*/ 4272091 w 7025802"/>
+              <a:gd name="connsiteY18" fmla="*/ 410001 h 1313890"/>
+              <a:gd name="connsiteX19" fmla="*/ 4324643 w 7025802"/>
+              <a:gd name="connsiteY19" fmla="*/ 662249 h 1313890"/>
+              <a:gd name="connsiteX20" fmla="*/ 4408726 w 7025802"/>
+              <a:gd name="connsiteY20" fmla="*/ 483573 h 1313890"/>
+              <a:gd name="connsiteX21" fmla="*/ 4429746 w 7025802"/>
+              <a:gd name="connsiteY21" fmla="*/ 725311 h 1313890"/>
+              <a:gd name="connsiteX22" fmla="*/ 4492809 w 7025802"/>
+              <a:gd name="connsiteY22" fmla="*/ 473063 h 1313890"/>
+              <a:gd name="connsiteX23" fmla="*/ 4618933 w 7025802"/>
+              <a:gd name="connsiteY23" fmla="*/ 693780 h 1313890"/>
+              <a:gd name="connsiteX24" fmla="*/ 4703015 w 7025802"/>
+              <a:gd name="connsiteY24" fmla="*/ 1082663 h 1313890"/>
+              <a:gd name="connsiteX25" fmla="*/ 4986795 w 7025802"/>
+              <a:gd name="connsiteY25" fmla="*/ 925008 h 1313890"/>
+              <a:gd name="connsiteX26" fmla="*/ 5207512 w 7025802"/>
+              <a:gd name="connsiteY26" fmla="*/ 1187766 h 1313890"/>
+              <a:gd name="connsiteX27" fmla="*/ 5501802 w 7025802"/>
+              <a:gd name="connsiteY27" fmla="*/ 903987 h 1313890"/>
+              <a:gd name="connsiteX28" fmla="*/ 5764560 w 7025802"/>
+              <a:gd name="connsiteY28" fmla="*/ 1261339 h 1313890"/>
+              <a:gd name="connsiteX29" fmla="*/ 6058850 w 7025802"/>
+              <a:gd name="connsiteY29" fmla="*/ 1019601 h 1313890"/>
+              <a:gd name="connsiteX30" fmla="*/ 6132422 w 7025802"/>
+              <a:gd name="connsiteY30" fmla="*/ 1082663 h 1313890"/>
+              <a:gd name="connsiteX31" fmla="*/ 6237526 w 7025802"/>
+              <a:gd name="connsiteY31" fmla="*/ 1009090 h 1313890"/>
+              <a:gd name="connsiteX32" fmla="*/ 6279567 w 7025802"/>
+              <a:gd name="connsiteY32" fmla="*/ 1145725 h 1313890"/>
+              <a:gd name="connsiteX33" fmla="*/ 6342629 w 7025802"/>
+              <a:gd name="connsiteY33" fmla="*/ 1040621 h 1313890"/>
+              <a:gd name="connsiteX34" fmla="*/ 6447733 w 7025802"/>
+              <a:gd name="connsiteY34" fmla="*/ 1261339 h 1313890"/>
+              <a:gd name="connsiteX35" fmla="*/ 6573857 w 7025802"/>
+              <a:gd name="connsiteY35" fmla="*/ 1208787 h 1313890"/>
+              <a:gd name="connsiteX36" fmla="*/ 6657940 w 7025802"/>
+              <a:gd name="connsiteY36" fmla="*/ 1303380 h 1313890"/>
+              <a:gd name="connsiteX37" fmla="*/ 6794574 w 7025802"/>
+              <a:gd name="connsiteY37" fmla="*/ 1103683 h 1313890"/>
+              <a:gd name="connsiteX38" fmla="*/ 7025802 w 7025802"/>
+              <a:gd name="connsiteY38" fmla="*/ 1313890 h 1313890"/>
+              <a:gd name="connsiteX39" fmla="*/ 7025802 w 7025802"/>
+              <a:gd name="connsiteY39" fmla="*/ 1313890 h 1313890"/>
+              <a:gd name="connsiteX40" fmla="*/ 5197002 w 7025802"/>
+              <a:gd name="connsiteY40" fmla="*/ 1282359 h 1313890"/>
+              <a:gd name="connsiteX41" fmla="*/ 2054409 w 7025802"/>
+              <a:gd name="connsiteY41" fmla="*/ 998580 h 1313890"/>
+              <a:gd name="connsiteX42" fmla="*/ 78464 w 7025802"/>
+              <a:gd name="connsiteY42" fmla="*/ 252346 h 1313890"/>
+              <a:gd name="connsiteX0" fmla="*/ 78464 w 7025802"/>
+              <a:gd name="connsiteY0" fmla="*/ 252346 h 1313890"/>
+              <a:gd name="connsiteX1" fmla="*/ 404284 w 7025802"/>
+              <a:gd name="connsiteY1" fmla="*/ 97 h 1313890"/>
+              <a:gd name="connsiteX2" fmla="*/ 498878 w 7025802"/>
+              <a:gd name="connsiteY2" fmla="*/ 220814 h 1313890"/>
+              <a:gd name="connsiteX3" fmla="*/ 677553 w 7025802"/>
+              <a:gd name="connsiteY3" fmla="*/ 84180 h 1313890"/>
+              <a:gd name="connsiteX4" fmla="*/ 856229 w 7025802"/>
+              <a:gd name="connsiteY4" fmla="*/ 578166 h 1313890"/>
+              <a:gd name="connsiteX5" fmla="*/ 1097967 w 7025802"/>
+              <a:gd name="connsiteY5" fmla="*/ 252345 h 1313890"/>
+              <a:gd name="connsiteX6" fmla="*/ 1402767 w 7025802"/>
+              <a:gd name="connsiteY6" fmla="*/ 777863 h 1313890"/>
+              <a:gd name="connsiteX7" fmla="*/ 1833691 w 7025802"/>
+              <a:gd name="connsiteY7" fmla="*/ 399490 h 1313890"/>
+              <a:gd name="connsiteX8" fmla="*/ 1865222 w 7025802"/>
+              <a:gd name="connsiteY8" fmla="*/ 672759 h 1313890"/>
+              <a:gd name="connsiteX9" fmla="*/ 2064919 w 7025802"/>
+              <a:gd name="connsiteY9" fmla="*/ 378470 h 1313890"/>
+              <a:gd name="connsiteX10" fmla="*/ 2149002 w 7025802"/>
+              <a:gd name="connsiteY10" fmla="*/ 746332 h 1313890"/>
+              <a:gd name="connsiteX11" fmla="*/ 2443291 w 7025802"/>
+              <a:gd name="connsiteY11" fmla="*/ 168263 h 1313890"/>
+              <a:gd name="connsiteX12" fmla="*/ 2495843 w 7025802"/>
+              <a:gd name="connsiteY12" fmla="*/ 977559 h 1313890"/>
+              <a:gd name="connsiteX13" fmla="*/ 2800643 w 7025802"/>
+              <a:gd name="connsiteY13" fmla="*/ 798883 h 1313890"/>
+              <a:gd name="connsiteX14" fmla="*/ 3063402 w 7025802"/>
+              <a:gd name="connsiteY14" fmla="*/ 399490 h 1313890"/>
+              <a:gd name="connsiteX15" fmla="*/ 3263098 w 7025802"/>
+              <a:gd name="connsiteY15" fmla="*/ 903987 h 1313890"/>
+              <a:gd name="connsiteX16" fmla="*/ 3715043 w 7025802"/>
+              <a:gd name="connsiteY16" fmla="*/ 651739 h 1313890"/>
+              <a:gd name="connsiteX17" fmla="*/ 3925250 w 7025802"/>
+              <a:gd name="connsiteY17" fmla="*/ 967049 h 1313890"/>
+              <a:gd name="connsiteX18" fmla="*/ 4272091 w 7025802"/>
+              <a:gd name="connsiteY18" fmla="*/ 410001 h 1313890"/>
+              <a:gd name="connsiteX19" fmla="*/ 4324643 w 7025802"/>
+              <a:gd name="connsiteY19" fmla="*/ 662249 h 1313890"/>
+              <a:gd name="connsiteX20" fmla="*/ 4408726 w 7025802"/>
+              <a:gd name="connsiteY20" fmla="*/ 483573 h 1313890"/>
+              <a:gd name="connsiteX21" fmla="*/ 4429746 w 7025802"/>
+              <a:gd name="connsiteY21" fmla="*/ 725311 h 1313890"/>
+              <a:gd name="connsiteX22" fmla="*/ 4492809 w 7025802"/>
+              <a:gd name="connsiteY22" fmla="*/ 473063 h 1313890"/>
+              <a:gd name="connsiteX23" fmla="*/ 4618933 w 7025802"/>
+              <a:gd name="connsiteY23" fmla="*/ 693780 h 1313890"/>
+              <a:gd name="connsiteX24" fmla="*/ 4703015 w 7025802"/>
+              <a:gd name="connsiteY24" fmla="*/ 1082663 h 1313890"/>
+              <a:gd name="connsiteX25" fmla="*/ 4986795 w 7025802"/>
+              <a:gd name="connsiteY25" fmla="*/ 925008 h 1313890"/>
+              <a:gd name="connsiteX26" fmla="*/ 5207512 w 7025802"/>
+              <a:gd name="connsiteY26" fmla="*/ 1187766 h 1313890"/>
+              <a:gd name="connsiteX27" fmla="*/ 5501802 w 7025802"/>
+              <a:gd name="connsiteY27" fmla="*/ 903987 h 1313890"/>
+              <a:gd name="connsiteX28" fmla="*/ 5764560 w 7025802"/>
+              <a:gd name="connsiteY28" fmla="*/ 1261339 h 1313890"/>
+              <a:gd name="connsiteX29" fmla="*/ 6058850 w 7025802"/>
+              <a:gd name="connsiteY29" fmla="*/ 1019601 h 1313890"/>
+              <a:gd name="connsiteX30" fmla="*/ 6132422 w 7025802"/>
+              <a:gd name="connsiteY30" fmla="*/ 1082663 h 1313890"/>
+              <a:gd name="connsiteX31" fmla="*/ 6237526 w 7025802"/>
+              <a:gd name="connsiteY31" fmla="*/ 1009090 h 1313890"/>
+              <a:gd name="connsiteX32" fmla="*/ 6279567 w 7025802"/>
+              <a:gd name="connsiteY32" fmla="*/ 1145725 h 1313890"/>
+              <a:gd name="connsiteX33" fmla="*/ 6342629 w 7025802"/>
+              <a:gd name="connsiteY33" fmla="*/ 1040621 h 1313890"/>
+              <a:gd name="connsiteX34" fmla="*/ 6447733 w 7025802"/>
+              <a:gd name="connsiteY34" fmla="*/ 1261339 h 1313890"/>
+              <a:gd name="connsiteX35" fmla="*/ 6573857 w 7025802"/>
+              <a:gd name="connsiteY35" fmla="*/ 1208787 h 1313890"/>
+              <a:gd name="connsiteX36" fmla="*/ 6657940 w 7025802"/>
+              <a:gd name="connsiteY36" fmla="*/ 1303380 h 1313890"/>
+              <a:gd name="connsiteX37" fmla="*/ 6794574 w 7025802"/>
+              <a:gd name="connsiteY37" fmla="*/ 1103683 h 1313890"/>
+              <a:gd name="connsiteX38" fmla="*/ 7025802 w 7025802"/>
+              <a:gd name="connsiteY38" fmla="*/ 1313890 h 1313890"/>
+              <a:gd name="connsiteX39" fmla="*/ 7025802 w 7025802"/>
+              <a:gd name="connsiteY39" fmla="*/ 1313890 h 1313890"/>
+              <a:gd name="connsiteX40" fmla="*/ 5197002 w 7025802"/>
+              <a:gd name="connsiteY40" fmla="*/ 1282359 h 1313890"/>
+              <a:gd name="connsiteX41" fmla="*/ 2054409 w 7025802"/>
+              <a:gd name="connsiteY41" fmla="*/ 998580 h 1313890"/>
+              <a:gd name="connsiteX42" fmla="*/ 78464 w 7025802"/>
+              <a:gd name="connsiteY42" fmla="*/ 252346 h 1313890"/>
+            </a:gdLst>
+            <a:ahLst/>
+            <a:cxnLst>
+              <a:cxn ang="0">
+                <a:pos x="connsiteX0" y="connsiteY0"/>
+              </a:cxn>
+              <a:cxn ang="0">
+                <a:pos x="connsiteX1" y="connsiteY1"/>
+              </a:cxn>
+              <a:cxn ang="0">
+                <a:pos x="connsiteX2" y="connsiteY2"/>
+              </a:cxn>
+              <a:cxn ang="0">
+                <a:pos x="connsiteX3" y="connsiteY3"/>
+              </a:cxn>
+              <a:cxn ang="0">
+                <a:pos x="connsiteX4" y="connsiteY4"/>
+              </a:cxn>
+              <a:cxn ang="0">
+                <a:pos x="connsiteX5" y="connsiteY5"/>
+              </a:cxn>
+              <a:cxn ang="0">
+                <a:pos x="connsiteX6" y="connsiteY6"/>
+              </a:cxn>
+              <a:cxn ang="0">
+                <a:pos x="connsiteX7" y="connsiteY7"/>
+              </a:cxn>
+              <a:cxn ang="0">
+                <a:pos x="connsiteX8" y="connsiteY8"/>
+              </a:cxn>
+              <a:cxn ang="0">
+                <a:pos x="connsiteX9" y="connsiteY9"/>
+              </a:cxn>
+              <a:cxn ang="0">
+                <a:pos x="connsiteX10" y="connsiteY10"/>
+              </a:cxn>
+              <a:cxn ang="0">
+                <a:pos x="connsiteX11" y="connsiteY11"/>
+              </a:cxn>
+              <a:cxn ang="0">
+                <a:pos x="connsiteX12" y="connsiteY12"/>
+              </a:cxn>
+              <a:cxn ang="0">
+                <a:pos x="connsiteX13" y="connsiteY13"/>
+              </a:cxn>
+              <a:cxn ang="0">
+                <a:pos x="connsiteX14" y="connsiteY14"/>
+              </a:cxn>
+              <a:cxn ang="0">
+                <a:pos x="connsiteX15" y="connsiteY15"/>
+              </a:cxn>
+              <a:cxn ang="0">
+                <a:pos x="connsiteX16" y="connsiteY16"/>
+              </a:cxn>
+              <a:cxn ang="0">
+                <a:pos x="connsiteX17" y="connsiteY17"/>
+              </a:cxn>
+              <a:cxn ang="0">
+                <a:pos x="connsiteX18" y="connsiteY18"/>
+              </a:cxn>
+              <a:cxn ang="0">
+                <a:pos x="connsiteX19" y="connsiteY19"/>
+              </a:cxn>
+              <a:cxn ang="0">
+                <a:pos x="connsiteX20" y="connsiteY20"/>
+              </a:cxn>
+              <a:cxn ang="0">
+                <a:pos x="connsiteX21" y="connsiteY21"/>
+              </a:cxn>
+              <a:cxn ang="0">
+                <a:pos x="connsiteX22" y="connsiteY22"/>
+              </a:cxn>
+              <a:cxn ang="0">
+                <a:pos x="connsiteX23" y="connsiteY23"/>
+              </a:cxn>
+              <a:cxn ang="0">
+                <a:pos x="connsiteX24" y="connsiteY24"/>
+              </a:cxn>
+              <a:cxn ang="0">
+                <a:pos x="connsiteX25" y="connsiteY25"/>
+              </a:cxn>
+              <a:cxn ang="0">
+                <a:pos x="connsiteX26" y="connsiteY26"/>
+              </a:cxn>
+              <a:cxn ang="0">
+                <a:pos x="connsiteX27" y="connsiteY27"/>
+              </a:cxn>
+              <a:cxn ang="0">
+                <a:pos x="connsiteX28" y="connsiteY28"/>
+              </a:cxn>
+              <a:cxn ang="0">
+                <a:pos x="connsiteX29" y="connsiteY29"/>
+              </a:cxn>
+              <a:cxn ang="0">
+                <a:pos x="connsiteX30" y="connsiteY30"/>
+              </a:cxn>
+              <a:cxn ang="0">
+                <a:pos x="connsiteX31" y="connsiteY31"/>
+              </a:cxn>
+              <a:cxn ang="0">
+                <a:pos x="connsiteX32" y="connsiteY32"/>
+              </a:cxn>
+              <a:cxn ang="0">
+                <a:pos x="connsiteX33" y="connsiteY33"/>
+              </a:cxn>
+              <a:cxn ang="0">
+                <a:pos x="connsiteX34" y="connsiteY34"/>
+              </a:cxn>
+              <a:cxn ang="0">
+                <a:pos x="connsiteX35" y="connsiteY35"/>
+              </a:cxn>
+              <a:cxn ang="0">
+                <a:pos x="connsiteX36" y="connsiteY36"/>
+              </a:cxn>
+              <a:cxn ang="0">
+                <a:pos x="connsiteX37" y="connsiteY37"/>
+              </a:cxn>
+              <a:cxn ang="0">
+                <a:pos x="connsiteX38" y="connsiteY38"/>
+              </a:cxn>
+              <a:cxn ang="0">
+                <a:pos x="connsiteX39" y="connsiteY39"/>
+              </a:cxn>
+              <a:cxn ang="0">
+                <a:pos x="connsiteX40" y="connsiteY40"/>
+              </a:cxn>
+              <a:cxn ang="0">
+                <a:pos x="connsiteX41" y="connsiteY41"/>
+              </a:cxn>
+              <a:cxn ang="0">
+                <a:pos x="connsiteX42" y="connsiteY42"/>
+              </a:cxn>
+            </a:cxnLst>
+            <a:rect l="l" t="t" r="r" b="b"/>
+            <a:pathLst>
+              <a:path w="7025802" h="1313890">
+                <a:moveTo>
+                  <a:pt x="78464" y="252346"/>
+                </a:moveTo>
+                <a:cubicBezTo>
+                  <a:pt x="-196557" y="106952"/>
+                  <a:pt x="334215" y="5352"/>
+                  <a:pt x="404284" y="97"/>
+                </a:cubicBezTo>
+                <a:cubicBezTo>
+                  <a:pt x="474353" y="-5158"/>
+                  <a:pt x="453333" y="206800"/>
+                  <a:pt x="498878" y="220814"/>
+                </a:cubicBezTo>
+                <a:cubicBezTo>
+                  <a:pt x="544423" y="234828"/>
+                  <a:pt x="617995" y="24621"/>
+                  <a:pt x="677553" y="84180"/>
+                </a:cubicBezTo>
+                <a:cubicBezTo>
+                  <a:pt x="737111" y="143739"/>
+                  <a:pt x="786160" y="550139"/>
+                  <a:pt x="856229" y="578166"/>
+                </a:cubicBezTo>
+                <a:cubicBezTo>
+                  <a:pt x="926298" y="606193"/>
+                  <a:pt x="1006877" y="219062"/>
+                  <a:pt x="1097967" y="252345"/>
+                </a:cubicBezTo>
+                <a:cubicBezTo>
+                  <a:pt x="1189057" y="285628"/>
+                  <a:pt x="1280146" y="753339"/>
+                  <a:pt x="1402767" y="777863"/>
+                </a:cubicBezTo>
+                <a:cubicBezTo>
+                  <a:pt x="1525388" y="802387"/>
+                  <a:pt x="1756615" y="417007"/>
+                  <a:pt x="1833691" y="399490"/>
+                </a:cubicBezTo>
+                <a:cubicBezTo>
+                  <a:pt x="1910767" y="381973"/>
+                  <a:pt x="1826684" y="676262"/>
+                  <a:pt x="1865222" y="672759"/>
+                </a:cubicBezTo>
+                <a:cubicBezTo>
+                  <a:pt x="1903760" y="669256"/>
+                  <a:pt x="2017622" y="366208"/>
+                  <a:pt x="2064919" y="378470"/>
+                </a:cubicBezTo>
+                <a:cubicBezTo>
+                  <a:pt x="2112216" y="390732"/>
+                  <a:pt x="2085940" y="781366"/>
+                  <a:pt x="2149002" y="746332"/>
+                </a:cubicBezTo>
+                <a:cubicBezTo>
+                  <a:pt x="2212064" y="711298"/>
+                  <a:pt x="2385484" y="129725"/>
+                  <a:pt x="2443291" y="168263"/>
+                </a:cubicBezTo>
+                <a:cubicBezTo>
+                  <a:pt x="2501098" y="206801"/>
+                  <a:pt x="2436284" y="872456"/>
+                  <a:pt x="2495843" y="977559"/>
+                </a:cubicBezTo>
+                <a:cubicBezTo>
+                  <a:pt x="2555402" y="1082662"/>
+                  <a:pt x="2706050" y="895228"/>
+                  <a:pt x="2800643" y="798883"/>
+                </a:cubicBezTo>
+                <a:cubicBezTo>
+                  <a:pt x="2895236" y="702538"/>
+                  <a:pt x="2986326" y="381973"/>
+                  <a:pt x="3063402" y="399490"/>
+                </a:cubicBezTo>
+                <a:cubicBezTo>
+                  <a:pt x="3140478" y="417007"/>
+                  <a:pt x="3154491" y="861946"/>
+                  <a:pt x="3263098" y="903987"/>
+                </a:cubicBezTo>
+                <a:cubicBezTo>
+                  <a:pt x="3371705" y="946028"/>
+                  <a:pt x="3604684" y="641229"/>
+                  <a:pt x="3715043" y="651739"/>
+                </a:cubicBezTo>
+                <a:cubicBezTo>
+                  <a:pt x="3825402" y="662249"/>
+                  <a:pt x="3832409" y="1007339"/>
+                  <a:pt x="3925250" y="967049"/>
+                </a:cubicBezTo>
+                <a:cubicBezTo>
+                  <a:pt x="4018091" y="926759"/>
+                  <a:pt x="4205526" y="460801"/>
+                  <a:pt x="4272091" y="410001"/>
+                </a:cubicBezTo>
+                <a:cubicBezTo>
+                  <a:pt x="4338656" y="359201"/>
+                  <a:pt x="4301871" y="649987"/>
+                  <a:pt x="4324643" y="662249"/>
+                </a:cubicBezTo>
+                <a:cubicBezTo>
+                  <a:pt x="4347416" y="674511"/>
+                  <a:pt x="4391209" y="473063"/>
+                  <a:pt x="4408726" y="483573"/>
+                </a:cubicBezTo>
+                <a:cubicBezTo>
+                  <a:pt x="4426243" y="494083"/>
+                  <a:pt x="4415732" y="727063"/>
+                  <a:pt x="4429746" y="725311"/>
+                </a:cubicBezTo>
+                <a:cubicBezTo>
+                  <a:pt x="4443760" y="723559"/>
+                  <a:pt x="4461278" y="478318"/>
+                  <a:pt x="4492809" y="473063"/>
+                </a:cubicBezTo>
+                <a:cubicBezTo>
+                  <a:pt x="4524340" y="467808"/>
+                  <a:pt x="4583899" y="592180"/>
+                  <a:pt x="4618933" y="693780"/>
+                </a:cubicBezTo>
+                <a:cubicBezTo>
+                  <a:pt x="4653967" y="795380"/>
+                  <a:pt x="4641705" y="1044125"/>
+                  <a:pt x="4703015" y="1082663"/>
+                </a:cubicBezTo>
+                <a:cubicBezTo>
+                  <a:pt x="4764325" y="1121201"/>
+                  <a:pt x="4902712" y="907491"/>
+                  <a:pt x="4986795" y="925008"/>
+                </a:cubicBezTo>
+                <a:cubicBezTo>
+                  <a:pt x="5070878" y="942525"/>
+                  <a:pt x="5121678" y="1191269"/>
+                  <a:pt x="5207512" y="1187766"/>
+                </a:cubicBezTo>
+                <a:cubicBezTo>
+                  <a:pt x="5293346" y="1184263"/>
+                  <a:pt x="5408961" y="891725"/>
+                  <a:pt x="5501802" y="903987"/>
+                </a:cubicBezTo>
+                <a:cubicBezTo>
+                  <a:pt x="5594643" y="916249"/>
+                  <a:pt x="5671719" y="1242070"/>
+                  <a:pt x="5764560" y="1261339"/>
+                </a:cubicBezTo>
+                <a:cubicBezTo>
+                  <a:pt x="5857401" y="1280608"/>
+                  <a:pt x="5997540" y="1049380"/>
+                  <a:pt x="6058850" y="1019601"/>
+                </a:cubicBezTo>
+                <a:cubicBezTo>
+                  <a:pt x="6120160" y="989822"/>
+                  <a:pt x="6102643" y="1084415"/>
+                  <a:pt x="6132422" y="1082663"/>
+                </a:cubicBezTo>
+                <a:cubicBezTo>
+                  <a:pt x="6162201" y="1080911"/>
+                  <a:pt x="6213002" y="998580"/>
+                  <a:pt x="6237526" y="1009090"/>
+                </a:cubicBezTo>
+                <a:cubicBezTo>
+                  <a:pt x="6262050" y="1019600"/>
+                  <a:pt x="6262050" y="1140470"/>
+                  <a:pt x="6279567" y="1145725"/>
+                </a:cubicBezTo>
+                <a:cubicBezTo>
+                  <a:pt x="6297084" y="1150980"/>
+                  <a:pt x="6314601" y="1021352"/>
+                  <a:pt x="6342629" y="1040621"/>
+                </a:cubicBezTo>
+                <a:cubicBezTo>
+                  <a:pt x="6370657" y="1059890"/>
+                  <a:pt x="6409195" y="1233311"/>
+                  <a:pt x="6447733" y="1261339"/>
+                </a:cubicBezTo>
+                <a:cubicBezTo>
+                  <a:pt x="6486271" y="1289367"/>
+                  <a:pt x="6538823" y="1201780"/>
+                  <a:pt x="6573857" y="1208787"/>
+                </a:cubicBezTo>
+                <a:cubicBezTo>
+                  <a:pt x="6608891" y="1215794"/>
+                  <a:pt x="6621154" y="1320897"/>
+                  <a:pt x="6657940" y="1303380"/>
+                </a:cubicBezTo>
+                <a:cubicBezTo>
+                  <a:pt x="6694726" y="1285863"/>
+                  <a:pt x="6733264" y="1101931"/>
+                  <a:pt x="6794574" y="1103683"/>
+                </a:cubicBezTo>
+                <a:cubicBezTo>
+                  <a:pt x="6855884" y="1105435"/>
+                  <a:pt x="7025802" y="1313890"/>
+                  <a:pt x="7025802" y="1313890"/>
+                </a:cubicBezTo>
+                <a:lnTo>
+                  <a:pt x="7025802" y="1313890"/>
+                </a:lnTo>
+                <a:lnTo>
+                  <a:pt x="5197002" y="1282359"/>
+                </a:lnTo>
+                <a:cubicBezTo>
+                  <a:pt x="4368437" y="1229807"/>
+                  <a:pt x="2907499" y="1170249"/>
+                  <a:pt x="2054409" y="998580"/>
+                </a:cubicBezTo>
+                <a:cubicBezTo>
+                  <a:pt x="1201319" y="826911"/>
+                  <a:pt x="353485" y="397740"/>
+                  <a:pt x="78464" y="252346"/>
+                </a:cubicBezTo>
+                <a:close/>
+              </a:path>
+            </a:pathLst>
+          </a:custGeom>
+          <a:solidFill>
+            <a:srgbClr val="4C6B82"/>
+          </a:solidFill>
+        </p:spPr>
+        <p:style>
+          <a:lnRef idx="2">
+            <a:schemeClr val="accent1">
+              <a:shade val="50000"/>
+            </a:schemeClr>
+          </a:lnRef>
+          <a:fillRef idx="1">
+            <a:schemeClr val="accent1"/>
+          </a:fillRef>
+          <a:effectRef idx="0">
+            <a:schemeClr val="accent1"/>
+          </a:effectRef>
+          <a:fontRef idx="minor">
+            <a:schemeClr val="lt1"/>
+          </a:fontRef>
+        </p:style>
+        <p:txBody>
+          <a:bodyPr rtlCol="0" anchor="ctr"/>
+          <a:lstStyle/>
+          <a:p>
+            <a:pPr algn="ctr"/>
+            <a:endParaRPr lang="en-US" dirty="0"/>
+          </a:p>
+        </p:txBody>
+      </p:sp>
+      <p:sp>
+        <p:nvSpPr>
+          <p:cNvPr id="6" name="Freeform 5">
+            <a:extLst>
+              <a:ext uri="{FF2B5EF4-FFF2-40B4-BE49-F238E27FC236}">
+                <a16:creationId xmlns:a16="http://schemas.microsoft.com/office/drawing/2014/main" id="{B989184D-E009-CD42-ACCA-C2FDB60D3EBF}"/>
+              </a:ext>
+            </a:extLst>
+          </p:cNvPr>
+          <p:cNvSpPr/>
+          <p:nvPr/>
+        </p:nvSpPr>
+        <p:spPr>
+          <a:xfrm>
+            <a:off x="3016468" y="1812848"/>
+            <a:ext cx="6568966" cy="452130"/>
+          </a:xfrm>
+          <a:custGeom>
+            <a:avLst/>
+            <a:gdLst>
+              <a:gd name="connsiteX0" fmla="*/ 6348249 w 6348249"/>
+              <a:gd name="connsiteY0" fmla="*/ 620110 h 620110"/>
+              <a:gd name="connsiteX1" fmla="*/ 4855780 w 6348249"/>
+              <a:gd name="connsiteY1" fmla="*/ 210207 h 620110"/>
+              <a:gd name="connsiteX2" fmla="*/ 3762704 w 6348249"/>
+              <a:gd name="connsiteY2" fmla="*/ 420414 h 620110"/>
+              <a:gd name="connsiteX3" fmla="*/ 2091559 w 6348249"/>
+              <a:gd name="connsiteY3" fmla="*/ 115614 h 620110"/>
+              <a:gd name="connsiteX4" fmla="*/ 851338 w 6348249"/>
+              <a:gd name="connsiteY4" fmla="*/ 241738 h 620110"/>
+              <a:gd name="connsiteX5" fmla="*/ 0 w 6348249"/>
+              <a:gd name="connsiteY5" fmla="*/ 0 h 620110"/>
+              <a:gd name="connsiteX6" fmla="*/ 0 w 6348249"/>
+              <a:gd name="connsiteY6" fmla="*/ 0 h 620110"/>
+              <a:gd name="connsiteX0" fmla="*/ 6348249 w 6348249"/>
+              <a:gd name="connsiteY0" fmla="*/ 620110 h 620110"/>
+              <a:gd name="connsiteX1" fmla="*/ 4855780 w 6348249"/>
+              <a:gd name="connsiteY1" fmla="*/ 210207 h 620110"/>
+              <a:gd name="connsiteX2" fmla="*/ 3762704 w 6348249"/>
+              <a:gd name="connsiteY2" fmla="*/ 420414 h 620110"/>
+              <a:gd name="connsiteX3" fmla="*/ 2091559 w 6348249"/>
+              <a:gd name="connsiteY3" fmla="*/ 115614 h 620110"/>
+              <a:gd name="connsiteX4" fmla="*/ 872359 w 6348249"/>
+              <a:gd name="connsiteY4" fmla="*/ 420414 h 620110"/>
+              <a:gd name="connsiteX5" fmla="*/ 0 w 6348249"/>
+              <a:gd name="connsiteY5" fmla="*/ 0 h 620110"/>
+              <a:gd name="connsiteX6" fmla="*/ 0 w 6348249"/>
+              <a:gd name="connsiteY6" fmla="*/ 0 h 620110"/>
+              <a:gd name="connsiteX0" fmla="*/ 6421821 w 6421821"/>
+              <a:gd name="connsiteY0" fmla="*/ 620110 h 620110"/>
+              <a:gd name="connsiteX1" fmla="*/ 4929352 w 6421821"/>
+              <a:gd name="connsiteY1" fmla="*/ 210207 h 620110"/>
+              <a:gd name="connsiteX2" fmla="*/ 3836276 w 6421821"/>
+              <a:gd name="connsiteY2" fmla="*/ 420414 h 620110"/>
+              <a:gd name="connsiteX3" fmla="*/ 2165131 w 6421821"/>
+              <a:gd name="connsiteY3" fmla="*/ 115614 h 620110"/>
+              <a:gd name="connsiteX4" fmla="*/ 945931 w 6421821"/>
+              <a:gd name="connsiteY4" fmla="*/ 420414 h 620110"/>
+              <a:gd name="connsiteX5" fmla="*/ 73572 w 6421821"/>
+              <a:gd name="connsiteY5" fmla="*/ 0 h 620110"/>
+              <a:gd name="connsiteX6" fmla="*/ 0 w 6421821"/>
+              <a:gd name="connsiteY6" fmla="*/ 105104 h 620110"/>
+              <a:gd name="connsiteX0" fmla="*/ 6348249 w 6348249"/>
+              <a:gd name="connsiteY0" fmla="*/ 620110 h 620110"/>
+              <a:gd name="connsiteX1" fmla="*/ 4855780 w 6348249"/>
+              <a:gd name="connsiteY1" fmla="*/ 210207 h 620110"/>
+              <a:gd name="connsiteX2" fmla="*/ 3762704 w 6348249"/>
+              <a:gd name="connsiteY2" fmla="*/ 420414 h 620110"/>
+              <a:gd name="connsiteX3" fmla="*/ 2091559 w 6348249"/>
+              <a:gd name="connsiteY3" fmla="*/ 115614 h 620110"/>
+              <a:gd name="connsiteX4" fmla="*/ 872359 w 6348249"/>
+              <a:gd name="connsiteY4" fmla="*/ 420414 h 620110"/>
+              <a:gd name="connsiteX5" fmla="*/ 0 w 6348249"/>
+              <a:gd name="connsiteY5" fmla="*/ 0 h 620110"/>
+              <a:gd name="connsiteX0" fmla="*/ 6348249 w 6348249"/>
+              <a:gd name="connsiteY0" fmla="*/ 620110 h 620110"/>
+              <a:gd name="connsiteX1" fmla="*/ 4855780 w 6348249"/>
+              <a:gd name="connsiteY1" fmla="*/ 210207 h 620110"/>
+              <a:gd name="connsiteX2" fmla="*/ 3909849 w 6348249"/>
+              <a:gd name="connsiteY2" fmla="*/ 472966 h 620110"/>
+              <a:gd name="connsiteX3" fmla="*/ 2091559 w 6348249"/>
+              <a:gd name="connsiteY3" fmla="*/ 115614 h 620110"/>
+              <a:gd name="connsiteX4" fmla="*/ 872359 w 6348249"/>
+              <a:gd name="connsiteY4" fmla="*/ 420414 h 620110"/>
+              <a:gd name="connsiteX5" fmla="*/ 0 w 6348249"/>
+              <a:gd name="connsiteY5" fmla="*/ 0 h 620110"/>
+              <a:gd name="connsiteX0" fmla="*/ 6495393 w 6495393"/>
+              <a:gd name="connsiteY0" fmla="*/ 567558 h 567558"/>
+              <a:gd name="connsiteX1" fmla="*/ 4855780 w 6495393"/>
+              <a:gd name="connsiteY1" fmla="*/ 210207 h 567558"/>
+              <a:gd name="connsiteX2" fmla="*/ 3909849 w 6495393"/>
+              <a:gd name="connsiteY2" fmla="*/ 472966 h 567558"/>
+              <a:gd name="connsiteX3" fmla="*/ 2091559 w 6495393"/>
+              <a:gd name="connsiteY3" fmla="*/ 115614 h 567558"/>
+              <a:gd name="connsiteX4" fmla="*/ 872359 w 6495393"/>
+              <a:gd name="connsiteY4" fmla="*/ 420414 h 567558"/>
+              <a:gd name="connsiteX5" fmla="*/ 0 w 6495393"/>
+              <a:gd name="connsiteY5" fmla="*/ 0 h 567558"/>
+              <a:gd name="connsiteX0" fmla="*/ 6495393 w 6495393"/>
+              <a:gd name="connsiteY0" fmla="*/ 567558 h 567558"/>
+              <a:gd name="connsiteX1" fmla="*/ 4855780 w 6495393"/>
+              <a:gd name="connsiteY1" fmla="*/ 210207 h 567558"/>
+              <a:gd name="connsiteX2" fmla="*/ 3909849 w 6495393"/>
+              <a:gd name="connsiteY2" fmla="*/ 472966 h 567558"/>
+              <a:gd name="connsiteX3" fmla="*/ 2091559 w 6495393"/>
+              <a:gd name="connsiteY3" fmla="*/ 115614 h 567558"/>
+              <a:gd name="connsiteX4" fmla="*/ 872359 w 6495393"/>
+              <a:gd name="connsiteY4" fmla="*/ 420414 h 567558"/>
+              <a:gd name="connsiteX5" fmla="*/ 0 w 6495393"/>
+              <a:gd name="connsiteY5" fmla="*/ 0 h 567558"/>
+              <a:gd name="connsiteX0" fmla="*/ 6568966 w 6568966"/>
+              <a:gd name="connsiteY0" fmla="*/ 452130 h 452130"/>
+              <a:gd name="connsiteX1" fmla="*/ 4929353 w 6568966"/>
+              <a:gd name="connsiteY1" fmla="*/ 94779 h 452130"/>
+              <a:gd name="connsiteX2" fmla="*/ 3983422 w 6568966"/>
+              <a:gd name="connsiteY2" fmla="*/ 357538 h 452130"/>
+              <a:gd name="connsiteX3" fmla="*/ 2165132 w 6568966"/>
+              <a:gd name="connsiteY3" fmla="*/ 186 h 452130"/>
+              <a:gd name="connsiteX4" fmla="*/ 945932 w 6568966"/>
+              <a:gd name="connsiteY4" fmla="*/ 304986 h 452130"/>
+              <a:gd name="connsiteX5" fmla="*/ 0 w 6568966"/>
+              <a:gd name="connsiteY5" fmla="*/ 52738 h 452130"/>
+            </a:gdLst>
+            <a:ahLst/>
+            <a:cxnLst>
+              <a:cxn ang="0">
+                <a:pos x="connsiteX0" y="connsiteY0"/>
+              </a:cxn>
+              <a:cxn ang="0">
+                <a:pos x="connsiteX1" y="connsiteY1"/>
+              </a:cxn>
+              <a:cxn ang="0">
+                <a:pos x="connsiteX2" y="connsiteY2"/>
+              </a:cxn>
+              <a:cxn ang="0">
+                <a:pos x="connsiteX3" y="connsiteY3"/>
+              </a:cxn>
+              <a:cxn ang="0">
+                <a:pos x="connsiteX4" y="connsiteY4"/>
+              </a:cxn>
+              <a:cxn ang="0">
+                <a:pos x="connsiteX5" y="connsiteY5"/>
+              </a:cxn>
+            </a:cxnLst>
+            <a:rect l="l" t="t" r="r" b="b"/>
+            <a:pathLst>
+              <a:path w="6568966" h="452130">
+                <a:moveTo>
+                  <a:pt x="6568966" y="452130"/>
+                </a:moveTo>
+                <a:cubicBezTo>
+                  <a:pt x="6006662" y="316371"/>
+                  <a:pt x="5360277" y="110544"/>
+                  <a:pt x="4929353" y="94779"/>
+                </a:cubicBezTo>
+                <a:cubicBezTo>
+                  <a:pt x="4498429" y="79014"/>
+                  <a:pt x="4444125" y="373303"/>
+                  <a:pt x="3983422" y="357538"/>
+                </a:cubicBezTo>
+                <a:cubicBezTo>
+                  <a:pt x="3522719" y="341773"/>
+                  <a:pt x="2671380" y="8945"/>
+                  <a:pt x="2165132" y="186"/>
+                </a:cubicBezTo>
+                <a:cubicBezTo>
+                  <a:pt x="1658884" y="-8573"/>
+                  <a:pt x="1306787" y="296227"/>
+                  <a:pt x="945932" y="304986"/>
+                </a:cubicBezTo>
+                <a:cubicBezTo>
+                  <a:pt x="585077" y="313745"/>
+                  <a:pt x="0" y="52738"/>
+                  <a:pt x="0" y="52738"/>
+                </a:cubicBezTo>
+              </a:path>
+            </a:pathLst>
+          </a:custGeom>
+          <a:noFill/>
+          <a:ln w="28575"/>
+        </p:spPr>
+        <p:style>
+          <a:lnRef idx="2">
+            <a:schemeClr val="accent1">
+              <a:shade val="50000"/>
+            </a:schemeClr>
+          </a:lnRef>
+          <a:fillRef idx="1">
+            <a:schemeClr val="accent1"/>
+          </a:fillRef>
+          <a:effectRef idx="0">
+            <a:schemeClr val="accent1"/>
+          </a:effectRef>
+          <a:fontRef idx="minor">
+            <a:schemeClr val="lt1"/>
+          </a:fontRef>
+        </p:style>
+        <p:txBody>
+          <a:bodyPr rtlCol="0" anchor="ctr"/>
+          <a:lstStyle/>
+          <a:p>
+            <a:pPr algn="ctr"/>
+            <a:endParaRPr lang="en-US"/>
+          </a:p>
+        </p:txBody>
+      </p:sp>
+      <p:cxnSp>
+        <p:nvCxnSpPr>
+          <p:cNvPr id="8" name="Straight Connector 7">
+            <a:extLst>
+              <a:ext uri="{FF2B5EF4-FFF2-40B4-BE49-F238E27FC236}">
+                <a16:creationId xmlns:a16="http://schemas.microsoft.com/office/drawing/2014/main" id="{42624478-2747-8144-9104-36235A723F0C}"/>
+              </a:ext>
+            </a:extLst>
+          </p:cNvPr>
+          <p:cNvCxnSpPr>
+            <a:cxnSpLocks/>
+          </p:cNvCxnSpPr>
+          <p:nvPr/>
+        </p:nvCxnSpPr>
+        <p:spPr>
+          <a:xfrm>
+            <a:off x="2102075" y="2007475"/>
+            <a:ext cx="7483366" cy="105104"/>
+          </a:xfrm>
+          <a:prstGeom prst="line">
+            <a:avLst/>
+          </a:prstGeom>
+          <a:ln w="12700">
+            <a:solidFill>
+              <a:schemeClr val="tx1"/>
+            </a:solidFill>
+            <a:prstDash val="lgDash"/>
+          </a:ln>
+        </p:spPr>
+        <p:style>
+          <a:lnRef idx="1">
+            <a:schemeClr val="accent1"/>
+          </a:lnRef>
+          <a:fillRef idx="0">
+            <a:schemeClr val="accent1"/>
+          </a:fillRef>
+          <a:effectRef idx="0">
+            <a:schemeClr val="accent1"/>
+          </a:effectRef>
+          <a:fontRef idx="minor">
+            <a:schemeClr val="tx1"/>
+          </a:fontRef>
+        </p:style>
+      </p:cxnSp>
+      <p:sp>
+        <p:nvSpPr>
+          <p:cNvPr id="15" name="Freeform 14">
+            <a:extLst>
+              <a:ext uri="{FF2B5EF4-FFF2-40B4-BE49-F238E27FC236}">
+                <a16:creationId xmlns:a16="http://schemas.microsoft.com/office/drawing/2014/main" id="{EFE60C55-AE43-E847-9E59-F51EF84F8AA7}"/>
+              </a:ext>
+            </a:extLst>
+          </p:cNvPr>
+          <p:cNvSpPr/>
+          <p:nvPr/>
+        </p:nvSpPr>
+        <p:spPr>
+          <a:xfrm>
+            <a:off x="3011218" y="1964922"/>
+            <a:ext cx="6568966" cy="526027"/>
+          </a:xfrm>
+          <a:custGeom>
+            <a:avLst/>
+            <a:gdLst>
+              <a:gd name="connsiteX0" fmla="*/ 6348249 w 6348249"/>
+              <a:gd name="connsiteY0" fmla="*/ 620110 h 620110"/>
+              <a:gd name="connsiteX1" fmla="*/ 4855780 w 6348249"/>
+              <a:gd name="connsiteY1" fmla="*/ 210207 h 620110"/>
+              <a:gd name="connsiteX2" fmla="*/ 3762704 w 6348249"/>
+              <a:gd name="connsiteY2" fmla="*/ 420414 h 620110"/>
+              <a:gd name="connsiteX3" fmla="*/ 2091559 w 6348249"/>
+              <a:gd name="connsiteY3" fmla="*/ 115614 h 620110"/>
+              <a:gd name="connsiteX4" fmla="*/ 851338 w 6348249"/>
+              <a:gd name="connsiteY4" fmla="*/ 241738 h 620110"/>
+              <a:gd name="connsiteX5" fmla="*/ 0 w 6348249"/>
+              <a:gd name="connsiteY5" fmla="*/ 0 h 620110"/>
+              <a:gd name="connsiteX6" fmla="*/ 0 w 6348249"/>
+              <a:gd name="connsiteY6" fmla="*/ 0 h 620110"/>
+              <a:gd name="connsiteX0" fmla="*/ 6348249 w 6348249"/>
+              <a:gd name="connsiteY0" fmla="*/ 620110 h 620110"/>
+              <a:gd name="connsiteX1" fmla="*/ 4855780 w 6348249"/>
+              <a:gd name="connsiteY1" fmla="*/ 210207 h 620110"/>
+              <a:gd name="connsiteX2" fmla="*/ 3762704 w 6348249"/>
+              <a:gd name="connsiteY2" fmla="*/ 420414 h 620110"/>
+              <a:gd name="connsiteX3" fmla="*/ 2091559 w 6348249"/>
+              <a:gd name="connsiteY3" fmla="*/ 115614 h 620110"/>
+              <a:gd name="connsiteX4" fmla="*/ 872359 w 6348249"/>
+              <a:gd name="connsiteY4" fmla="*/ 420414 h 620110"/>
+              <a:gd name="connsiteX5" fmla="*/ 0 w 6348249"/>
+              <a:gd name="connsiteY5" fmla="*/ 0 h 620110"/>
+              <a:gd name="connsiteX6" fmla="*/ 0 w 6348249"/>
+              <a:gd name="connsiteY6" fmla="*/ 0 h 620110"/>
+              <a:gd name="connsiteX0" fmla="*/ 6421821 w 6421821"/>
+              <a:gd name="connsiteY0" fmla="*/ 620110 h 620110"/>
+              <a:gd name="connsiteX1" fmla="*/ 4929352 w 6421821"/>
+              <a:gd name="connsiteY1" fmla="*/ 210207 h 620110"/>
+              <a:gd name="connsiteX2" fmla="*/ 3836276 w 6421821"/>
+              <a:gd name="connsiteY2" fmla="*/ 420414 h 620110"/>
+              <a:gd name="connsiteX3" fmla="*/ 2165131 w 6421821"/>
+              <a:gd name="connsiteY3" fmla="*/ 115614 h 620110"/>
+              <a:gd name="connsiteX4" fmla="*/ 945931 w 6421821"/>
+              <a:gd name="connsiteY4" fmla="*/ 420414 h 620110"/>
+              <a:gd name="connsiteX5" fmla="*/ 73572 w 6421821"/>
+              <a:gd name="connsiteY5" fmla="*/ 0 h 620110"/>
+              <a:gd name="connsiteX6" fmla="*/ 0 w 6421821"/>
+              <a:gd name="connsiteY6" fmla="*/ 105104 h 620110"/>
+              <a:gd name="connsiteX0" fmla="*/ 6348249 w 6348249"/>
+              <a:gd name="connsiteY0" fmla="*/ 620110 h 620110"/>
+              <a:gd name="connsiteX1" fmla="*/ 4855780 w 6348249"/>
+              <a:gd name="connsiteY1" fmla="*/ 210207 h 620110"/>
+              <a:gd name="connsiteX2" fmla="*/ 3762704 w 6348249"/>
+              <a:gd name="connsiteY2" fmla="*/ 420414 h 620110"/>
+              <a:gd name="connsiteX3" fmla="*/ 2091559 w 6348249"/>
+              <a:gd name="connsiteY3" fmla="*/ 115614 h 620110"/>
+              <a:gd name="connsiteX4" fmla="*/ 872359 w 6348249"/>
+              <a:gd name="connsiteY4" fmla="*/ 420414 h 620110"/>
+              <a:gd name="connsiteX5" fmla="*/ 0 w 6348249"/>
+              <a:gd name="connsiteY5" fmla="*/ 0 h 620110"/>
+              <a:gd name="connsiteX0" fmla="*/ 6348249 w 6348249"/>
+              <a:gd name="connsiteY0" fmla="*/ 620110 h 620110"/>
+              <a:gd name="connsiteX1" fmla="*/ 4855780 w 6348249"/>
+              <a:gd name="connsiteY1" fmla="*/ 210207 h 620110"/>
+              <a:gd name="connsiteX2" fmla="*/ 3909849 w 6348249"/>
+              <a:gd name="connsiteY2" fmla="*/ 472966 h 620110"/>
+              <a:gd name="connsiteX3" fmla="*/ 2091559 w 6348249"/>
+              <a:gd name="connsiteY3" fmla="*/ 115614 h 620110"/>
+              <a:gd name="connsiteX4" fmla="*/ 872359 w 6348249"/>
+              <a:gd name="connsiteY4" fmla="*/ 420414 h 620110"/>
+              <a:gd name="connsiteX5" fmla="*/ 0 w 6348249"/>
+              <a:gd name="connsiteY5" fmla="*/ 0 h 620110"/>
+              <a:gd name="connsiteX0" fmla="*/ 6495393 w 6495393"/>
+              <a:gd name="connsiteY0" fmla="*/ 567558 h 567558"/>
+              <a:gd name="connsiteX1" fmla="*/ 4855780 w 6495393"/>
+              <a:gd name="connsiteY1" fmla="*/ 210207 h 567558"/>
+              <a:gd name="connsiteX2" fmla="*/ 3909849 w 6495393"/>
+              <a:gd name="connsiteY2" fmla="*/ 472966 h 567558"/>
+              <a:gd name="connsiteX3" fmla="*/ 2091559 w 6495393"/>
+              <a:gd name="connsiteY3" fmla="*/ 115614 h 567558"/>
+              <a:gd name="connsiteX4" fmla="*/ 872359 w 6495393"/>
+              <a:gd name="connsiteY4" fmla="*/ 420414 h 567558"/>
+              <a:gd name="connsiteX5" fmla="*/ 0 w 6495393"/>
+              <a:gd name="connsiteY5" fmla="*/ 0 h 567558"/>
+              <a:gd name="connsiteX0" fmla="*/ 6495393 w 6495393"/>
+              <a:gd name="connsiteY0" fmla="*/ 567558 h 567558"/>
+              <a:gd name="connsiteX1" fmla="*/ 4855780 w 6495393"/>
+              <a:gd name="connsiteY1" fmla="*/ 210207 h 567558"/>
+              <a:gd name="connsiteX2" fmla="*/ 3909849 w 6495393"/>
+              <a:gd name="connsiteY2" fmla="*/ 472966 h 567558"/>
+              <a:gd name="connsiteX3" fmla="*/ 2091559 w 6495393"/>
+              <a:gd name="connsiteY3" fmla="*/ 115614 h 567558"/>
+              <a:gd name="connsiteX4" fmla="*/ 872359 w 6495393"/>
+              <a:gd name="connsiteY4" fmla="*/ 420414 h 567558"/>
+              <a:gd name="connsiteX5" fmla="*/ 0 w 6495393"/>
+              <a:gd name="connsiteY5" fmla="*/ 0 h 567558"/>
+              <a:gd name="connsiteX0" fmla="*/ 6568966 w 6568966"/>
+              <a:gd name="connsiteY0" fmla="*/ 452130 h 452130"/>
+              <a:gd name="connsiteX1" fmla="*/ 4929353 w 6568966"/>
+              <a:gd name="connsiteY1" fmla="*/ 94779 h 452130"/>
+              <a:gd name="connsiteX2" fmla="*/ 3983422 w 6568966"/>
+              <a:gd name="connsiteY2" fmla="*/ 357538 h 452130"/>
+              <a:gd name="connsiteX3" fmla="*/ 2165132 w 6568966"/>
+              <a:gd name="connsiteY3" fmla="*/ 186 h 452130"/>
+              <a:gd name="connsiteX4" fmla="*/ 945932 w 6568966"/>
+              <a:gd name="connsiteY4" fmla="*/ 304986 h 452130"/>
+              <a:gd name="connsiteX5" fmla="*/ 0 w 6568966"/>
+              <a:gd name="connsiteY5" fmla="*/ 52738 h 452130"/>
+              <a:gd name="connsiteX0" fmla="*/ 6568966 w 6568966"/>
+              <a:gd name="connsiteY0" fmla="*/ 525702 h 525702"/>
+              <a:gd name="connsiteX1" fmla="*/ 4929353 w 6568966"/>
+              <a:gd name="connsiteY1" fmla="*/ 94779 h 525702"/>
+              <a:gd name="connsiteX2" fmla="*/ 3983422 w 6568966"/>
+              <a:gd name="connsiteY2" fmla="*/ 357538 h 525702"/>
+              <a:gd name="connsiteX3" fmla="*/ 2165132 w 6568966"/>
+              <a:gd name="connsiteY3" fmla="*/ 186 h 525702"/>
+              <a:gd name="connsiteX4" fmla="*/ 945932 w 6568966"/>
+              <a:gd name="connsiteY4" fmla="*/ 304986 h 525702"/>
+              <a:gd name="connsiteX5" fmla="*/ 0 w 6568966"/>
+              <a:gd name="connsiteY5" fmla="*/ 52738 h 525702"/>
+              <a:gd name="connsiteX0" fmla="*/ 6568966 w 6568966"/>
+              <a:gd name="connsiteY0" fmla="*/ 525702 h 525702"/>
+              <a:gd name="connsiteX1" fmla="*/ 4929353 w 6568966"/>
+              <a:gd name="connsiteY1" fmla="*/ 147331 h 525702"/>
+              <a:gd name="connsiteX2" fmla="*/ 3983422 w 6568966"/>
+              <a:gd name="connsiteY2" fmla="*/ 357538 h 525702"/>
+              <a:gd name="connsiteX3" fmla="*/ 2165132 w 6568966"/>
+              <a:gd name="connsiteY3" fmla="*/ 186 h 525702"/>
+              <a:gd name="connsiteX4" fmla="*/ 945932 w 6568966"/>
+              <a:gd name="connsiteY4" fmla="*/ 304986 h 525702"/>
+              <a:gd name="connsiteX5" fmla="*/ 0 w 6568966"/>
+              <a:gd name="connsiteY5" fmla="*/ 52738 h 525702"/>
+              <a:gd name="connsiteX0" fmla="*/ 6568966 w 6568966"/>
+              <a:gd name="connsiteY0" fmla="*/ 526027 h 526027"/>
+              <a:gd name="connsiteX1" fmla="*/ 4929353 w 6568966"/>
+              <a:gd name="connsiteY1" fmla="*/ 147656 h 526027"/>
+              <a:gd name="connsiteX2" fmla="*/ 3983422 w 6568966"/>
+              <a:gd name="connsiteY2" fmla="*/ 357863 h 526027"/>
+              <a:gd name="connsiteX3" fmla="*/ 2165132 w 6568966"/>
+              <a:gd name="connsiteY3" fmla="*/ 511 h 526027"/>
+              <a:gd name="connsiteX4" fmla="*/ 945932 w 6568966"/>
+              <a:gd name="connsiteY4" fmla="*/ 273780 h 526027"/>
+              <a:gd name="connsiteX5" fmla="*/ 0 w 6568966"/>
+              <a:gd name="connsiteY5" fmla="*/ 53063 h 526027"/>
+            </a:gdLst>
+            <a:ahLst/>
+            <a:cxnLst>
+              <a:cxn ang="0">
+                <a:pos x="connsiteX0" y="connsiteY0"/>
+              </a:cxn>
+              <a:cxn ang="0">
+                <a:pos x="connsiteX1" y="connsiteY1"/>
+              </a:cxn>
+              <a:cxn ang="0">
+                <a:pos x="connsiteX2" y="connsiteY2"/>
+              </a:cxn>
+              <a:cxn ang="0">
+                <a:pos x="connsiteX3" y="connsiteY3"/>
+              </a:cxn>
+              <a:cxn ang="0">
+                <a:pos x="connsiteX4" y="connsiteY4"/>
+              </a:cxn>
+              <a:cxn ang="0">
+                <a:pos x="connsiteX5" y="connsiteY5"/>
+              </a:cxn>
+            </a:cxnLst>
+            <a:rect l="l" t="t" r="r" b="b"/>
+            <a:pathLst>
+              <a:path w="6568966" h="526027">
+                <a:moveTo>
+                  <a:pt x="6568966" y="526027"/>
+                </a:moveTo>
+                <a:cubicBezTo>
+                  <a:pt x="6006662" y="390268"/>
+                  <a:pt x="5360277" y="175683"/>
+                  <a:pt x="4929353" y="147656"/>
+                </a:cubicBezTo>
+                <a:cubicBezTo>
+                  <a:pt x="4498429" y="119629"/>
+                  <a:pt x="4444126" y="382387"/>
+                  <a:pt x="3983422" y="357863"/>
+                </a:cubicBezTo>
+                <a:cubicBezTo>
+                  <a:pt x="3522718" y="333339"/>
+                  <a:pt x="2671380" y="14525"/>
+                  <a:pt x="2165132" y="511"/>
+                </a:cubicBezTo>
+                <a:cubicBezTo>
+                  <a:pt x="1658884" y="-13503"/>
+                  <a:pt x="1306787" y="265021"/>
+                  <a:pt x="945932" y="273780"/>
+                </a:cubicBezTo>
+                <a:cubicBezTo>
+                  <a:pt x="585077" y="282539"/>
+                  <a:pt x="0" y="53063"/>
+                  <a:pt x="0" y="53063"/>
+                </a:cubicBezTo>
+              </a:path>
+            </a:pathLst>
+          </a:custGeom>
+          <a:noFill/>
+        </p:spPr>
+        <p:style>
+          <a:lnRef idx="2">
+            <a:schemeClr val="accent1">
+              <a:shade val="50000"/>
+            </a:schemeClr>
+          </a:lnRef>
+          <a:fillRef idx="1">
+            <a:schemeClr val="accent1"/>
+          </a:fillRef>
+          <a:effectRef idx="0">
+            <a:schemeClr val="accent1"/>
+          </a:effectRef>
+          <a:fontRef idx="minor">
+            <a:schemeClr val="lt1"/>
+          </a:fontRef>
+        </p:style>
+        <p:txBody>
+          <a:bodyPr rtlCol="0" anchor="ctr"/>
+          <a:lstStyle/>
+          <a:p>
+            <a:pPr algn="ctr"/>
+            <a:endParaRPr lang="en-US"/>
+          </a:p>
+        </p:txBody>
+      </p:sp>
+      <p:sp>
+        <p:nvSpPr>
+          <p:cNvPr id="16" name="Freeform 15">
+            <a:extLst>
+              <a:ext uri="{FF2B5EF4-FFF2-40B4-BE49-F238E27FC236}">
+                <a16:creationId xmlns:a16="http://schemas.microsoft.com/office/drawing/2014/main" id="{BC689090-0560-364D-A6F1-39B9133DBEA2}"/>
+              </a:ext>
+            </a:extLst>
+          </p:cNvPr>
+          <p:cNvSpPr/>
+          <p:nvPr/>
+        </p:nvSpPr>
+        <p:spPr>
+          <a:xfrm>
+            <a:off x="2969171" y="4062245"/>
+            <a:ext cx="6484883" cy="924911"/>
+          </a:xfrm>
+          <a:custGeom>
+            <a:avLst/>
+            <a:gdLst>
+              <a:gd name="connsiteX0" fmla="*/ 0 w 7147035"/>
+              <a:gd name="connsiteY0" fmla="*/ 0 h 1177158"/>
+              <a:gd name="connsiteX1" fmla="*/ 1818290 w 7147035"/>
+              <a:gd name="connsiteY1" fmla="*/ 746234 h 1177158"/>
+              <a:gd name="connsiteX2" fmla="*/ 4141076 w 7147035"/>
+              <a:gd name="connsiteY2" fmla="*/ 1051034 h 1177158"/>
+              <a:gd name="connsiteX3" fmla="*/ 7147035 w 7147035"/>
+              <a:gd name="connsiteY3" fmla="*/ 1177158 h 1177158"/>
+              <a:gd name="connsiteX0" fmla="*/ 0 w 6600497"/>
+              <a:gd name="connsiteY0" fmla="*/ 0 h 914400"/>
+              <a:gd name="connsiteX1" fmla="*/ 1271752 w 6600497"/>
+              <a:gd name="connsiteY1" fmla="*/ 483476 h 914400"/>
+              <a:gd name="connsiteX2" fmla="*/ 3594538 w 6600497"/>
+              <a:gd name="connsiteY2" fmla="*/ 788276 h 914400"/>
+              <a:gd name="connsiteX3" fmla="*/ 6600497 w 6600497"/>
+              <a:gd name="connsiteY3" fmla="*/ 914400 h 914400"/>
+              <a:gd name="connsiteX0" fmla="*/ 0 w 6484883"/>
+              <a:gd name="connsiteY0" fmla="*/ 0 h 924911"/>
+              <a:gd name="connsiteX1" fmla="*/ 1271752 w 6484883"/>
+              <a:gd name="connsiteY1" fmla="*/ 483476 h 924911"/>
+              <a:gd name="connsiteX2" fmla="*/ 3594538 w 6484883"/>
+              <a:gd name="connsiteY2" fmla="*/ 788276 h 924911"/>
+              <a:gd name="connsiteX3" fmla="*/ 6484883 w 6484883"/>
+              <a:gd name="connsiteY3" fmla="*/ 924911 h 924911"/>
+              <a:gd name="connsiteX0" fmla="*/ 0 w 6484883"/>
+              <a:gd name="connsiteY0" fmla="*/ 0 h 924911"/>
+              <a:gd name="connsiteX1" fmla="*/ 1271752 w 6484883"/>
+              <a:gd name="connsiteY1" fmla="*/ 483476 h 924911"/>
+              <a:gd name="connsiteX2" fmla="*/ 3594538 w 6484883"/>
+              <a:gd name="connsiteY2" fmla="*/ 788276 h 924911"/>
+              <a:gd name="connsiteX3" fmla="*/ 6484883 w 6484883"/>
+              <a:gd name="connsiteY3" fmla="*/ 924911 h 924911"/>
+            </a:gdLst>
+            <a:ahLst/>
+            <a:cxnLst>
+              <a:cxn ang="0">
+                <a:pos x="connsiteX0" y="connsiteY0"/>
+              </a:cxn>
+              <a:cxn ang="0">
+                <a:pos x="connsiteX1" y="connsiteY1"/>
+              </a:cxn>
+              <a:cxn ang="0">
+                <a:pos x="connsiteX2" y="connsiteY2"/>
+              </a:cxn>
+              <a:cxn ang="0">
+                <a:pos x="connsiteX3" y="connsiteY3"/>
+              </a:cxn>
+            </a:cxnLst>
+            <a:rect l="l" t="t" r="r" b="b"/>
+            <a:pathLst>
+              <a:path w="6484883" h="924911">
+                <a:moveTo>
+                  <a:pt x="0" y="0"/>
+                </a:moveTo>
+                <a:cubicBezTo>
+                  <a:pt x="564055" y="285531"/>
+                  <a:pt x="672662" y="320566"/>
+                  <a:pt x="1271752" y="483476"/>
+                </a:cubicBezTo>
+                <a:cubicBezTo>
+                  <a:pt x="1870842" y="646386"/>
+                  <a:pt x="2706414" y="716455"/>
+                  <a:pt x="3594538" y="788276"/>
+                </a:cubicBezTo>
+                <a:cubicBezTo>
+                  <a:pt x="4482662" y="860097"/>
+                  <a:pt x="5425965" y="897759"/>
+                  <a:pt x="6484883" y="924911"/>
+                </a:cubicBezTo>
+              </a:path>
+            </a:pathLst>
+          </a:custGeom>
+          <a:noFill/>
+          <a:ln w="12700">
+            <a:solidFill>
+              <a:srgbClr val="4C6B82"/>
+            </a:solidFill>
+            <a:extLst>
+              <a:ext uri="{C807C97D-BFC1-408E-A445-0C87EB9F89A2}">
+                <ask:lineSketchStyleProps xmlns:ask="http://schemas.microsoft.com/office/drawing/2018/sketchyshapes" sd="1219033472">
+                  <a:custGeom>
+                    <a:avLst/>
+                    <a:gdLst>
+                      <a:gd name="connsiteX0" fmla="*/ 0 w 7147035"/>
+                      <a:gd name="connsiteY0" fmla="*/ 0 h 1177158"/>
+                      <a:gd name="connsiteX1" fmla="*/ 1818290 w 7147035"/>
+                      <a:gd name="connsiteY1" fmla="*/ 746234 h 1177158"/>
+                      <a:gd name="connsiteX2" fmla="*/ 4141076 w 7147035"/>
+                      <a:gd name="connsiteY2" fmla="*/ 1051034 h 1177158"/>
+                      <a:gd name="connsiteX3" fmla="*/ 7147035 w 7147035"/>
+                      <a:gd name="connsiteY3" fmla="*/ 1177158 h 1177158"/>
+                    </a:gdLst>
+                    <a:ahLst/>
+                    <a:cxnLst>
+                      <a:cxn ang="0">
+                        <a:pos x="connsiteX0" y="connsiteY0"/>
+                      </a:cxn>
+                      <a:cxn ang="0">
+                        <a:pos x="connsiteX1" y="connsiteY1"/>
+                      </a:cxn>
+                      <a:cxn ang="0">
+                        <a:pos x="connsiteX2" y="connsiteY2"/>
+                      </a:cxn>
+                      <a:cxn ang="0">
+                        <a:pos x="connsiteX3" y="connsiteY3"/>
+                      </a:cxn>
+                    </a:cxnLst>
+                    <a:rect l="l" t="t" r="r" b="b"/>
+                    <a:pathLst>
+                      <a:path w="7147035" h="1177158" extrusionOk="0">
+                        <a:moveTo>
+                          <a:pt x="0" y="0"/>
+                        </a:moveTo>
+                        <a:cubicBezTo>
+                          <a:pt x="540815" y="271196"/>
+                          <a:pt x="1077682" y="589989"/>
+                          <a:pt x="1818290" y="746234"/>
+                        </a:cubicBezTo>
+                        <a:cubicBezTo>
+                          <a:pt x="2681559" y="957845"/>
+                          <a:pt x="3053605" y="985552"/>
+                          <a:pt x="4141076" y="1051034"/>
+                        </a:cubicBezTo>
+                        <a:cubicBezTo>
+                          <a:pt x="5009824" y="1141776"/>
+                          <a:pt x="6059257" y="1309526"/>
+                          <a:pt x="7147035" y="1177158"/>
+                        </a:cubicBezTo>
+                      </a:path>
+                    </a:pathLst>
+                  </a:custGeom>
+                  <ask:type>
+                    <ask:lineSketchNone/>
+                  </ask:type>
+                </ask:lineSketchStyleProps>
+              </a:ext>
+            </a:extLst>
+          </a:ln>
+        </p:spPr>
+        <p:style>
+          <a:lnRef idx="2">
+            <a:schemeClr val="accent1">
+              <a:shade val="50000"/>
+            </a:schemeClr>
+          </a:lnRef>
+          <a:fillRef idx="1">
+            <a:schemeClr val="accent1"/>
+          </a:fillRef>
+          <a:effectRef idx="0">
+            <a:schemeClr val="accent1"/>
+          </a:effectRef>
+          <a:fontRef idx="minor">
+            <a:schemeClr val="lt1"/>
+          </a:fontRef>
+        </p:style>
+        <p:txBody>
+          <a:bodyPr rtlCol="0" anchor="ctr"/>
+          <a:lstStyle/>
+          <a:p>
+            <a:pPr algn="ctr"/>
+            <a:endParaRPr lang="en-US"/>
+          </a:p>
+        </p:txBody>
+      </p:sp>
+      <p:sp>
+        <p:nvSpPr>
+          <p:cNvPr id="17" name="Freeform 16">
+            <a:extLst>
+              <a:ext uri="{FF2B5EF4-FFF2-40B4-BE49-F238E27FC236}">
+                <a16:creationId xmlns:a16="http://schemas.microsoft.com/office/drawing/2014/main" id="{C9BFB161-1BC7-B043-91F9-608D1D37152F}"/>
+              </a:ext>
+            </a:extLst>
+          </p:cNvPr>
+          <p:cNvSpPr/>
+          <p:nvPr/>
+        </p:nvSpPr>
+        <p:spPr>
+          <a:xfrm>
+            <a:off x="2974431" y="4183115"/>
+            <a:ext cx="6484883" cy="924911"/>
+          </a:xfrm>
+          <a:custGeom>
+            <a:avLst/>
+            <a:gdLst>
+              <a:gd name="connsiteX0" fmla="*/ 0 w 7147035"/>
+              <a:gd name="connsiteY0" fmla="*/ 0 h 1177158"/>
+              <a:gd name="connsiteX1" fmla="*/ 1818290 w 7147035"/>
+              <a:gd name="connsiteY1" fmla="*/ 746234 h 1177158"/>
+              <a:gd name="connsiteX2" fmla="*/ 4141076 w 7147035"/>
+              <a:gd name="connsiteY2" fmla="*/ 1051034 h 1177158"/>
+              <a:gd name="connsiteX3" fmla="*/ 7147035 w 7147035"/>
+              <a:gd name="connsiteY3" fmla="*/ 1177158 h 1177158"/>
+              <a:gd name="connsiteX0" fmla="*/ 0 w 6600497"/>
+              <a:gd name="connsiteY0" fmla="*/ 0 h 914400"/>
+              <a:gd name="connsiteX1" fmla="*/ 1271752 w 6600497"/>
+              <a:gd name="connsiteY1" fmla="*/ 483476 h 914400"/>
+              <a:gd name="connsiteX2" fmla="*/ 3594538 w 6600497"/>
+              <a:gd name="connsiteY2" fmla="*/ 788276 h 914400"/>
+              <a:gd name="connsiteX3" fmla="*/ 6600497 w 6600497"/>
+              <a:gd name="connsiteY3" fmla="*/ 914400 h 914400"/>
+              <a:gd name="connsiteX0" fmla="*/ 0 w 6484883"/>
+              <a:gd name="connsiteY0" fmla="*/ 0 h 924911"/>
+              <a:gd name="connsiteX1" fmla="*/ 1271752 w 6484883"/>
+              <a:gd name="connsiteY1" fmla="*/ 483476 h 924911"/>
+              <a:gd name="connsiteX2" fmla="*/ 3594538 w 6484883"/>
+              <a:gd name="connsiteY2" fmla="*/ 788276 h 924911"/>
+              <a:gd name="connsiteX3" fmla="*/ 6484883 w 6484883"/>
+              <a:gd name="connsiteY3" fmla="*/ 924911 h 924911"/>
+              <a:gd name="connsiteX0" fmla="*/ 0 w 6484883"/>
+              <a:gd name="connsiteY0" fmla="*/ 0 h 924911"/>
+              <a:gd name="connsiteX1" fmla="*/ 1271752 w 6484883"/>
+              <a:gd name="connsiteY1" fmla="*/ 483476 h 924911"/>
+              <a:gd name="connsiteX2" fmla="*/ 3594538 w 6484883"/>
+              <a:gd name="connsiteY2" fmla="*/ 788276 h 924911"/>
+              <a:gd name="connsiteX3" fmla="*/ 6484883 w 6484883"/>
+              <a:gd name="connsiteY3" fmla="*/ 924911 h 924911"/>
+            </a:gdLst>
+            <a:ahLst/>
+            <a:cxnLst>
+              <a:cxn ang="0">
+                <a:pos x="connsiteX0" y="connsiteY0"/>
+              </a:cxn>
+              <a:cxn ang="0">
+                <a:pos x="connsiteX1" y="connsiteY1"/>
+              </a:cxn>
+              <a:cxn ang="0">
+                <a:pos x="connsiteX2" y="connsiteY2"/>
+              </a:cxn>
+              <a:cxn ang="0">
+                <a:pos x="connsiteX3" y="connsiteY3"/>
+              </a:cxn>
+            </a:cxnLst>
+            <a:rect l="l" t="t" r="r" b="b"/>
+            <a:pathLst>
+              <a:path w="6484883" h="924911">
+                <a:moveTo>
+                  <a:pt x="0" y="0"/>
+                </a:moveTo>
+                <a:cubicBezTo>
+                  <a:pt x="564055" y="285531"/>
+                  <a:pt x="672662" y="320566"/>
+                  <a:pt x="1271752" y="483476"/>
+                </a:cubicBezTo>
+                <a:cubicBezTo>
+                  <a:pt x="1870842" y="646386"/>
+                  <a:pt x="2706414" y="716455"/>
+                  <a:pt x="3594538" y="788276"/>
+                </a:cubicBezTo>
+                <a:cubicBezTo>
+                  <a:pt x="4482662" y="860097"/>
+                  <a:pt x="5425965" y="897759"/>
+                  <a:pt x="6484883" y="924911"/>
+                </a:cubicBezTo>
+              </a:path>
+            </a:pathLst>
+          </a:custGeom>
+          <a:noFill/>
+          <a:ln w="12700">
+            <a:solidFill>
+              <a:srgbClr val="4C6B82"/>
+            </a:solidFill>
+            <a:extLst>
+              <a:ext uri="{C807C97D-BFC1-408E-A445-0C87EB9F89A2}">
+                <ask:lineSketchStyleProps xmlns:ask="http://schemas.microsoft.com/office/drawing/2018/sketchyshapes" sd="1219033472">
+                  <a:custGeom>
+                    <a:avLst/>
+                    <a:gdLst>
+                      <a:gd name="connsiteX0" fmla="*/ 0 w 7147035"/>
+                      <a:gd name="connsiteY0" fmla="*/ 0 h 1177158"/>
+                      <a:gd name="connsiteX1" fmla="*/ 1818290 w 7147035"/>
+                      <a:gd name="connsiteY1" fmla="*/ 746234 h 1177158"/>
+                      <a:gd name="connsiteX2" fmla="*/ 4141076 w 7147035"/>
+                      <a:gd name="connsiteY2" fmla="*/ 1051034 h 1177158"/>
+                      <a:gd name="connsiteX3" fmla="*/ 7147035 w 7147035"/>
+                      <a:gd name="connsiteY3" fmla="*/ 1177158 h 1177158"/>
+                    </a:gdLst>
+                    <a:ahLst/>
+                    <a:cxnLst>
+                      <a:cxn ang="0">
+                        <a:pos x="connsiteX0" y="connsiteY0"/>
+                      </a:cxn>
+                      <a:cxn ang="0">
+                        <a:pos x="connsiteX1" y="connsiteY1"/>
+                      </a:cxn>
+                      <a:cxn ang="0">
+                        <a:pos x="connsiteX2" y="connsiteY2"/>
+                      </a:cxn>
+                      <a:cxn ang="0">
+                        <a:pos x="connsiteX3" y="connsiteY3"/>
+                      </a:cxn>
+                    </a:cxnLst>
+                    <a:rect l="l" t="t" r="r" b="b"/>
+                    <a:pathLst>
+                      <a:path w="7147035" h="1177158" extrusionOk="0">
+                        <a:moveTo>
+                          <a:pt x="0" y="0"/>
+                        </a:moveTo>
+                        <a:cubicBezTo>
+                          <a:pt x="540815" y="271196"/>
+                          <a:pt x="1077682" y="589989"/>
+                          <a:pt x="1818290" y="746234"/>
+                        </a:cubicBezTo>
+                        <a:cubicBezTo>
+                          <a:pt x="2681559" y="957845"/>
+                          <a:pt x="3053605" y="985552"/>
+                          <a:pt x="4141076" y="1051034"/>
+                        </a:cubicBezTo>
+                        <a:cubicBezTo>
+                          <a:pt x="5009824" y="1141776"/>
+                          <a:pt x="6059257" y="1309526"/>
+                          <a:pt x="7147035" y="1177158"/>
+                        </a:cubicBezTo>
+                      </a:path>
+                    </a:pathLst>
+                  </a:custGeom>
+                  <ask:type>
+                    <ask:lineSketchNone/>
+                  </ask:type>
+                </ask:lineSketchStyleProps>
+              </a:ext>
+            </a:extLst>
+          </a:ln>
+        </p:spPr>
+        <p:style>
+          <a:lnRef idx="2">
+            <a:schemeClr val="accent1">
+              <a:shade val="50000"/>
+            </a:schemeClr>
+          </a:lnRef>
+          <a:fillRef idx="1">
+            <a:schemeClr val="accent1"/>
+          </a:fillRef>
+          <a:effectRef idx="0">
+            <a:schemeClr val="accent1"/>
+          </a:effectRef>
+          <a:fontRef idx="minor">
+            <a:schemeClr val="lt1"/>
+          </a:fontRef>
+        </p:style>
+        <p:txBody>
+          <a:bodyPr rtlCol="0" anchor="ctr"/>
+          <a:lstStyle/>
+          <a:p>
+            <a:pPr algn="ctr"/>
+            <a:endParaRPr lang="en-US"/>
+          </a:p>
+        </p:txBody>
+      </p:sp>
+      <p:sp>
+        <p:nvSpPr>
+          <p:cNvPr id="18" name="Freeform 17">
+            <a:extLst>
+              <a:ext uri="{FF2B5EF4-FFF2-40B4-BE49-F238E27FC236}">
+                <a16:creationId xmlns:a16="http://schemas.microsoft.com/office/drawing/2014/main" id="{FDC5AE78-F75B-584D-B26D-21B6A33464D2}"/>
+              </a:ext>
+            </a:extLst>
+          </p:cNvPr>
+          <p:cNvSpPr/>
+          <p:nvPr/>
+        </p:nvSpPr>
+        <p:spPr>
+          <a:xfrm>
+            <a:off x="2969173" y="3915102"/>
+            <a:ext cx="6484883" cy="924911"/>
+          </a:xfrm>
+          <a:custGeom>
+            <a:avLst/>
+            <a:gdLst>
+              <a:gd name="connsiteX0" fmla="*/ 0 w 7147035"/>
+              <a:gd name="connsiteY0" fmla="*/ 0 h 1177158"/>
+              <a:gd name="connsiteX1" fmla="*/ 1818290 w 7147035"/>
+              <a:gd name="connsiteY1" fmla="*/ 746234 h 1177158"/>
+              <a:gd name="connsiteX2" fmla="*/ 4141076 w 7147035"/>
+              <a:gd name="connsiteY2" fmla="*/ 1051034 h 1177158"/>
+              <a:gd name="connsiteX3" fmla="*/ 7147035 w 7147035"/>
+              <a:gd name="connsiteY3" fmla="*/ 1177158 h 1177158"/>
+              <a:gd name="connsiteX0" fmla="*/ 0 w 6600497"/>
+              <a:gd name="connsiteY0" fmla="*/ 0 h 914400"/>
+              <a:gd name="connsiteX1" fmla="*/ 1271752 w 6600497"/>
+              <a:gd name="connsiteY1" fmla="*/ 483476 h 914400"/>
+              <a:gd name="connsiteX2" fmla="*/ 3594538 w 6600497"/>
+              <a:gd name="connsiteY2" fmla="*/ 788276 h 914400"/>
+              <a:gd name="connsiteX3" fmla="*/ 6600497 w 6600497"/>
+              <a:gd name="connsiteY3" fmla="*/ 914400 h 914400"/>
+              <a:gd name="connsiteX0" fmla="*/ 0 w 6484883"/>
+              <a:gd name="connsiteY0" fmla="*/ 0 h 924911"/>
+              <a:gd name="connsiteX1" fmla="*/ 1271752 w 6484883"/>
+              <a:gd name="connsiteY1" fmla="*/ 483476 h 924911"/>
+              <a:gd name="connsiteX2" fmla="*/ 3594538 w 6484883"/>
+              <a:gd name="connsiteY2" fmla="*/ 788276 h 924911"/>
+              <a:gd name="connsiteX3" fmla="*/ 6484883 w 6484883"/>
+              <a:gd name="connsiteY3" fmla="*/ 924911 h 924911"/>
+              <a:gd name="connsiteX0" fmla="*/ 0 w 6484883"/>
+              <a:gd name="connsiteY0" fmla="*/ 0 h 924911"/>
+              <a:gd name="connsiteX1" fmla="*/ 1271752 w 6484883"/>
+              <a:gd name="connsiteY1" fmla="*/ 483476 h 924911"/>
+              <a:gd name="connsiteX2" fmla="*/ 3594538 w 6484883"/>
+              <a:gd name="connsiteY2" fmla="*/ 788276 h 924911"/>
+              <a:gd name="connsiteX3" fmla="*/ 6484883 w 6484883"/>
+              <a:gd name="connsiteY3" fmla="*/ 924911 h 924911"/>
+            </a:gdLst>
+            <a:ahLst/>
+            <a:cxnLst>
+              <a:cxn ang="0">
+                <a:pos x="connsiteX0" y="connsiteY0"/>
+              </a:cxn>
+              <a:cxn ang="0">
+                <a:pos x="connsiteX1" y="connsiteY1"/>
+              </a:cxn>
+              <a:cxn ang="0">
+                <a:pos x="connsiteX2" y="connsiteY2"/>
+              </a:cxn>
+              <a:cxn ang="0">
+                <a:pos x="connsiteX3" y="connsiteY3"/>
+              </a:cxn>
+            </a:cxnLst>
+            <a:rect l="l" t="t" r="r" b="b"/>
+            <a:pathLst>
+              <a:path w="6484883" h="924911">
+                <a:moveTo>
+                  <a:pt x="0" y="0"/>
+                </a:moveTo>
+                <a:cubicBezTo>
+                  <a:pt x="564055" y="285531"/>
+                  <a:pt x="672662" y="320566"/>
+                  <a:pt x="1271752" y="483476"/>
+                </a:cubicBezTo>
+                <a:cubicBezTo>
+                  <a:pt x="1870842" y="646386"/>
+                  <a:pt x="2706414" y="716455"/>
+                  <a:pt x="3594538" y="788276"/>
+                </a:cubicBezTo>
+                <a:cubicBezTo>
+                  <a:pt x="4482662" y="860097"/>
+                  <a:pt x="5425965" y="897759"/>
+                  <a:pt x="6484883" y="924911"/>
+                </a:cubicBezTo>
+              </a:path>
+            </a:pathLst>
+          </a:custGeom>
+          <a:noFill/>
+          <a:ln w="12700">
+            <a:solidFill>
+              <a:srgbClr val="4C6B82"/>
+            </a:solidFill>
+            <a:extLst>
+              <a:ext uri="{C807C97D-BFC1-408E-A445-0C87EB9F89A2}">
+                <ask:lineSketchStyleProps xmlns:ask="http://schemas.microsoft.com/office/drawing/2018/sketchyshapes" sd="1219033472">
+                  <a:custGeom>
+                    <a:avLst/>
+                    <a:gdLst>
+                      <a:gd name="connsiteX0" fmla="*/ 0 w 7147035"/>
+                      <a:gd name="connsiteY0" fmla="*/ 0 h 1177158"/>
+                      <a:gd name="connsiteX1" fmla="*/ 1818290 w 7147035"/>
+                      <a:gd name="connsiteY1" fmla="*/ 746234 h 1177158"/>
+                      <a:gd name="connsiteX2" fmla="*/ 4141076 w 7147035"/>
+                      <a:gd name="connsiteY2" fmla="*/ 1051034 h 1177158"/>
+                      <a:gd name="connsiteX3" fmla="*/ 7147035 w 7147035"/>
+                      <a:gd name="connsiteY3" fmla="*/ 1177158 h 1177158"/>
+                    </a:gdLst>
+                    <a:ahLst/>
+                    <a:cxnLst>
+                      <a:cxn ang="0">
+                        <a:pos x="connsiteX0" y="connsiteY0"/>
+                      </a:cxn>
+                      <a:cxn ang="0">
+                        <a:pos x="connsiteX1" y="connsiteY1"/>
+                      </a:cxn>
+                      <a:cxn ang="0">
+                        <a:pos x="connsiteX2" y="connsiteY2"/>
+                      </a:cxn>
+                      <a:cxn ang="0">
+                        <a:pos x="connsiteX3" y="connsiteY3"/>
+                      </a:cxn>
+                    </a:cxnLst>
+                    <a:rect l="l" t="t" r="r" b="b"/>
+                    <a:pathLst>
+                      <a:path w="7147035" h="1177158" extrusionOk="0">
+                        <a:moveTo>
+                          <a:pt x="0" y="0"/>
+                        </a:moveTo>
+                        <a:cubicBezTo>
+                          <a:pt x="540815" y="271196"/>
+                          <a:pt x="1077682" y="589989"/>
+                          <a:pt x="1818290" y="746234"/>
+                        </a:cubicBezTo>
+                        <a:cubicBezTo>
+                          <a:pt x="2681559" y="957845"/>
+                          <a:pt x="3053605" y="985552"/>
+                          <a:pt x="4141076" y="1051034"/>
+                        </a:cubicBezTo>
+                        <a:cubicBezTo>
+                          <a:pt x="5009824" y="1141776"/>
+                          <a:pt x="6059257" y="1309526"/>
+                          <a:pt x="7147035" y="1177158"/>
+                        </a:cubicBezTo>
+                      </a:path>
+                    </a:pathLst>
+                  </a:custGeom>
+                  <ask:type>
+                    <ask:lineSketchNone/>
+                  </ask:type>
+                </ask:lineSketchStyleProps>
+              </a:ext>
+            </a:extLst>
+          </a:ln>
+        </p:spPr>
+        <p:style>
+          <a:lnRef idx="2">
+            <a:schemeClr val="accent1">
+              <a:shade val="50000"/>
+            </a:schemeClr>
+          </a:lnRef>
+          <a:fillRef idx="1">
+            <a:schemeClr val="accent1"/>
+          </a:fillRef>
+          <a:effectRef idx="0">
+            <a:schemeClr val="accent1"/>
+          </a:effectRef>
+          <a:fontRef idx="minor">
+            <a:schemeClr val="lt1"/>
+          </a:fontRef>
+        </p:style>
+        <p:txBody>
+          <a:bodyPr rtlCol="0" anchor="ctr"/>
+          <a:lstStyle/>
+          <a:p>
+            <a:pPr algn="ctr"/>
+            <a:endParaRPr lang="en-US"/>
+          </a:p>
+        </p:txBody>
+      </p:sp>
+      <p:sp>
+        <p:nvSpPr>
+          <p:cNvPr id="19" name="Freeform 18">
+            <a:extLst>
+              <a:ext uri="{FF2B5EF4-FFF2-40B4-BE49-F238E27FC236}">
+                <a16:creationId xmlns:a16="http://schemas.microsoft.com/office/drawing/2014/main" id="{C517EA84-ED83-5E41-AC06-457BD1BA9D14}"/>
+              </a:ext>
+            </a:extLst>
+          </p:cNvPr>
+          <p:cNvSpPr/>
+          <p:nvPr/>
+        </p:nvSpPr>
+        <p:spPr>
+          <a:xfrm>
+            <a:off x="2974428" y="3783575"/>
+            <a:ext cx="6484883" cy="924911"/>
+          </a:xfrm>
+          <a:custGeom>
+            <a:avLst/>
+            <a:gdLst>
+              <a:gd name="connsiteX0" fmla="*/ 0 w 7147035"/>
+              <a:gd name="connsiteY0" fmla="*/ 0 h 1177158"/>
+              <a:gd name="connsiteX1" fmla="*/ 1818290 w 7147035"/>
+              <a:gd name="connsiteY1" fmla="*/ 746234 h 1177158"/>
+              <a:gd name="connsiteX2" fmla="*/ 4141076 w 7147035"/>
+              <a:gd name="connsiteY2" fmla="*/ 1051034 h 1177158"/>
+              <a:gd name="connsiteX3" fmla="*/ 7147035 w 7147035"/>
+              <a:gd name="connsiteY3" fmla="*/ 1177158 h 1177158"/>
+              <a:gd name="connsiteX0" fmla="*/ 0 w 6600497"/>
+              <a:gd name="connsiteY0" fmla="*/ 0 h 914400"/>
+              <a:gd name="connsiteX1" fmla="*/ 1271752 w 6600497"/>
+              <a:gd name="connsiteY1" fmla="*/ 483476 h 914400"/>
+              <a:gd name="connsiteX2" fmla="*/ 3594538 w 6600497"/>
+              <a:gd name="connsiteY2" fmla="*/ 788276 h 914400"/>
+              <a:gd name="connsiteX3" fmla="*/ 6600497 w 6600497"/>
+              <a:gd name="connsiteY3" fmla="*/ 914400 h 914400"/>
+              <a:gd name="connsiteX0" fmla="*/ 0 w 6484883"/>
+              <a:gd name="connsiteY0" fmla="*/ 0 h 924911"/>
+              <a:gd name="connsiteX1" fmla="*/ 1271752 w 6484883"/>
+              <a:gd name="connsiteY1" fmla="*/ 483476 h 924911"/>
+              <a:gd name="connsiteX2" fmla="*/ 3594538 w 6484883"/>
+              <a:gd name="connsiteY2" fmla="*/ 788276 h 924911"/>
+              <a:gd name="connsiteX3" fmla="*/ 6484883 w 6484883"/>
+              <a:gd name="connsiteY3" fmla="*/ 924911 h 924911"/>
+              <a:gd name="connsiteX0" fmla="*/ 0 w 6484883"/>
+              <a:gd name="connsiteY0" fmla="*/ 0 h 924911"/>
+              <a:gd name="connsiteX1" fmla="*/ 1271752 w 6484883"/>
+              <a:gd name="connsiteY1" fmla="*/ 483476 h 924911"/>
+              <a:gd name="connsiteX2" fmla="*/ 3594538 w 6484883"/>
+              <a:gd name="connsiteY2" fmla="*/ 788276 h 924911"/>
+              <a:gd name="connsiteX3" fmla="*/ 6484883 w 6484883"/>
+              <a:gd name="connsiteY3" fmla="*/ 924911 h 924911"/>
+            </a:gdLst>
+            <a:ahLst/>
+            <a:cxnLst>
+              <a:cxn ang="0">
+                <a:pos x="connsiteX0" y="connsiteY0"/>
+              </a:cxn>
+              <a:cxn ang="0">
+                <a:pos x="connsiteX1" y="connsiteY1"/>
+              </a:cxn>
+              <a:cxn ang="0">
+                <a:pos x="connsiteX2" y="connsiteY2"/>
+              </a:cxn>
+              <a:cxn ang="0">
+                <a:pos x="connsiteX3" y="connsiteY3"/>
+              </a:cxn>
+            </a:cxnLst>
+            <a:rect l="l" t="t" r="r" b="b"/>
+            <a:pathLst>
+              <a:path w="6484883" h="924911">
+                <a:moveTo>
+                  <a:pt x="0" y="0"/>
+                </a:moveTo>
+                <a:cubicBezTo>
+                  <a:pt x="564055" y="285531"/>
+                  <a:pt x="672662" y="320566"/>
+                  <a:pt x="1271752" y="483476"/>
+                </a:cubicBezTo>
+                <a:cubicBezTo>
+                  <a:pt x="1870842" y="646386"/>
+                  <a:pt x="2706414" y="716455"/>
+                  <a:pt x="3594538" y="788276"/>
+                </a:cubicBezTo>
+                <a:cubicBezTo>
+                  <a:pt x="4482662" y="860097"/>
+                  <a:pt x="5425965" y="897759"/>
+                  <a:pt x="6484883" y="924911"/>
+                </a:cubicBezTo>
+              </a:path>
+            </a:pathLst>
+          </a:custGeom>
+          <a:noFill/>
+          <a:ln w="12700">
+            <a:solidFill>
+              <a:srgbClr val="4C6B82"/>
+            </a:solidFill>
+            <a:extLst>
+              <a:ext uri="{C807C97D-BFC1-408E-A445-0C87EB9F89A2}">
+                <ask:lineSketchStyleProps xmlns:ask="http://schemas.microsoft.com/office/drawing/2018/sketchyshapes" sd="1219033472">
+                  <a:custGeom>
+                    <a:avLst/>
+                    <a:gdLst>
+                      <a:gd name="connsiteX0" fmla="*/ 0 w 7147035"/>
+                      <a:gd name="connsiteY0" fmla="*/ 0 h 1177158"/>
+                      <a:gd name="connsiteX1" fmla="*/ 1818290 w 7147035"/>
+                      <a:gd name="connsiteY1" fmla="*/ 746234 h 1177158"/>
+                      <a:gd name="connsiteX2" fmla="*/ 4141076 w 7147035"/>
+                      <a:gd name="connsiteY2" fmla="*/ 1051034 h 1177158"/>
+                      <a:gd name="connsiteX3" fmla="*/ 7147035 w 7147035"/>
+                      <a:gd name="connsiteY3" fmla="*/ 1177158 h 1177158"/>
+                    </a:gdLst>
+                    <a:ahLst/>
+                    <a:cxnLst>
+                      <a:cxn ang="0">
+                        <a:pos x="connsiteX0" y="connsiteY0"/>
+                      </a:cxn>
+                      <a:cxn ang="0">
+                        <a:pos x="connsiteX1" y="connsiteY1"/>
+                      </a:cxn>
+                      <a:cxn ang="0">
+                        <a:pos x="connsiteX2" y="connsiteY2"/>
+                      </a:cxn>
+                      <a:cxn ang="0">
+                        <a:pos x="connsiteX3" y="connsiteY3"/>
+                      </a:cxn>
+                    </a:cxnLst>
+                    <a:rect l="l" t="t" r="r" b="b"/>
+                    <a:pathLst>
+                      <a:path w="7147035" h="1177158" extrusionOk="0">
+                        <a:moveTo>
+                          <a:pt x="0" y="0"/>
+                        </a:moveTo>
+                        <a:cubicBezTo>
+                          <a:pt x="540815" y="271196"/>
+                          <a:pt x="1077682" y="589989"/>
+                          <a:pt x="1818290" y="746234"/>
+                        </a:cubicBezTo>
+                        <a:cubicBezTo>
+                          <a:pt x="2681559" y="957845"/>
+                          <a:pt x="3053605" y="985552"/>
+                          <a:pt x="4141076" y="1051034"/>
+                        </a:cubicBezTo>
+                        <a:cubicBezTo>
+                          <a:pt x="5009824" y="1141776"/>
+                          <a:pt x="6059257" y="1309526"/>
+                          <a:pt x="7147035" y="1177158"/>
+                        </a:cubicBezTo>
+                      </a:path>
+                    </a:pathLst>
+                  </a:custGeom>
+                  <ask:type>
+                    <ask:lineSketchNone/>
+                  </ask:type>
+                </ask:lineSketchStyleProps>
+              </a:ext>
+            </a:extLst>
+          </a:ln>
+        </p:spPr>
+        <p:style>
+          <a:lnRef idx="2">
+            <a:schemeClr val="accent1">
+              <a:shade val="50000"/>
+            </a:schemeClr>
+          </a:lnRef>
+          <a:fillRef idx="1">
+            <a:schemeClr val="accent1"/>
+          </a:fillRef>
+          <a:effectRef idx="0">
+            <a:schemeClr val="accent1"/>
+          </a:effectRef>
+          <a:fontRef idx="minor">
+            <a:schemeClr val="lt1"/>
+          </a:fontRef>
+        </p:style>
+        <p:txBody>
+          <a:bodyPr rtlCol="0" anchor="ctr"/>
+          <a:lstStyle/>
+          <a:p>
+            <a:pPr algn="ctr"/>
+            <a:endParaRPr lang="en-US"/>
+          </a:p>
+        </p:txBody>
+      </p:sp>
+      <p:sp>
+        <p:nvSpPr>
+          <p:cNvPr id="20" name="Freeform 19">
+            <a:extLst>
+              <a:ext uri="{FF2B5EF4-FFF2-40B4-BE49-F238E27FC236}">
+                <a16:creationId xmlns:a16="http://schemas.microsoft.com/office/drawing/2014/main" id="{CA6C716E-9092-FF4E-B96F-A79B53213B80}"/>
+              </a:ext>
+            </a:extLst>
+          </p:cNvPr>
+          <p:cNvSpPr/>
+          <p:nvPr/>
+        </p:nvSpPr>
+        <p:spPr>
+          <a:xfrm>
+            <a:off x="2990198" y="3652198"/>
+            <a:ext cx="6484883" cy="924911"/>
+          </a:xfrm>
+          <a:custGeom>
+            <a:avLst/>
+            <a:gdLst>
+              <a:gd name="connsiteX0" fmla="*/ 0 w 7147035"/>
+              <a:gd name="connsiteY0" fmla="*/ 0 h 1177158"/>
+              <a:gd name="connsiteX1" fmla="*/ 1818290 w 7147035"/>
+              <a:gd name="connsiteY1" fmla="*/ 746234 h 1177158"/>
+              <a:gd name="connsiteX2" fmla="*/ 4141076 w 7147035"/>
+              <a:gd name="connsiteY2" fmla="*/ 1051034 h 1177158"/>
+              <a:gd name="connsiteX3" fmla="*/ 7147035 w 7147035"/>
+              <a:gd name="connsiteY3" fmla="*/ 1177158 h 1177158"/>
+              <a:gd name="connsiteX0" fmla="*/ 0 w 6600497"/>
+              <a:gd name="connsiteY0" fmla="*/ 0 h 914400"/>
+              <a:gd name="connsiteX1" fmla="*/ 1271752 w 6600497"/>
+              <a:gd name="connsiteY1" fmla="*/ 483476 h 914400"/>
+              <a:gd name="connsiteX2" fmla="*/ 3594538 w 6600497"/>
+              <a:gd name="connsiteY2" fmla="*/ 788276 h 914400"/>
+              <a:gd name="connsiteX3" fmla="*/ 6600497 w 6600497"/>
+              <a:gd name="connsiteY3" fmla="*/ 914400 h 914400"/>
+              <a:gd name="connsiteX0" fmla="*/ 0 w 6484883"/>
+              <a:gd name="connsiteY0" fmla="*/ 0 h 924911"/>
+              <a:gd name="connsiteX1" fmla="*/ 1271752 w 6484883"/>
+              <a:gd name="connsiteY1" fmla="*/ 483476 h 924911"/>
+              <a:gd name="connsiteX2" fmla="*/ 3594538 w 6484883"/>
+              <a:gd name="connsiteY2" fmla="*/ 788276 h 924911"/>
+              <a:gd name="connsiteX3" fmla="*/ 6484883 w 6484883"/>
+              <a:gd name="connsiteY3" fmla="*/ 924911 h 924911"/>
+              <a:gd name="connsiteX0" fmla="*/ 0 w 6484883"/>
+              <a:gd name="connsiteY0" fmla="*/ 0 h 924911"/>
+              <a:gd name="connsiteX1" fmla="*/ 1271752 w 6484883"/>
+              <a:gd name="connsiteY1" fmla="*/ 483476 h 924911"/>
+              <a:gd name="connsiteX2" fmla="*/ 3594538 w 6484883"/>
+              <a:gd name="connsiteY2" fmla="*/ 788276 h 924911"/>
+              <a:gd name="connsiteX3" fmla="*/ 6484883 w 6484883"/>
+              <a:gd name="connsiteY3" fmla="*/ 924911 h 924911"/>
+            </a:gdLst>
+            <a:ahLst/>
+            <a:cxnLst>
+              <a:cxn ang="0">
+                <a:pos x="connsiteX0" y="connsiteY0"/>
+              </a:cxn>
+              <a:cxn ang="0">
+                <a:pos x="connsiteX1" y="connsiteY1"/>
+              </a:cxn>
+              <a:cxn ang="0">
+                <a:pos x="connsiteX2" y="connsiteY2"/>
+              </a:cxn>
+              <a:cxn ang="0">
+                <a:pos x="connsiteX3" y="connsiteY3"/>
+              </a:cxn>
+            </a:cxnLst>
+            <a:rect l="l" t="t" r="r" b="b"/>
+            <a:pathLst>
+              <a:path w="6484883" h="924911">
+                <a:moveTo>
+                  <a:pt x="0" y="0"/>
+                </a:moveTo>
+                <a:cubicBezTo>
+                  <a:pt x="564055" y="285531"/>
+                  <a:pt x="672662" y="320566"/>
+                  <a:pt x="1271752" y="483476"/>
+                </a:cubicBezTo>
+                <a:cubicBezTo>
+                  <a:pt x="1870842" y="646386"/>
+                  <a:pt x="2706414" y="716455"/>
+                  <a:pt x="3594538" y="788276"/>
+                </a:cubicBezTo>
+                <a:cubicBezTo>
+                  <a:pt x="4482662" y="860097"/>
+                  <a:pt x="5425965" y="897759"/>
+                  <a:pt x="6484883" y="924911"/>
+                </a:cubicBezTo>
+              </a:path>
+            </a:pathLst>
+          </a:custGeom>
+          <a:noFill/>
+          <a:ln w="12700">
+            <a:solidFill>
+              <a:srgbClr val="4C6B82"/>
+            </a:solidFill>
+            <a:extLst>
+              <a:ext uri="{C807C97D-BFC1-408E-A445-0C87EB9F89A2}">
+                <ask:lineSketchStyleProps xmlns:ask="http://schemas.microsoft.com/office/drawing/2018/sketchyshapes" sd="1219033472">
+                  <a:custGeom>
+                    <a:avLst/>
+                    <a:gdLst>
+                      <a:gd name="connsiteX0" fmla="*/ 0 w 7147035"/>
+                      <a:gd name="connsiteY0" fmla="*/ 0 h 1177158"/>
+                      <a:gd name="connsiteX1" fmla="*/ 1818290 w 7147035"/>
+                      <a:gd name="connsiteY1" fmla="*/ 746234 h 1177158"/>
+                      <a:gd name="connsiteX2" fmla="*/ 4141076 w 7147035"/>
+                      <a:gd name="connsiteY2" fmla="*/ 1051034 h 1177158"/>
+                      <a:gd name="connsiteX3" fmla="*/ 7147035 w 7147035"/>
+                      <a:gd name="connsiteY3" fmla="*/ 1177158 h 1177158"/>
+                    </a:gdLst>
+                    <a:ahLst/>
+                    <a:cxnLst>
+                      <a:cxn ang="0">
+                        <a:pos x="connsiteX0" y="connsiteY0"/>
+                      </a:cxn>
+                      <a:cxn ang="0">
+                        <a:pos x="connsiteX1" y="connsiteY1"/>
+                      </a:cxn>
+                      <a:cxn ang="0">
+                        <a:pos x="connsiteX2" y="connsiteY2"/>
+                      </a:cxn>
+                      <a:cxn ang="0">
+                        <a:pos x="connsiteX3" y="connsiteY3"/>
+                      </a:cxn>
+                    </a:cxnLst>
+                    <a:rect l="l" t="t" r="r" b="b"/>
+                    <a:pathLst>
+                      <a:path w="7147035" h="1177158" extrusionOk="0">
+                        <a:moveTo>
+                          <a:pt x="0" y="0"/>
+                        </a:moveTo>
+                        <a:cubicBezTo>
+                          <a:pt x="540815" y="271196"/>
+                          <a:pt x="1077682" y="589989"/>
+                          <a:pt x="1818290" y="746234"/>
+                        </a:cubicBezTo>
+                        <a:cubicBezTo>
+                          <a:pt x="2681559" y="957845"/>
+                          <a:pt x="3053605" y="985552"/>
+                          <a:pt x="4141076" y="1051034"/>
+                        </a:cubicBezTo>
+                        <a:cubicBezTo>
+                          <a:pt x="5009824" y="1141776"/>
+                          <a:pt x="6059257" y="1309526"/>
+                          <a:pt x="7147035" y="1177158"/>
+                        </a:cubicBezTo>
+                      </a:path>
+                    </a:pathLst>
+                  </a:custGeom>
+                  <ask:type>
+                    <ask:lineSketchNone/>
+                  </ask:type>
+                </ask:lineSketchStyleProps>
+              </a:ext>
+            </a:extLst>
+          </a:ln>
+        </p:spPr>
+        <p:style>
+          <a:lnRef idx="2">
+            <a:schemeClr val="accent1">
+              <a:shade val="50000"/>
+            </a:schemeClr>
+          </a:lnRef>
+          <a:fillRef idx="1">
+            <a:schemeClr val="accent1"/>
+          </a:fillRef>
+          <a:effectRef idx="0">
+            <a:schemeClr val="accent1"/>
+          </a:effectRef>
+          <a:fontRef idx="minor">
+            <a:schemeClr val="lt1"/>
+          </a:fontRef>
+        </p:style>
+        <p:txBody>
+          <a:bodyPr rtlCol="0" anchor="ctr"/>
+          <a:lstStyle/>
+          <a:p>
+            <a:pPr algn="ctr"/>
+            <a:endParaRPr lang="en-US"/>
+          </a:p>
+        </p:txBody>
+      </p:sp>
+      <p:sp>
+        <p:nvSpPr>
+          <p:cNvPr id="21" name="Freeform 20">
+            <a:extLst>
+              <a:ext uri="{FF2B5EF4-FFF2-40B4-BE49-F238E27FC236}">
+                <a16:creationId xmlns:a16="http://schemas.microsoft.com/office/drawing/2014/main" id="{E61B427E-9479-6A42-AE2B-F8826A6740A6}"/>
+              </a:ext>
+            </a:extLst>
+          </p:cNvPr>
+          <p:cNvSpPr/>
+          <p:nvPr/>
+        </p:nvSpPr>
+        <p:spPr>
+          <a:xfrm>
+            <a:off x="2984943" y="3499800"/>
+            <a:ext cx="6484883" cy="924911"/>
+          </a:xfrm>
+          <a:custGeom>
+            <a:avLst/>
+            <a:gdLst>
+              <a:gd name="connsiteX0" fmla="*/ 0 w 7147035"/>
+              <a:gd name="connsiteY0" fmla="*/ 0 h 1177158"/>
+              <a:gd name="connsiteX1" fmla="*/ 1818290 w 7147035"/>
+              <a:gd name="connsiteY1" fmla="*/ 746234 h 1177158"/>
+              <a:gd name="connsiteX2" fmla="*/ 4141076 w 7147035"/>
+              <a:gd name="connsiteY2" fmla="*/ 1051034 h 1177158"/>
+              <a:gd name="connsiteX3" fmla="*/ 7147035 w 7147035"/>
+              <a:gd name="connsiteY3" fmla="*/ 1177158 h 1177158"/>
+              <a:gd name="connsiteX0" fmla="*/ 0 w 6600497"/>
+              <a:gd name="connsiteY0" fmla="*/ 0 h 914400"/>
+              <a:gd name="connsiteX1" fmla="*/ 1271752 w 6600497"/>
+              <a:gd name="connsiteY1" fmla="*/ 483476 h 914400"/>
+              <a:gd name="connsiteX2" fmla="*/ 3594538 w 6600497"/>
+              <a:gd name="connsiteY2" fmla="*/ 788276 h 914400"/>
+              <a:gd name="connsiteX3" fmla="*/ 6600497 w 6600497"/>
+              <a:gd name="connsiteY3" fmla="*/ 914400 h 914400"/>
+              <a:gd name="connsiteX0" fmla="*/ 0 w 6484883"/>
+              <a:gd name="connsiteY0" fmla="*/ 0 h 924911"/>
+              <a:gd name="connsiteX1" fmla="*/ 1271752 w 6484883"/>
+              <a:gd name="connsiteY1" fmla="*/ 483476 h 924911"/>
+              <a:gd name="connsiteX2" fmla="*/ 3594538 w 6484883"/>
+              <a:gd name="connsiteY2" fmla="*/ 788276 h 924911"/>
+              <a:gd name="connsiteX3" fmla="*/ 6484883 w 6484883"/>
+              <a:gd name="connsiteY3" fmla="*/ 924911 h 924911"/>
+              <a:gd name="connsiteX0" fmla="*/ 0 w 6484883"/>
+              <a:gd name="connsiteY0" fmla="*/ 0 h 924911"/>
+              <a:gd name="connsiteX1" fmla="*/ 1271752 w 6484883"/>
+              <a:gd name="connsiteY1" fmla="*/ 483476 h 924911"/>
+              <a:gd name="connsiteX2" fmla="*/ 3594538 w 6484883"/>
+              <a:gd name="connsiteY2" fmla="*/ 788276 h 924911"/>
+              <a:gd name="connsiteX3" fmla="*/ 6484883 w 6484883"/>
+              <a:gd name="connsiteY3" fmla="*/ 924911 h 924911"/>
+            </a:gdLst>
+            <a:ahLst/>
+            <a:cxnLst>
+              <a:cxn ang="0">
+                <a:pos x="connsiteX0" y="connsiteY0"/>
+              </a:cxn>
+              <a:cxn ang="0">
+                <a:pos x="connsiteX1" y="connsiteY1"/>
+              </a:cxn>
+              <a:cxn ang="0">
+                <a:pos x="connsiteX2" y="connsiteY2"/>
+              </a:cxn>
+              <a:cxn ang="0">
+                <a:pos x="connsiteX3" y="connsiteY3"/>
+              </a:cxn>
+            </a:cxnLst>
+            <a:rect l="l" t="t" r="r" b="b"/>
+            <a:pathLst>
+              <a:path w="6484883" h="924911">
+                <a:moveTo>
+                  <a:pt x="0" y="0"/>
+                </a:moveTo>
+                <a:cubicBezTo>
+                  <a:pt x="564055" y="285531"/>
+                  <a:pt x="672662" y="320566"/>
+                  <a:pt x="1271752" y="483476"/>
+                </a:cubicBezTo>
+                <a:cubicBezTo>
+                  <a:pt x="1870842" y="646386"/>
+                  <a:pt x="2706414" y="716455"/>
+                  <a:pt x="3594538" y="788276"/>
+                </a:cubicBezTo>
+                <a:cubicBezTo>
+                  <a:pt x="4482662" y="860097"/>
+                  <a:pt x="5425965" y="897759"/>
+                  <a:pt x="6484883" y="924911"/>
+                </a:cubicBezTo>
+              </a:path>
+            </a:pathLst>
+          </a:custGeom>
+          <a:noFill/>
+          <a:ln w="12700">
+            <a:solidFill>
+              <a:srgbClr val="4C6B82"/>
+            </a:solidFill>
+            <a:extLst>
+              <a:ext uri="{C807C97D-BFC1-408E-A445-0C87EB9F89A2}">
+                <ask:lineSketchStyleProps xmlns:ask="http://schemas.microsoft.com/office/drawing/2018/sketchyshapes" sd="1219033472">
+                  <a:custGeom>
+                    <a:avLst/>
+                    <a:gdLst>
+                      <a:gd name="connsiteX0" fmla="*/ 0 w 7147035"/>
+                      <a:gd name="connsiteY0" fmla="*/ 0 h 1177158"/>
+                      <a:gd name="connsiteX1" fmla="*/ 1818290 w 7147035"/>
+                      <a:gd name="connsiteY1" fmla="*/ 746234 h 1177158"/>
+                      <a:gd name="connsiteX2" fmla="*/ 4141076 w 7147035"/>
+                      <a:gd name="connsiteY2" fmla="*/ 1051034 h 1177158"/>
+                      <a:gd name="connsiteX3" fmla="*/ 7147035 w 7147035"/>
+                      <a:gd name="connsiteY3" fmla="*/ 1177158 h 1177158"/>
+                    </a:gdLst>
+                    <a:ahLst/>
+                    <a:cxnLst>
+                      <a:cxn ang="0">
+                        <a:pos x="connsiteX0" y="connsiteY0"/>
+                      </a:cxn>
+                      <a:cxn ang="0">
+                        <a:pos x="connsiteX1" y="connsiteY1"/>
+                      </a:cxn>
+                      <a:cxn ang="0">
+                        <a:pos x="connsiteX2" y="connsiteY2"/>
+                      </a:cxn>
+                      <a:cxn ang="0">
+                        <a:pos x="connsiteX3" y="connsiteY3"/>
+                      </a:cxn>
+                    </a:cxnLst>
+                    <a:rect l="l" t="t" r="r" b="b"/>
+                    <a:pathLst>
+                      <a:path w="7147035" h="1177158" extrusionOk="0">
+                        <a:moveTo>
+                          <a:pt x="0" y="0"/>
+                        </a:moveTo>
+                        <a:cubicBezTo>
+                          <a:pt x="540815" y="271196"/>
+                          <a:pt x="1077682" y="589989"/>
+                          <a:pt x="1818290" y="746234"/>
+                        </a:cubicBezTo>
+                        <a:cubicBezTo>
+                          <a:pt x="2681559" y="957845"/>
+                          <a:pt x="3053605" y="985552"/>
+                          <a:pt x="4141076" y="1051034"/>
+                        </a:cubicBezTo>
+                        <a:cubicBezTo>
+                          <a:pt x="5009824" y="1141776"/>
+                          <a:pt x="6059257" y="1309526"/>
+                          <a:pt x="7147035" y="1177158"/>
+                        </a:cubicBezTo>
+                      </a:path>
+                    </a:pathLst>
+                  </a:custGeom>
+                  <ask:type>
+                    <ask:lineSketchNone/>
+                  </ask:type>
+                </ask:lineSketchStyleProps>
+              </a:ext>
+            </a:extLst>
+          </a:ln>
+        </p:spPr>
+        <p:style>
+          <a:lnRef idx="2">
+            <a:schemeClr val="accent1">
+              <a:shade val="50000"/>
+            </a:schemeClr>
+          </a:lnRef>
+          <a:fillRef idx="1">
+            <a:schemeClr val="accent1"/>
+          </a:fillRef>
+          <a:effectRef idx="0">
+            <a:schemeClr val="accent1"/>
+          </a:effectRef>
+          <a:fontRef idx="minor">
+            <a:schemeClr val="lt1"/>
+          </a:fontRef>
+        </p:style>
+        <p:txBody>
+          <a:bodyPr rtlCol="0" anchor="ctr"/>
+          <a:lstStyle/>
+          <a:p>
+            <a:pPr algn="ctr"/>
+            <a:endParaRPr lang="en-US"/>
+          </a:p>
+        </p:txBody>
+      </p:sp>
+      <p:sp>
+        <p:nvSpPr>
+          <p:cNvPr id="23" name="Freeform 22">
+            <a:extLst>
+              <a:ext uri="{FF2B5EF4-FFF2-40B4-BE49-F238E27FC236}">
+                <a16:creationId xmlns:a16="http://schemas.microsoft.com/office/drawing/2014/main" id="{E378D3F3-ABDC-3745-91C3-EAA32A0AB564}"/>
+              </a:ext>
+            </a:extLst>
+          </p:cNvPr>
+          <p:cNvSpPr/>
+          <p:nvPr/>
+        </p:nvSpPr>
+        <p:spPr>
+          <a:xfrm>
+            <a:off x="3005964" y="2148605"/>
+            <a:ext cx="6568966" cy="515766"/>
+          </a:xfrm>
+          <a:custGeom>
+            <a:avLst/>
+            <a:gdLst>
+              <a:gd name="connsiteX0" fmla="*/ 6348249 w 6348249"/>
+              <a:gd name="connsiteY0" fmla="*/ 620110 h 620110"/>
+              <a:gd name="connsiteX1" fmla="*/ 4855780 w 6348249"/>
+              <a:gd name="connsiteY1" fmla="*/ 210207 h 620110"/>
+              <a:gd name="connsiteX2" fmla="*/ 3762704 w 6348249"/>
+              <a:gd name="connsiteY2" fmla="*/ 420414 h 620110"/>
+              <a:gd name="connsiteX3" fmla="*/ 2091559 w 6348249"/>
+              <a:gd name="connsiteY3" fmla="*/ 115614 h 620110"/>
+              <a:gd name="connsiteX4" fmla="*/ 851338 w 6348249"/>
+              <a:gd name="connsiteY4" fmla="*/ 241738 h 620110"/>
+              <a:gd name="connsiteX5" fmla="*/ 0 w 6348249"/>
+              <a:gd name="connsiteY5" fmla="*/ 0 h 620110"/>
+              <a:gd name="connsiteX6" fmla="*/ 0 w 6348249"/>
+              <a:gd name="connsiteY6" fmla="*/ 0 h 620110"/>
+              <a:gd name="connsiteX0" fmla="*/ 6348249 w 6348249"/>
+              <a:gd name="connsiteY0" fmla="*/ 620110 h 620110"/>
+              <a:gd name="connsiteX1" fmla="*/ 4855780 w 6348249"/>
+              <a:gd name="connsiteY1" fmla="*/ 210207 h 620110"/>
+              <a:gd name="connsiteX2" fmla="*/ 3762704 w 6348249"/>
+              <a:gd name="connsiteY2" fmla="*/ 420414 h 620110"/>
+              <a:gd name="connsiteX3" fmla="*/ 2091559 w 6348249"/>
+              <a:gd name="connsiteY3" fmla="*/ 115614 h 620110"/>
+              <a:gd name="connsiteX4" fmla="*/ 872359 w 6348249"/>
+              <a:gd name="connsiteY4" fmla="*/ 420414 h 620110"/>
+              <a:gd name="connsiteX5" fmla="*/ 0 w 6348249"/>
+              <a:gd name="connsiteY5" fmla="*/ 0 h 620110"/>
+              <a:gd name="connsiteX6" fmla="*/ 0 w 6348249"/>
+              <a:gd name="connsiteY6" fmla="*/ 0 h 620110"/>
+              <a:gd name="connsiteX0" fmla="*/ 6421821 w 6421821"/>
+              <a:gd name="connsiteY0" fmla="*/ 620110 h 620110"/>
+              <a:gd name="connsiteX1" fmla="*/ 4929352 w 6421821"/>
+              <a:gd name="connsiteY1" fmla="*/ 210207 h 620110"/>
+              <a:gd name="connsiteX2" fmla="*/ 3836276 w 6421821"/>
+              <a:gd name="connsiteY2" fmla="*/ 420414 h 620110"/>
+              <a:gd name="connsiteX3" fmla="*/ 2165131 w 6421821"/>
+              <a:gd name="connsiteY3" fmla="*/ 115614 h 620110"/>
+              <a:gd name="connsiteX4" fmla="*/ 945931 w 6421821"/>
+              <a:gd name="connsiteY4" fmla="*/ 420414 h 620110"/>
+              <a:gd name="connsiteX5" fmla="*/ 73572 w 6421821"/>
+              <a:gd name="connsiteY5" fmla="*/ 0 h 620110"/>
+              <a:gd name="connsiteX6" fmla="*/ 0 w 6421821"/>
+              <a:gd name="connsiteY6" fmla="*/ 105104 h 620110"/>
+              <a:gd name="connsiteX0" fmla="*/ 6348249 w 6348249"/>
+              <a:gd name="connsiteY0" fmla="*/ 620110 h 620110"/>
+              <a:gd name="connsiteX1" fmla="*/ 4855780 w 6348249"/>
+              <a:gd name="connsiteY1" fmla="*/ 210207 h 620110"/>
+              <a:gd name="connsiteX2" fmla="*/ 3762704 w 6348249"/>
+              <a:gd name="connsiteY2" fmla="*/ 420414 h 620110"/>
+              <a:gd name="connsiteX3" fmla="*/ 2091559 w 6348249"/>
+              <a:gd name="connsiteY3" fmla="*/ 115614 h 620110"/>
+              <a:gd name="connsiteX4" fmla="*/ 872359 w 6348249"/>
+              <a:gd name="connsiteY4" fmla="*/ 420414 h 620110"/>
+              <a:gd name="connsiteX5" fmla="*/ 0 w 6348249"/>
+              <a:gd name="connsiteY5" fmla="*/ 0 h 620110"/>
+              <a:gd name="connsiteX0" fmla="*/ 6348249 w 6348249"/>
+              <a:gd name="connsiteY0" fmla="*/ 620110 h 620110"/>
+              <a:gd name="connsiteX1" fmla="*/ 4855780 w 6348249"/>
+              <a:gd name="connsiteY1" fmla="*/ 210207 h 620110"/>
+              <a:gd name="connsiteX2" fmla="*/ 3909849 w 6348249"/>
+              <a:gd name="connsiteY2" fmla="*/ 472966 h 620110"/>
+              <a:gd name="connsiteX3" fmla="*/ 2091559 w 6348249"/>
+              <a:gd name="connsiteY3" fmla="*/ 115614 h 620110"/>
+              <a:gd name="connsiteX4" fmla="*/ 872359 w 6348249"/>
+              <a:gd name="connsiteY4" fmla="*/ 420414 h 620110"/>
+              <a:gd name="connsiteX5" fmla="*/ 0 w 6348249"/>
+              <a:gd name="connsiteY5" fmla="*/ 0 h 620110"/>
+              <a:gd name="connsiteX0" fmla="*/ 6495393 w 6495393"/>
+              <a:gd name="connsiteY0" fmla="*/ 567558 h 567558"/>
+              <a:gd name="connsiteX1" fmla="*/ 4855780 w 6495393"/>
+              <a:gd name="connsiteY1" fmla="*/ 210207 h 567558"/>
+              <a:gd name="connsiteX2" fmla="*/ 3909849 w 6495393"/>
+              <a:gd name="connsiteY2" fmla="*/ 472966 h 567558"/>
+              <a:gd name="connsiteX3" fmla="*/ 2091559 w 6495393"/>
+              <a:gd name="connsiteY3" fmla="*/ 115614 h 567558"/>
+              <a:gd name="connsiteX4" fmla="*/ 872359 w 6495393"/>
+              <a:gd name="connsiteY4" fmla="*/ 420414 h 567558"/>
+              <a:gd name="connsiteX5" fmla="*/ 0 w 6495393"/>
+              <a:gd name="connsiteY5" fmla="*/ 0 h 567558"/>
+              <a:gd name="connsiteX0" fmla="*/ 6495393 w 6495393"/>
+              <a:gd name="connsiteY0" fmla="*/ 567558 h 567558"/>
+              <a:gd name="connsiteX1" fmla="*/ 4855780 w 6495393"/>
+              <a:gd name="connsiteY1" fmla="*/ 210207 h 567558"/>
+              <a:gd name="connsiteX2" fmla="*/ 3909849 w 6495393"/>
+              <a:gd name="connsiteY2" fmla="*/ 472966 h 567558"/>
+              <a:gd name="connsiteX3" fmla="*/ 2091559 w 6495393"/>
+              <a:gd name="connsiteY3" fmla="*/ 115614 h 567558"/>
+              <a:gd name="connsiteX4" fmla="*/ 872359 w 6495393"/>
+              <a:gd name="connsiteY4" fmla="*/ 420414 h 567558"/>
+              <a:gd name="connsiteX5" fmla="*/ 0 w 6495393"/>
+              <a:gd name="connsiteY5" fmla="*/ 0 h 567558"/>
+              <a:gd name="connsiteX0" fmla="*/ 6568966 w 6568966"/>
+              <a:gd name="connsiteY0" fmla="*/ 452130 h 452130"/>
+              <a:gd name="connsiteX1" fmla="*/ 4929353 w 6568966"/>
+              <a:gd name="connsiteY1" fmla="*/ 94779 h 452130"/>
+              <a:gd name="connsiteX2" fmla="*/ 3983422 w 6568966"/>
+              <a:gd name="connsiteY2" fmla="*/ 357538 h 452130"/>
+              <a:gd name="connsiteX3" fmla="*/ 2165132 w 6568966"/>
+              <a:gd name="connsiteY3" fmla="*/ 186 h 452130"/>
+              <a:gd name="connsiteX4" fmla="*/ 945932 w 6568966"/>
+              <a:gd name="connsiteY4" fmla="*/ 304986 h 452130"/>
+              <a:gd name="connsiteX5" fmla="*/ 0 w 6568966"/>
+              <a:gd name="connsiteY5" fmla="*/ 52738 h 452130"/>
+              <a:gd name="connsiteX0" fmla="*/ 6568966 w 6568966"/>
+              <a:gd name="connsiteY0" fmla="*/ 525702 h 525702"/>
+              <a:gd name="connsiteX1" fmla="*/ 4929353 w 6568966"/>
+              <a:gd name="connsiteY1" fmla="*/ 94779 h 525702"/>
+              <a:gd name="connsiteX2" fmla="*/ 3983422 w 6568966"/>
+              <a:gd name="connsiteY2" fmla="*/ 357538 h 525702"/>
+              <a:gd name="connsiteX3" fmla="*/ 2165132 w 6568966"/>
+              <a:gd name="connsiteY3" fmla="*/ 186 h 525702"/>
+              <a:gd name="connsiteX4" fmla="*/ 945932 w 6568966"/>
+              <a:gd name="connsiteY4" fmla="*/ 304986 h 525702"/>
+              <a:gd name="connsiteX5" fmla="*/ 0 w 6568966"/>
+              <a:gd name="connsiteY5" fmla="*/ 52738 h 525702"/>
+              <a:gd name="connsiteX0" fmla="*/ 6568966 w 6568966"/>
+              <a:gd name="connsiteY0" fmla="*/ 525702 h 525702"/>
+              <a:gd name="connsiteX1" fmla="*/ 4929353 w 6568966"/>
+              <a:gd name="connsiteY1" fmla="*/ 147331 h 525702"/>
+              <a:gd name="connsiteX2" fmla="*/ 3983422 w 6568966"/>
+              <a:gd name="connsiteY2" fmla="*/ 357538 h 525702"/>
+              <a:gd name="connsiteX3" fmla="*/ 2165132 w 6568966"/>
+              <a:gd name="connsiteY3" fmla="*/ 186 h 525702"/>
+              <a:gd name="connsiteX4" fmla="*/ 945932 w 6568966"/>
+              <a:gd name="connsiteY4" fmla="*/ 304986 h 525702"/>
+              <a:gd name="connsiteX5" fmla="*/ 0 w 6568966"/>
+              <a:gd name="connsiteY5" fmla="*/ 52738 h 525702"/>
+              <a:gd name="connsiteX0" fmla="*/ 6568966 w 6568966"/>
+              <a:gd name="connsiteY0" fmla="*/ 557233 h 557233"/>
+              <a:gd name="connsiteX1" fmla="*/ 4929353 w 6568966"/>
+              <a:gd name="connsiteY1" fmla="*/ 147331 h 557233"/>
+              <a:gd name="connsiteX2" fmla="*/ 3983422 w 6568966"/>
+              <a:gd name="connsiteY2" fmla="*/ 357538 h 557233"/>
+              <a:gd name="connsiteX3" fmla="*/ 2165132 w 6568966"/>
+              <a:gd name="connsiteY3" fmla="*/ 186 h 557233"/>
+              <a:gd name="connsiteX4" fmla="*/ 945932 w 6568966"/>
+              <a:gd name="connsiteY4" fmla="*/ 304986 h 557233"/>
+              <a:gd name="connsiteX5" fmla="*/ 0 w 6568966"/>
+              <a:gd name="connsiteY5" fmla="*/ 52738 h 557233"/>
+              <a:gd name="connsiteX0" fmla="*/ 6568966 w 6568966"/>
+              <a:gd name="connsiteY0" fmla="*/ 557233 h 557233"/>
+              <a:gd name="connsiteX1" fmla="*/ 4929353 w 6568966"/>
+              <a:gd name="connsiteY1" fmla="*/ 189372 h 557233"/>
+              <a:gd name="connsiteX2" fmla="*/ 3983422 w 6568966"/>
+              <a:gd name="connsiteY2" fmla="*/ 357538 h 557233"/>
+              <a:gd name="connsiteX3" fmla="*/ 2165132 w 6568966"/>
+              <a:gd name="connsiteY3" fmla="*/ 186 h 557233"/>
+              <a:gd name="connsiteX4" fmla="*/ 945932 w 6568966"/>
+              <a:gd name="connsiteY4" fmla="*/ 304986 h 557233"/>
+              <a:gd name="connsiteX5" fmla="*/ 0 w 6568966"/>
+              <a:gd name="connsiteY5" fmla="*/ 52738 h 557233"/>
+              <a:gd name="connsiteX0" fmla="*/ 6568966 w 6568966"/>
+              <a:gd name="connsiteY0" fmla="*/ 515215 h 515215"/>
+              <a:gd name="connsiteX1" fmla="*/ 4929353 w 6568966"/>
+              <a:gd name="connsiteY1" fmla="*/ 147354 h 515215"/>
+              <a:gd name="connsiteX2" fmla="*/ 3983422 w 6568966"/>
+              <a:gd name="connsiteY2" fmla="*/ 315520 h 515215"/>
+              <a:gd name="connsiteX3" fmla="*/ 2165132 w 6568966"/>
+              <a:gd name="connsiteY3" fmla="*/ 209 h 515215"/>
+              <a:gd name="connsiteX4" fmla="*/ 945932 w 6568966"/>
+              <a:gd name="connsiteY4" fmla="*/ 262968 h 515215"/>
+              <a:gd name="connsiteX5" fmla="*/ 0 w 6568966"/>
+              <a:gd name="connsiteY5" fmla="*/ 10720 h 515215"/>
+              <a:gd name="connsiteX0" fmla="*/ 6568966 w 6568966"/>
+              <a:gd name="connsiteY0" fmla="*/ 515766 h 515766"/>
+              <a:gd name="connsiteX1" fmla="*/ 4929353 w 6568966"/>
+              <a:gd name="connsiteY1" fmla="*/ 147905 h 515766"/>
+              <a:gd name="connsiteX2" fmla="*/ 3983422 w 6568966"/>
+              <a:gd name="connsiteY2" fmla="*/ 316071 h 515766"/>
+              <a:gd name="connsiteX3" fmla="*/ 2165132 w 6568966"/>
+              <a:gd name="connsiteY3" fmla="*/ 760 h 515766"/>
+              <a:gd name="connsiteX4" fmla="*/ 945932 w 6568966"/>
+              <a:gd name="connsiteY4" fmla="*/ 221477 h 515766"/>
+              <a:gd name="connsiteX5" fmla="*/ 0 w 6568966"/>
+              <a:gd name="connsiteY5" fmla="*/ 11271 h 515766"/>
+            </a:gdLst>
+            <a:ahLst/>
+            <a:cxnLst>
+              <a:cxn ang="0">
+                <a:pos x="connsiteX0" y="connsiteY0"/>
+              </a:cxn>
+              <a:cxn ang="0">
+                <a:pos x="connsiteX1" y="connsiteY1"/>
+              </a:cxn>
+              <a:cxn ang="0">
+                <a:pos x="connsiteX2" y="connsiteY2"/>
+              </a:cxn>
+              <a:cxn ang="0">
+                <a:pos x="connsiteX3" y="connsiteY3"/>
+              </a:cxn>
+              <a:cxn ang="0">
+                <a:pos x="connsiteX4" y="connsiteY4"/>
+              </a:cxn>
+              <a:cxn ang="0">
+                <a:pos x="connsiteX5" y="connsiteY5"/>
+              </a:cxn>
+            </a:cxnLst>
+            <a:rect l="l" t="t" r="r" b="b"/>
+            <a:pathLst>
+              <a:path w="6568966" h="515766">
+                <a:moveTo>
+                  <a:pt x="6568966" y="515766"/>
+                </a:moveTo>
+                <a:cubicBezTo>
+                  <a:pt x="6006662" y="380007"/>
+                  <a:pt x="5360277" y="181188"/>
+                  <a:pt x="4929353" y="147905"/>
+                </a:cubicBezTo>
+                <a:cubicBezTo>
+                  <a:pt x="4498429" y="114622"/>
+                  <a:pt x="4444126" y="340595"/>
+                  <a:pt x="3983422" y="316071"/>
+                </a:cubicBezTo>
+                <a:cubicBezTo>
+                  <a:pt x="3522718" y="291547"/>
+                  <a:pt x="2671380" y="16526"/>
+                  <a:pt x="2165132" y="760"/>
+                </a:cubicBezTo>
+                <a:cubicBezTo>
+                  <a:pt x="1658884" y="-15006"/>
+                  <a:pt x="1306787" y="219725"/>
+                  <a:pt x="945932" y="221477"/>
+                </a:cubicBezTo>
+                <a:cubicBezTo>
+                  <a:pt x="585077" y="223229"/>
+                  <a:pt x="0" y="11271"/>
+                  <a:pt x="0" y="11271"/>
+                </a:cubicBezTo>
+              </a:path>
+            </a:pathLst>
+          </a:custGeom>
+          <a:noFill/>
+        </p:spPr>
+        <p:style>
+          <a:lnRef idx="2">
+            <a:schemeClr val="accent1">
+              <a:shade val="50000"/>
+            </a:schemeClr>
+          </a:lnRef>
+          <a:fillRef idx="1">
+            <a:schemeClr val="accent1"/>
+          </a:fillRef>
+          <a:effectRef idx="0">
+            <a:schemeClr val="accent1"/>
+          </a:effectRef>
+          <a:fontRef idx="minor">
+            <a:schemeClr val="lt1"/>
+          </a:fontRef>
+        </p:style>
+        <p:txBody>
+          <a:bodyPr rtlCol="0" anchor="ctr"/>
+          <a:lstStyle/>
+          <a:p>
+            <a:pPr algn="ctr"/>
+            <a:endParaRPr lang="en-US"/>
+          </a:p>
+        </p:txBody>
+      </p:sp>
+      <p:sp>
+        <p:nvSpPr>
+          <p:cNvPr id="24" name="Freeform 23">
+            <a:extLst>
+              <a:ext uri="{FF2B5EF4-FFF2-40B4-BE49-F238E27FC236}">
+                <a16:creationId xmlns:a16="http://schemas.microsoft.com/office/drawing/2014/main" id="{5DAE091A-2D8F-8B48-9E9E-B3F559B38719}"/>
+              </a:ext>
+            </a:extLst>
+          </p:cNvPr>
+          <p:cNvSpPr/>
+          <p:nvPr/>
+        </p:nvSpPr>
+        <p:spPr>
+          <a:xfrm>
+            <a:off x="2990198" y="2279985"/>
+            <a:ext cx="6568966" cy="589338"/>
+          </a:xfrm>
+          <a:custGeom>
+            <a:avLst/>
+            <a:gdLst>
+              <a:gd name="connsiteX0" fmla="*/ 6348249 w 6348249"/>
+              <a:gd name="connsiteY0" fmla="*/ 620110 h 620110"/>
+              <a:gd name="connsiteX1" fmla="*/ 4855780 w 6348249"/>
+              <a:gd name="connsiteY1" fmla="*/ 210207 h 620110"/>
+              <a:gd name="connsiteX2" fmla="*/ 3762704 w 6348249"/>
+              <a:gd name="connsiteY2" fmla="*/ 420414 h 620110"/>
+              <a:gd name="connsiteX3" fmla="*/ 2091559 w 6348249"/>
+              <a:gd name="connsiteY3" fmla="*/ 115614 h 620110"/>
+              <a:gd name="connsiteX4" fmla="*/ 851338 w 6348249"/>
+              <a:gd name="connsiteY4" fmla="*/ 241738 h 620110"/>
+              <a:gd name="connsiteX5" fmla="*/ 0 w 6348249"/>
+              <a:gd name="connsiteY5" fmla="*/ 0 h 620110"/>
+              <a:gd name="connsiteX6" fmla="*/ 0 w 6348249"/>
+              <a:gd name="connsiteY6" fmla="*/ 0 h 620110"/>
+              <a:gd name="connsiteX0" fmla="*/ 6348249 w 6348249"/>
+              <a:gd name="connsiteY0" fmla="*/ 620110 h 620110"/>
+              <a:gd name="connsiteX1" fmla="*/ 4855780 w 6348249"/>
+              <a:gd name="connsiteY1" fmla="*/ 210207 h 620110"/>
+              <a:gd name="connsiteX2" fmla="*/ 3762704 w 6348249"/>
+              <a:gd name="connsiteY2" fmla="*/ 420414 h 620110"/>
+              <a:gd name="connsiteX3" fmla="*/ 2091559 w 6348249"/>
+              <a:gd name="connsiteY3" fmla="*/ 115614 h 620110"/>
+              <a:gd name="connsiteX4" fmla="*/ 872359 w 6348249"/>
+              <a:gd name="connsiteY4" fmla="*/ 420414 h 620110"/>
+              <a:gd name="connsiteX5" fmla="*/ 0 w 6348249"/>
+              <a:gd name="connsiteY5" fmla="*/ 0 h 620110"/>
+              <a:gd name="connsiteX6" fmla="*/ 0 w 6348249"/>
+              <a:gd name="connsiteY6" fmla="*/ 0 h 620110"/>
+              <a:gd name="connsiteX0" fmla="*/ 6421821 w 6421821"/>
+              <a:gd name="connsiteY0" fmla="*/ 620110 h 620110"/>
+              <a:gd name="connsiteX1" fmla="*/ 4929352 w 6421821"/>
+              <a:gd name="connsiteY1" fmla="*/ 210207 h 620110"/>
+              <a:gd name="connsiteX2" fmla="*/ 3836276 w 6421821"/>
+              <a:gd name="connsiteY2" fmla="*/ 420414 h 620110"/>
+              <a:gd name="connsiteX3" fmla="*/ 2165131 w 6421821"/>
+              <a:gd name="connsiteY3" fmla="*/ 115614 h 620110"/>
+              <a:gd name="connsiteX4" fmla="*/ 945931 w 6421821"/>
+              <a:gd name="connsiteY4" fmla="*/ 420414 h 620110"/>
+              <a:gd name="connsiteX5" fmla="*/ 73572 w 6421821"/>
+              <a:gd name="connsiteY5" fmla="*/ 0 h 620110"/>
+              <a:gd name="connsiteX6" fmla="*/ 0 w 6421821"/>
+              <a:gd name="connsiteY6" fmla="*/ 105104 h 620110"/>
+              <a:gd name="connsiteX0" fmla="*/ 6348249 w 6348249"/>
+              <a:gd name="connsiteY0" fmla="*/ 620110 h 620110"/>
+              <a:gd name="connsiteX1" fmla="*/ 4855780 w 6348249"/>
+              <a:gd name="connsiteY1" fmla="*/ 210207 h 620110"/>
+              <a:gd name="connsiteX2" fmla="*/ 3762704 w 6348249"/>
+              <a:gd name="connsiteY2" fmla="*/ 420414 h 620110"/>
+              <a:gd name="connsiteX3" fmla="*/ 2091559 w 6348249"/>
+              <a:gd name="connsiteY3" fmla="*/ 115614 h 620110"/>
+              <a:gd name="connsiteX4" fmla="*/ 872359 w 6348249"/>
+              <a:gd name="connsiteY4" fmla="*/ 420414 h 620110"/>
+              <a:gd name="connsiteX5" fmla="*/ 0 w 6348249"/>
+              <a:gd name="connsiteY5" fmla="*/ 0 h 620110"/>
+              <a:gd name="connsiteX0" fmla="*/ 6348249 w 6348249"/>
+              <a:gd name="connsiteY0" fmla="*/ 620110 h 620110"/>
+              <a:gd name="connsiteX1" fmla="*/ 4855780 w 6348249"/>
+              <a:gd name="connsiteY1" fmla="*/ 210207 h 620110"/>
+              <a:gd name="connsiteX2" fmla="*/ 3909849 w 6348249"/>
+              <a:gd name="connsiteY2" fmla="*/ 472966 h 620110"/>
+              <a:gd name="connsiteX3" fmla="*/ 2091559 w 6348249"/>
+              <a:gd name="connsiteY3" fmla="*/ 115614 h 620110"/>
+              <a:gd name="connsiteX4" fmla="*/ 872359 w 6348249"/>
+              <a:gd name="connsiteY4" fmla="*/ 420414 h 620110"/>
+              <a:gd name="connsiteX5" fmla="*/ 0 w 6348249"/>
+              <a:gd name="connsiteY5" fmla="*/ 0 h 620110"/>
+              <a:gd name="connsiteX0" fmla="*/ 6495393 w 6495393"/>
+              <a:gd name="connsiteY0" fmla="*/ 567558 h 567558"/>
+              <a:gd name="connsiteX1" fmla="*/ 4855780 w 6495393"/>
+              <a:gd name="connsiteY1" fmla="*/ 210207 h 567558"/>
+              <a:gd name="connsiteX2" fmla="*/ 3909849 w 6495393"/>
+              <a:gd name="connsiteY2" fmla="*/ 472966 h 567558"/>
+              <a:gd name="connsiteX3" fmla="*/ 2091559 w 6495393"/>
+              <a:gd name="connsiteY3" fmla="*/ 115614 h 567558"/>
+              <a:gd name="connsiteX4" fmla="*/ 872359 w 6495393"/>
+              <a:gd name="connsiteY4" fmla="*/ 420414 h 567558"/>
+              <a:gd name="connsiteX5" fmla="*/ 0 w 6495393"/>
+              <a:gd name="connsiteY5" fmla="*/ 0 h 567558"/>
+              <a:gd name="connsiteX0" fmla="*/ 6495393 w 6495393"/>
+              <a:gd name="connsiteY0" fmla="*/ 567558 h 567558"/>
+              <a:gd name="connsiteX1" fmla="*/ 4855780 w 6495393"/>
+              <a:gd name="connsiteY1" fmla="*/ 210207 h 567558"/>
+              <a:gd name="connsiteX2" fmla="*/ 3909849 w 6495393"/>
+              <a:gd name="connsiteY2" fmla="*/ 472966 h 567558"/>
+              <a:gd name="connsiteX3" fmla="*/ 2091559 w 6495393"/>
+              <a:gd name="connsiteY3" fmla="*/ 115614 h 567558"/>
+              <a:gd name="connsiteX4" fmla="*/ 872359 w 6495393"/>
+              <a:gd name="connsiteY4" fmla="*/ 420414 h 567558"/>
+              <a:gd name="connsiteX5" fmla="*/ 0 w 6495393"/>
+              <a:gd name="connsiteY5" fmla="*/ 0 h 567558"/>
+              <a:gd name="connsiteX0" fmla="*/ 6568966 w 6568966"/>
+              <a:gd name="connsiteY0" fmla="*/ 452130 h 452130"/>
+              <a:gd name="connsiteX1" fmla="*/ 4929353 w 6568966"/>
+              <a:gd name="connsiteY1" fmla="*/ 94779 h 452130"/>
+              <a:gd name="connsiteX2" fmla="*/ 3983422 w 6568966"/>
+              <a:gd name="connsiteY2" fmla="*/ 357538 h 452130"/>
+              <a:gd name="connsiteX3" fmla="*/ 2165132 w 6568966"/>
+              <a:gd name="connsiteY3" fmla="*/ 186 h 452130"/>
+              <a:gd name="connsiteX4" fmla="*/ 945932 w 6568966"/>
+              <a:gd name="connsiteY4" fmla="*/ 304986 h 452130"/>
+              <a:gd name="connsiteX5" fmla="*/ 0 w 6568966"/>
+              <a:gd name="connsiteY5" fmla="*/ 52738 h 452130"/>
+              <a:gd name="connsiteX0" fmla="*/ 6568966 w 6568966"/>
+              <a:gd name="connsiteY0" fmla="*/ 525702 h 525702"/>
+              <a:gd name="connsiteX1" fmla="*/ 4929353 w 6568966"/>
+              <a:gd name="connsiteY1" fmla="*/ 94779 h 525702"/>
+              <a:gd name="connsiteX2" fmla="*/ 3983422 w 6568966"/>
+              <a:gd name="connsiteY2" fmla="*/ 357538 h 525702"/>
+              <a:gd name="connsiteX3" fmla="*/ 2165132 w 6568966"/>
+              <a:gd name="connsiteY3" fmla="*/ 186 h 525702"/>
+              <a:gd name="connsiteX4" fmla="*/ 945932 w 6568966"/>
+              <a:gd name="connsiteY4" fmla="*/ 304986 h 525702"/>
+              <a:gd name="connsiteX5" fmla="*/ 0 w 6568966"/>
+              <a:gd name="connsiteY5" fmla="*/ 52738 h 525702"/>
+              <a:gd name="connsiteX0" fmla="*/ 6568966 w 6568966"/>
+              <a:gd name="connsiteY0" fmla="*/ 525702 h 525702"/>
+              <a:gd name="connsiteX1" fmla="*/ 4929353 w 6568966"/>
+              <a:gd name="connsiteY1" fmla="*/ 147331 h 525702"/>
+              <a:gd name="connsiteX2" fmla="*/ 3983422 w 6568966"/>
+              <a:gd name="connsiteY2" fmla="*/ 357538 h 525702"/>
+              <a:gd name="connsiteX3" fmla="*/ 2165132 w 6568966"/>
+              <a:gd name="connsiteY3" fmla="*/ 186 h 525702"/>
+              <a:gd name="connsiteX4" fmla="*/ 945932 w 6568966"/>
+              <a:gd name="connsiteY4" fmla="*/ 304986 h 525702"/>
+              <a:gd name="connsiteX5" fmla="*/ 0 w 6568966"/>
+              <a:gd name="connsiteY5" fmla="*/ 52738 h 525702"/>
+              <a:gd name="connsiteX0" fmla="*/ 6568966 w 6568966"/>
+              <a:gd name="connsiteY0" fmla="*/ 557233 h 557233"/>
+              <a:gd name="connsiteX1" fmla="*/ 4929353 w 6568966"/>
+              <a:gd name="connsiteY1" fmla="*/ 147331 h 557233"/>
+              <a:gd name="connsiteX2" fmla="*/ 3983422 w 6568966"/>
+              <a:gd name="connsiteY2" fmla="*/ 357538 h 557233"/>
+              <a:gd name="connsiteX3" fmla="*/ 2165132 w 6568966"/>
+              <a:gd name="connsiteY3" fmla="*/ 186 h 557233"/>
+              <a:gd name="connsiteX4" fmla="*/ 945932 w 6568966"/>
+              <a:gd name="connsiteY4" fmla="*/ 304986 h 557233"/>
+              <a:gd name="connsiteX5" fmla="*/ 0 w 6568966"/>
+              <a:gd name="connsiteY5" fmla="*/ 52738 h 557233"/>
+              <a:gd name="connsiteX0" fmla="*/ 6568966 w 6568966"/>
+              <a:gd name="connsiteY0" fmla="*/ 557233 h 557233"/>
+              <a:gd name="connsiteX1" fmla="*/ 4929353 w 6568966"/>
+              <a:gd name="connsiteY1" fmla="*/ 189372 h 557233"/>
+              <a:gd name="connsiteX2" fmla="*/ 3983422 w 6568966"/>
+              <a:gd name="connsiteY2" fmla="*/ 357538 h 557233"/>
+              <a:gd name="connsiteX3" fmla="*/ 2165132 w 6568966"/>
+              <a:gd name="connsiteY3" fmla="*/ 186 h 557233"/>
+              <a:gd name="connsiteX4" fmla="*/ 945932 w 6568966"/>
+              <a:gd name="connsiteY4" fmla="*/ 304986 h 557233"/>
+              <a:gd name="connsiteX5" fmla="*/ 0 w 6568966"/>
+              <a:gd name="connsiteY5" fmla="*/ 52738 h 557233"/>
+              <a:gd name="connsiteX0" fmla="*/ 6568966 w 6568966"/>
+              <a:gd name="connsiteY0" fmla="*/ 515215 h 515215"/>
+              <a:gd name="connsiteX1" fmla="*/ 4929353 w 6568966"/>
+              <a:gd name="connsiteY1" fmla="*/ 147354 h 515215"/>
+              <a:gd name="connsiteX2" fmla="*/ 3983422 w 6568966"/>
+              <a:gd name="connsiteY2" fmla="*/ 315520 h 515215"/>
+              <a:gd name="connsiteX3" fmla="*/ 2165132 w 6568966"/>
+              <a:gd name="connsiteY3" fmla="*/ 209 h 515215"/>
+              <a:gd name="connsiteX4" fmla="*/ 945932 w 6568966"/>
+              <a:gd name="connsiteY4" fmla="*/ 262968 h 515215"/>
+              <a:gd name="connsiteX5" fmla="*/ 0 w 6568966"/>
+              <a:gd name="connsiteY5" fmla="*/ 10720 h 515215"/>
+              <a:gd name="connsiteX0" fmla="*/ 6568966 w 6568966"/>
+              <a:gd name="connsiteY0" fmla="*/ 515766 h 515766"/>
+              <a:gd name="connsiteX1" fmla="*/ 4929353 w 6568966"/>
+              <a:gd name="connsiteY1" fmla="*/ 147905 h 515766"/>
+              <a:gd name="connsiteX2" fmla="*/ 3983422 w 6568966"/>
+              <a:gd name="connsiteY2" fmla="*/ 316071 h 515766"/>
+              <a:gd name="connsiteX3" fmla="*/ 2165132 w 6568966"/>
+              <a:gd name="connsiteY3" fmla="*/ 760 h 515766"/>
+              <a:gd name="connsiteX4" fmla="*/ 945932 w 6568966"/>
+              <a:gd name="connsiteY4" fmla="*/ 221477 h 515766"/>
+              <a:gd name="connsiteX5" fmla="*/ 0 w 6568966"/>
+              <a:gd name="connsiteY5" fmla="*/ 11271 h 515766"/>
+              <a:gd name="connsiteX0" fmla="*/ 6568966 w 6568966"/>
+              <a:gd name="connsiteY0" fmla="*/ 589338 h 589338"/>
+              <a:gd name="connsiteX1" fmla="*/ 4929353 w 6568966"/>
+              <a:gd name="connsiteY1" fmla="*/ 147905 h 589338"/>
+              <a:gd name="connsiteX2" fmla="*/ 3983422 w 6568966"/>
+              <a:gd name="connsiteY2" fmla="*/ 316071 h 589338"/>
+              <a:gd name="connsiteX3" fmla="*/ 2165132 w 6568966"/>
+              <a:gd name="connsiteY3" fmla="*/ 760 h 589338"/>
+              <a:gd name="connsiteX4" fmla="*/ 945932 w 6568966"/>
+              <a:gd name="connsiteY4" fmla="*/ 221477 h 589338"/>
+              <a:gd name="connsiteX5" fmla="*/ 0 w 6568966"/>
+              <a:gd name="connsiteY5" fmla="*/ 11271 h 589338"/>
+              <a:gd name="connsiteX0" fmla="*/ 6568966 w 6568966"/>
+              <a:gd name="connsiteY0" fmla="*/ 589338 h 589338"/>
+              <a:gd name="connsiteX1" fmla="*/ 4929353 w 6568966"/>
+              <a:gd name="connsiteY1" fmla="*/ 179436 h 589338"/>
+              <a:gd name="connsiteX2" fmla="*/ 3983422 w 6568966"/>
+              <a:gd name="connsiteY2" fmla="*/ 316071 h 589338"/>
+              <a:gd name="connsiteX3" fmla="*/ 2165132 w 6568966"/>
+              <a:gd name="connsiteY3" fmla="*/ 760 h 589338"/>
+              <a:gd name="connsiteX4" fmla="*/ 945932 w 6568966"/>
+              <a:gd name="connsiteY4" fmla="*/ 221477 h 589338"/>
+              <a:gd name="connsiteX5" fmla="*/ 0 w 6568966"/>
+              <a:gd name="connsiteY5" fmla="*/ 11271 h 589338"/>
+            </a:gdLst>
+            <a:ahLst/>
+            <a:cxnLst>
+              <a:cxn ang="0">
+                <a:pos x="connsiteX0" y="connsiteY0"/>
+              </a:cxn>
+              <a:cxn ang="0">
+                <a:pos x="connsiteX1" y="connsiteY1"/>
+              </a:cxn>
+              <a:cxn ang="0">
+                <a:pos x="connsiteX2" y="connsiteY2"/>
+              </a:cxn>
+              <a:cxn ang="0">
+                <a:pos x="connsiteX3" y="connsiteY3"/>
+              </a:cxn>
+              <a:cxn ang="0">
+                <a:pos x="connsiteX4" y="connsiteY4"/>
+              </a:cxn>
+              <a:cxn ang="0">
+                <a:pos x="connsiteX5" y="connsiteY5"/>
+              </a:cxn>
+            </a:cxnLst>
+            <a:rect l="l" t="t" r="r" b="b"/>
+            <a:pathLst>
+              <a:path w="6568966" h="589338">
+                <a:moveTo>
+                  <a:pt x="6568966" y="589338"/>
+                </a:moveTo>
+                <a:cubicBezTo>
+                  <a:pt x="6006662" y="453579"/>
+                  <a:pt x="5360277" y="224980"/>
+                  <a:pt x="4929353" y="179436"/>
+                </a:cubicBezTo>
+                <a:cubicBezTo>
+                  <a:pt x="4498429" y="133892"/>
+                  <a:pt x="4444126" y="345850"/>
+                  <a:pt x="3983422" y="316071"/>
+                </a:cubicBezTo>
+                <a:cubicBezTo>
+                  <a:pt x="3522719" y="286292"/>
+                  <a:pt x="2671380" y="16526"/>
+                  <a:pt x="2165132" y="760"/>
+                </a:cubicBezTo>
+                <a:cubicBezTo>
+                  <a:pt x="1658884" y="-15006"/>
+                  <a:pt x="1306787" y="219725"/>
+                  <a:pt x="945932" y="221477"/>
+                </a:cubicBezTo>
+                <a:cubicBezTo>
+                  <a:pt x="585077" y="223229"/>
+                  <a:pt x="0" y="11271"/>
+                  <a:pt x="0" y="11271"/>
+                </a:cubicBezTo>
+              </a:path>
+            </a:pathLst>
+          </a:custGeom>
+          <a:noFill/>
+        </p:spPr>
+        <p:style>
+          <a:lnRef idx="2">
+            <a:schemeClr val="accent1">
+              <a:shade val="50000"/>
+            </a:schemeClr>
+          </a:lnRef>
+          <a:fillRef idx="1">
+            <a:schemeClr val="accent1"/>
+          </a:fillRef>
+          <a:effectRef idx="0">
+            <a:schemeClr val="accent1"/>
+          </a:effectRef>
+          <a:fontRef idx="minor">
+            <a:schemeClr val="lt1"/>
+          </a:fontRef>
+        </p:style>
+        <p:txBody>
+          <a:bodyPr rtlCol="0" anchor="ctr"/>
+          <a:lstStyle/>
+          <a:p>
+            <a:pPr algn="ctr"/>
+            <a:endParaRPr lang="en-US"/>
+          </a:p>
+        </p:txBody>
+      </p:sp>
+      <p:sp>
+        <p:nvSpPr>
+          <p:cNvPr id="25" name="TextBox 24">
+            <a:extLst>
+              <a:ext uri="{FF2B5EF4-FFF2-40B4-BE49-F238E27FC236}">
+                <a16:creationId xmlns:a16="http://schemas.microsoft.com/office/drawing/2014/main" id="{DD85E9E6-8442-3B4B-A6F7-7370280AAE29}"/>
+              </a:ext>
+            </a:extLst>
+          </p:cNvPr>
+          <p:cNvSpPr txBox="1"/>
+          <p:nvPr/>
+        </p:nvSpPr>
+        <p:spPr>
+          <a:xfrm>
+            <a:off x="7567448" y="1534510"/>
+            <a:ext cx="1440459" cy="369332"/>
+          </a:xfrm>
+          <a:prstGeom prst="rect">
+            <a:avLst/>
+          </a:prstGeom>
+          <a:noFill/>
+        </p:spPr>
+        <p:txBody>
+          <a:bodyPr wrap="none" rtlCol="0">
+            <a:spAutoFit/>
+          </a:bodyPr>
+          <a:lstStyle/>
+          <a:p>
+            <a:r>
+              <a:rPr lang="en-US" dirty="0"/>
+              <a:t>Wave surface</a:t>
+            </a:r>
+          </a:p>
+        </p:txBody>
+      </p:sp>
+      <p:sp>
+        <p:nvSpPr>
+          <p:cNvPr id="26" name="TextBox 25">
+            <a:extLst>
+              <a:ext uri="{FF2B5EF4-FFF2-40B4-BE49-F238E27FC236}">
+                <a16:creationId xmlns:a16="http://schemas.microsoft.com/office/drawing/2014/main" id="{FE6D903D-D2C4-C142-B7B1-C6626D380B35}"/>
+              </a:ext>
+            </a:extLst>
+          </p:cNvPr>
+          <p:cNvSpPr txBox="1"/>
+          <p:nvPr/>
+        </p:nvSpPr>
+        <p:spPr>
+          <a:xfrm>
+            <a:off x="9601204" y="1912372"/>
+            <a:ext cx="524503" cy="369332"/>
+          </a:xfrm>
+          <a:prstGeom prst="rect">
+            <a:avLst/>
+          </a:prstGeom>
+          <a:noFill/>
+        </p:spPr>
+        <p:txBody>
+          <a:bodyPr wrap="none" rtlCol="0">
+            <a:spAutoFit/>
+          </a:bodyPr>
+          <a:lstStyle/>
+          <a:p>
+            <a:r>
+              <a:rPr lang="en-US" i="1" dirty="0"/>
+              <a:t>Z=0</a:t>
+            </a:r>
+          </a:p>
+        </p:txBody>
+      </p:sp>
+      <p:sp>
+        <p:nvSpPr>
+          <p:cNvPr id="27" name="TextBox 26">
+            <a:extLst>
+              <a:ext uri="{FF2B5EF4-FFF2-40B4-BE49-F238E27FC236}">
+                <a16:creationId xmlns:a16="http://schemas.microsoft.com/office/drawing/2014/main" id="{84333E0A-C0E6-EF41-8F99-1758E827682C}"/>
+              </a:ext>
+            </a:extLst>
+          </p:cNvPr>
+          <p:cNvSpPr txBox="1"/>
+          <p:nvPr/>
+        </p:nvSpPr>
+        <p:spPr>
+          <a:xfrm>
+            <a:off x="9574930" y="5108026"/>
+            <a:ext cx="660758" cy="369332"/>
+          </a:xfrm>
+          <a:prstGeom prst="rect">
+            <a:avLst/>
+          </a:prstGeom>
+          <a:noFill/>
+        </p:spPr>
+        <p:txBody>
+          <a:bodyPr wrap="none" rtlCol="0">
+            <a:spAutoFit/>
+          </a:bodyPr>
+          <a:lstStyle/>
+          <a:p>
+            <a:r>
+              <a:rPr lang="en-US" i="1" dirty="0"/>
+              <a:t>Z=-</a:t>
+            </a:r>
+            <a:r>
+              <a:rPr lang="en-US" i="1" dirty="0" err="1"/>
+              <a:t>h</a:t>
+            </a:r>
+            <a:r>
+              <a:rPr lang="en-US" sz="1200" i="1" dirty="0" err="1"/>
+              <a:t>L</a:t>
+            </a:r>
+            <a:endParaRPr lang="en-US" i="1" dirty="0"/>
+          </a:p>
+        </p:txBody>
+      </p:sp>
+      <p:sp>
+        <p:nvSpPr>
+          <p:cNvPr id="28" name="TextBox 27">
+            <a:extLst>
+              <a:ext uri="{FF2B5EF4-FFF2-40B4-BE49-F238E27FC236}">
+                <a16:creationId xmlns:a16="http://schemas.microsoft.com/office/drawing/2014/main" id="{FA6EC386-5F90-2F43-8758-EBF546E353D7}"/>
+              </a:ext>
+            </a:extLst>
+          </p:cNvPr>
+          <p:cNvSpPr txBox="1"/>
+          <p:nvPr/>
+        </p:nvSpPr>
+        <p:spPr>
+          <a:xfrm>
+            <a:off x="7493874" y="3825025"/>
+            <a:ext cx="599844" cy="369332"/>
+          </a:xfrm>
+          <a:prstGeom prst="rect">
+            <a:avLst/>
+          </a:prstGeom>
+          <a:noFill/>
+        </p:spPr>
+        <p:txBody>
+          <a:bodyPr wrap="none" rtlCol="0">
+            <a:spAutoFit/>
+          </a:bodyPr>
+          <a:lstStyle/>
+          <a:p>
+            <a:r>
+              <a:rPr lang="en-US" i="1" dirty="0"/>
+              <a:t>Z=-h</a:t>
+            </a:r>
+          </a:p>
+        </p:txBody>
+      </p:sp>
+      <p:cxnSp>
+        <p:nvCxnSpPr>
+          <p:cNvPr id="30" name="Straight Arrow Connector 29">
+            <a:extLst>
+              <a:ext uri="{FF2B5EF4-FFF2-40B4-BE49-F238E27FC236}">
+                <a16:creationId xmlns:a16="http://schemas.microsoft.com/office/drawing/2014/main" id="{9CE0E325-91D9-F842-9D62-99AA9F483F47}"/>
+              </a:ext>
+            </a:extLst>
+          </p:cNvPr>
+          <p:cNvCxnSpPr>
+            <a:cxnSpLocks/>
+          </p:cNvCxnSpPr>
+          <p:nvPr/>
+        </p:nvCxnSpPr>
+        <p:spPr>
+          <a:xfrm flipH="1">
+            <a:off x="7039483" y="4125303"/>
+            <a:ext cx="443881" cy="268019"/>
+          </a:xfrm>
+          <a:prstGeom prst="straightConnector1">
+            <a:avLst/>
+          </a:prstGeom>
+          <a:ln w="19050">
+            <a:solidFill>
+              <a:schemeClr val="tx1"/>
+            </a:solidFill>
+            <a:tailEnd type="triangle"/>
+          </a:ln>
+        </p:spPr>
+        <p:style>
+          <a:lnRef idx="1">
+            <a:schemeClr val="accent1"/>
+          </a:lnRef>
+          <a:fillRef idx="0">
+            <a:schemeClr val="accent1"/>
+          </a:fillRef>
+          <a:effectRef idx="0">
+            <a:schemeClr val="accent1"/>
+          </a:effectRef>
+          <a:fontRef idx="minor">
+            <a:schemeClr val="tx1"/>
+          </a:fontRef>
+        </p:style>
+      </p:cxnSp>
+      <p:sp>
+        <p:nvSpPr>
+          <p:cNvPr id="37" name="Rectangle 36">
+            <a:extLst>
+              <a:ext uri="{FF2B5EF4-FFF2-40B4-BE49-F238E27FC236}">
+                <a16:creationId xmlns:a16="http://schemas.microsoft.com/office/drawing/2014/main" id="{6D523825-580A-9145-B341-5B0C27C4323D}"/>
+              </a:ext>
+            </a:extLst>
+          </p:cNvPr>
+          <p:cNvSpPr/>
+          <p:nvPr/>
+        </p:nvSpPr>
+        <p:spPr>
+          <a:xfrm>
+            <a:off x="2081050" y="1292799"/>
+            <a:ext cx="914393" cy="3373672"/>
+          </a:xfrm>
+          <a:prstGeom prst="rect">
+            <a:avLst/>
+          </a:prstGeom>
+          <a:solidFill>
+            <a:schemeClr val="bg1"/>
+          </a:solidFill>
+          <a:ln>
+            <a:noFill/>
+          </a:ln>
+        </p:spPr>
+        <p:style>
+          <a:lnRef idx="2">
+            <a:schemeClr val="accent1">
+              <a:shade val="50000"/>
+            </a:schemeClr>
+          </a:lnRef>
+          <a:fillRef idx="1">
+            <a:schemeClr val="accent1"/>
+          </a:fillRef>
+          <a:effectRef idx="0">
+            <a:schemeClr val="accent1"/>
+          </a:effectRef>
+          <a:fontRef idx="minor">
+            <a:schemeClr val="lt1"/>
+          </a:fontRef>
+        </p:style>
+        <p:txBody>
+          <a:bodyPr rtlCol="0" anchor="ctr"/>
+          <a:lstStyle/>
+          <a:p>
+            <a:pPr algn="ctr"/>
+            <a:endParaRPr lang="en-US"/>
+          </a:p>
+        </p:txBody>
+      </p:sp>
+      <p:cxnSp>
+        <p:nvCxnSpPr>
+          <p:cNvPr id="39" name="Straight Connector 38">
+            <a:extLst>
+              <a:ext uri="{FF2B5EF4-FFF2-40B4-BE49-F238E27FC236}">
+                <a16:creationId xmlns:a16="http://schemas.microsoft.com/office/drawing/2014/main" id="{C9F466DC-BCDE-6241-8338-72289D440A4B}"/>
+              </a:ext>
+            </a:extLst>
+          </p:cNvPr>
+          <p:cNvCxnSpPr/>
+          <p:nvPr/>
+        </p:nvCxnSpPr>
+        <p:spPr>
+          <a:xfrm>
+            <a:off x="3079531" y="4393322"/>
+            <a:ext cx="147145" cy="210209"/>
+          </a:xfrm>
+          <a:prstGeom prst="line">
+            <a:avLst/>
+          </a:prstGeom>
+          <a:ln w="12700">
+            <a:solidFill>
+              <a:schemeClr val="tx1"/>
+            </a:solidFill>
+          </a:ln>
+        </p:spPr>
+        <p:style>
+          <a:lnRef idx="1">
+            <a:schemeClr val="accent1"/>
+          </a:lnRef>
+          <a:fillRef idx="0">
+            <a:schemeClr val="accent1"/>
+          </a:fillRef>
+          <a:effectRef idx="0">
+            <a:schemeClr val="accent1"/>
+          </a:effectRef>
+          <a:fontRef idx="minor">
+            <a:schemeClr val="tx1"/>
+          </a:fontRef>
+        </p:style>
+      </p:cxnSp>
+      <p:cxnSp>
+        <p:nvCxnSpPr>
+          <p:cNvPr id="40" name="Straight Connector 39">
+            <a:extLst>
+              <a:ext uri="{FF2B5EF4-FFF2-40B4-BE49-F238E27FC236}">
+                <a16:creationId xmlns:a16="http://schemas.microsoft.com/office/drawing/2014/main" id="{289331B3-4538-1649-B547-B8207B52DAA4}"/>
+              </a:ext>
+            </a:extLst>
+          </p:cNvPr>
+          <p:cNvCxnSpPr/>
+          <p:nvPr/>
+        </p:nvCxnSpPr>
+        <p:spPr>
+          <a:xfrm>
+            <a:off x="3263461" y="4461642"/>
+            <a:ext cx="147145" cy="210209"/>
+          </a:xfrm>
+          <a:prstGeom prst="line">
+            <a:avLst/>
+          </a:prstGeom>
+          <a:ln w="12700">
+            <a:solidFill>
+              <a:schemeClr val="tx1"/>
+            </a:solidFill>
+          </a:ln>
+        </p:spPr>
+        <p:style>
+          <a:lnRef idx="1">
+            <a:schemeClr val="accent1"/>
+          </a:lnRef>
+          <a:fillRef idx="0">
+            <a:schemeClr val="accent1"/>
+          </a:fillRef>
+          <a:effectRef idx="0">
+            <a:schemeClr val="accent1"/>
+          </a:effectRef>
+          <a:fontRef idx="minor">
+            <a:schemeClr val="tx1"/>
+          </a:fontRef>
+        </p:style>
+      </p:cxnSp>
+      <p:cxnSp>
+        <p:nvCxnSpPr>
+          <p:cNvPr id="41" name="Straight Connector 40">
+            <a:extLst>
+              <a:ext uri="{FF2B5EF4-FFF2-40B4-BE49-F238E27FC236}">
+                <a16:creationId xmlns:a16="http://schemas.microsoft.com/office/drawing/2014/main" id="{E3658157-C047-5A42-B036-C641BED5E6AB}"/>
+              </a:ext>
+            </a:extLst>
+          </p:cNvPr>
+          <p:cNvCxnSpPr/>
+          <p:nvPr/>
+        </p:nvCxnSpPr>
+        <p:spPr>
+          <a:xfrm>
+            <a:off x="3452648" y="4556232"/>
+            <a:ext cx="147145" cy="210209"/>
+          </a:xfrm>
+          <a:prstGeom prst="line">
+            <a:avLst/>
+          </a:prstGeom>
+          <a:ln w="12700">
+            <a:solidFill>
+              <a:schemeClr val="tx1"/>
+            </a:solidFill>
+          </a:ln>
+        </p:spPr>
+        <p:style>
+          <a:lnRef idx="1">
+            <a:schemeClr val="accent1"/>
+          </a:lnRef>
+          <a:fillRef idx="0">
+            <a:schemeClr val="accent1"/>
+          </a:fillRef>
+          <a:effectRef idx="0">
+            <a:schemeClr val="accent1"/>
+          </a:effectRef>
+          <a:fontRef idx="minor">
+            <a:schemeClr val="tx1"/>
+          </a:fontRef>
+        </p:style>
+      </p:cxnSp>
+      <p:cxnSp>
+        <p:nvCxnSpPr>
+          <p:cNvPr id="42" name="Straight Connector 41">
+            <a:extLst>
+              <a:ext uri="{FF2B5EF4-FFF2-40B4-BE49-F238E27FC236}">
+                <a16:creationId xmlns:a16="http://schemas.microsoft.com/office/drawing/2014/main" id="{E3E55F85-D7F2-3848-990C-AB2A2F411BC4}"/>
+              </a:ext>
+            </a:extLst>
+          </p:cNvPr>
+          <p:cNvCxnSpPr/>
+          <p:nvPr/>
+        </p:nvCxnSpPr>
+        <p:spPr>
+          <a:xfrm>
+            <a:off x="3636578" y="4614042"/>
+            <a:ext cx="147145" cy="210209"/>
+          </a:xfrm>
+          <a:prstGeom prst="line">
+            <a:avLst/>
+          </a:prstGeom>
+          <a:ln w="12700">
+            <a:solidFill>
+              <a:schemeClr val="tx1"/>
+            </a:solidFill>
+          </a:ln>
+        </p:spPr>
+        <p:style>
+          <a:lnRef idx="1">
+            <a:schemeClr val="accent1"/>
+          </a:lnRef>
+          <a:fillRef idx="0">
+            <a:schemeClr val="accent1"/>
+          </a:fillRef>
+          <a:effectRef idx="0">
+            <a:schemeClr val="accent1"/>
+          </a:effectRef>
+          <a:fontRef idx="minor">
+            <a:schemeClr val="tx1"/>
+          </a:fontRef>
+        </p:style>
+      </p:cxnSp>
+      <p:cxnSp>
+        <p:nvCxnSpPr>
+          <p:cNvPr id="43" name="Straight Connector 42">
+            <a:extLst>
+              <a:ext uri="{FF2B5EF4-FFF2-40B4-BE49-F238E27FC236}">
+                <a16:creationId xmlns:a16="http://schemas.microsoft.com/office/drawing/2014/main" id="{77D8EE49-BD2A-0048-A167-CA824A3241BB}"/>
+              </a:ext>
+            </a:extLst>
+          </p:cNvPr>
+          <p:cNvCxnSpPr/>
+          <p:nvPr/>
+        </p:nvCxnSpPr>
+        <p:spPr>
+          <a:xfrm>
+            <a:off x="3820508" y="4682352"/>
+            <a:ext cx="147145" cy="210209"/>
+          </a:xfrm>
+          <a:prstGeom prst="line">
+            <a:avLst/>
+          </a:prstGeom>
+          <a:ln w="12700">
+            <a:solidFill>
+              <a:schemeClr val="tx1"/>
+            </a:solidFill>
+          </a:ln>
+        </p:spPr>
+        <p:style>
+          <a:lnRef idx="1">
+            <a:schemeClr val="accent1"/>
+          </a:lnRef>
+          <a:fillRef idx="0">
+            <a:schemeClr val="accent1"/>
+          </a:fillRef>
+          <a:effectRef idx="0">
+            <a:schemeClr val="accent1"/>
+          </a:effectRef>
+          <a:fontRef idx="minor">
+            <a:schemeClr val="tx1"/>
+          </a:fontRef>
+        </p:style>
+      </p:cxnSp>
+      <p:cxnSp>
+        <p:nvCxnSpPr>
+          <p:cNvPr id="44" name="Straight Connector 43">
+            <a:extLst>
+              <a:ext uri="{FF2B5EF4-FFF2-40B4-BE49-F238E27FC236}">
+                <a16:creationId xmlns:a16="http://schemas.microsoft.com/office/drawing/2014/main" id="{EF1E2555-0463-D749-9B24-7CCC8E38B3F7}"/>
+              </a:ext>
+            </a:extLst>
+          </p:cNvPr>
+          <p:cNvCxnSpPr/>
+          <p:nvPr/>
+        </p:nvCxnSpPr>
+        <p:spPr>
+          <a:xfrm>
+            <a:off x="3993928" y="4740162"/>
+            <a:ext cx="147145" cy="210209"/>
+          </a:xfrm>
+          <a:prstGeom prst="line">
+            <a:avLst/>
+          </a:prstGeom>
+          <a:ln w="12700">
+            <a:solidFill>
+              <a:schemeClr val="tx1"/>
+            </a:solidFill>
+          </a:ln>
+        </p:spPr>
+        <p:style>
+          <a:lnRef idx="1">
+            <a:schemeClr val="accent1"/>
+          </a:lnRef>
+          <a:fillRef idx="0">
+            <a:schemeClr val="accent1"/>
+          </a:fillRef>
+          <a:effectRef idx="0">
+            <a:schemeClr val="accent1"/>
+          </a:effectRef>
+          <a:fontRef idx="minor">
+            <a:schemeClr val="tx1"/>
+          </a:fontRef>
+        </p:style>
+      </p:cxnSp>
+      <p:cxnSp>
+        <p:nvCxnSpPr>
+          <p:cNvPr id="45" name="Straight Connector 44">
+            <a:extLst>
+              <a:ext uri="{FF2B5EF4-FFF2-40B4-BE49-F238E27FC236}">
+                <a16:creationId xmlns:a16="http://schemas.microsoft.com/office/drawing/2014/main" id="{A152076E-E7CC-C14B-AF73-C250EA00E9E9}"/>
+              </a:ext>
+            </a:extLst>
+          </p:cNvPr>
+          <p:cNvCxnSpPr/>
+          <p:nvPr/>
+        </p:nvCxnSpPr>
+        <p:spPr>
+          <a:xfrm>
+            <a:off x="4183115" y="4792712"/>
+            <a:ext cx="147145" cy="210209"/>
+          </a:xfrm>
+          <a:prstGeom prst="line">
+            <a:avLst/>
+          </a:prstGeom>
+          <a:ln w="12700">
+            <a:solidFill>
+              <a:schemeClr val="tx1"/>
+            </a:solidFill>
+          </a:ln>
+        </p:spPr>
+        <p:style>
+          <a:lnRef idx="1">
+            <a:schemeClr val="accent1"/>
+          </a:lnRef>
+          <a:fillRef idx="0">
+            <a:schemeClr val="accent1"/>
+          </a:fillRef>
+          <a:effectRef idx="0">
+            <a:schemeClr val="accent1"/>
+          </a:effectRef>
+          <a:fontRef idx="minor">
+            <a:schemeClr val="tx1"/>
+          </a:fontRef>
+        </p:style>
+      </p:cxnSp>
+      <p:cxnSp>
+        <p:nvCxnSpPr>
+          <p:cNvPr id="46" name="Straight Connector 45">
+            <a:extLst>
+              <a:ext uri="{FF2B5EF4-FFF2-40B4-BE49-F238E27FC236}">
+                <a16:creationId xmlns:a16="http://schemas.microsoft.com/office/drawing/2014/main" id="{A31A2F8B-F628-0249-8825-90DC51208362}"/>
+              </a:ext>
+            </a:extLst>
+          </p:cNvPr>
+          <p:cNvCxnSpPr/>
+          <p:nvPr/>
+        </p:nvCxnSpPr>
+        <p:spPr>
+          <a:xfrm>
+            <a:off x="4356535" y="4829502"/>
+            <a:ext cx="147145" cy="210209"/>
+          </a:xfrm>
+          <a:prstGeom prst="line">
+            <a:avLst/>
+          </a:prstGeom>
+          <a:ln w="12700">
+            <a:solidFill>
+              <a:schemeClr val="tx1"/>
+            </a:solidFill>
+          </a:ln>
+        </p:spPr>
+        <p:style>
+          <a:lnRef idx="1">
+            <a:schemeClr val="accent1"/>
+          </a:lnRef>
+          <a:fillRef idx="0">
+            <a:schemeClr val="accent1"/>
+          </a:fillRef>
+          <a:effectRef idx="0">
+            <a:schemeClr val="accent1"/>
+          </a:effectRef>
+          <a:fontRef idx="minor">
+            <a:schemeClr val="tx1"/>
+          </a:fontRef>
+        </p:style>
+      </p:cxnSp>
+      <p:cxnSp>
+        <p:nvCxnSpPr>
+          <p:cNvPr id="47" name="Straight Connector 46">
+            <a:extLst>
+              <a:ext uri="{FF2B5EF4-FFF2-40B4-BE49-F238E27FC236}">
+                <a16:creationId xmlns:a16="http://schemas.microsoft.com/office/drawing/2014/main" id="{DC23CD09-DA3D-FB4A-9A84-32523AEDA7D0}"/>
+              </a:ext>
+            </a:extLst>
+          </p:cNvPr>
+          <p:cNvCxnSpPr/>
+          <p:nvPr/>
+        </p:nvCxnSpPr>
+        <p:spPr>
+          <a:xfrm>
+            <a:off x="4556229" y="4871542"/>
+            <a:ext cx="147145" cy="210209"/>
+          </a:xfrm>
+          <a:prstGeom prst="line">
+            <a:avLst/>
+          </a:prstGeom>
+          <a:ln w="12700">
+            <a:solidFill>
+              <a:schemeClr val="tx1"/>
+            </a:solidFill>
+          </a:ln>
+        </p:spPr>
+        <p:style>
+          <a:lnRef idx="1">
+            <a:schemeClr val="accent1"/>
+          </a:lnRef>
+          <a:fillRef idx="0">
+            <a:schemeClr val="accent1"/>
+          </a:fillRef>
+          <a:effectRef idx="0">
+            <a:schemeClr val="accent1"/>
+          </a:effectRef>
+          <a:fontRef idx="minor">
+            <a:schemeClr val="tx1"/>
+          </a:fontRef>
+        </p:style>
+      </p:cxnSp>
+      <p:cxnSp>
+        <p:nvCxnSpPr>
+          <p:cNvPr id="48" name="Straight Connector 47">
+            <a:extLst>
+              <a:ext uri="{FF2B5EF4-FFF2-40B4-BE49-F238E27FC236}">
+                <a16:creationId xmlns:a16="http://schemas.microsoft.com/office/drawing/2014/main" id="{889ADB25-83B6-5043-AF59-6144CC851BB1}"/>
+              </a:ext>
+            </a:extLst>
+          </p:cNvPr>
+          <p:cNvCxnSpPr/>
+          <p:nvPr/>
+        </p:nvCxnSpPr>
+        <p:spPr>
+          <a:xfrm>
+            <a:off x="4755926" y="4892562"/>
+            <a:ext cx="147145" cy="210209"/>
+          </a:xfrm>
+          <a:prstGeom prst="line">
+            <a:avLst/>
+          </a:prstGeom>
+          <a:ln w="12700">
+            <a:solidFill>
+              <a:schemeClr val="tx1"/>
+            </a:solidFill>
+          </a:ln>
+        </p:spPr>
+        <p:style>
+          <a:lnRef idx="1">
+            <a:schemeClr val="accent1"/>
+          </a:lnRef>
+          <a:fillRef idx="0">
+            <a:schemeClr val="accent1"/>
+          </a:fillRef>
+          <a:effectRef idx="0">
+            <a:schemeClr val="accent1"/>
+          </a:effectRef>
+          <a:fontRef idx="minor">
+            <a:schemeClr val="tx1"/>
+          </a:fontRef>
+        </p:style>
+      </p:cxnSp>
+      <p:cxnSp>
+        <p:nvCxnSpPr>
+          <p:cNvPr id="49" name="Straight Connector 48">
+            <a:extLst>
+              <a:ext uri="{FF2B5EF4-FFF2-40B4-BE49-F238E27FC236}">
+                <a16:creationId xmlns:a16="http://schemas.microsoft.com/office/drawing/2014/main" id="{F33F9864-F0D4-7B40-9674-29D48B584CEF}"/>
+              </a:ext>
+            </a:extLst>
+          </p:cNvPr>
+          <p:cNvCxnSpPr/>
+          <p:nvPr/>
+        </p:nvCxnSpPr>
+        <p:spPr>
+          <a:xfrm>
+            <a:off x="4950366" y="4918842"/>
+            <a:ext cx="147145" cy="210209"/>
+          </a:xfrm>
+          <a:prstGeom prst="line">
+            <a:avLst/>
+          </a:prstGeom>
+          <a:ln w="12700">
+            <a:solidFill>
+              <a:schemeClr val="tx1"/>
+            </a:solidFill>
+          </a:ln>
+        </p:spPr>
+        <p:style>
+          <a:lnRef idx="1">
+            <a:schemeClr val="accent1"/>
+          </a:lnRef>
+          <a:fillRef idx="0">
+            <a:schemeClr val="accent1"/>
+          </a:fillRef>
+          <a:effectRef idx="0">
+            <a:schemeClr val="accent1"/>
+          </a:effectRef>
+          <a:fontRef idx="minor">
+            <a:schemeClr val="tx1"/>
+          </a:fontRef>
+        </p:style>
+      </p:cxnSp>
+      <p:cxnSp>
+        <p:nvCxnSpPr>
+          <p:cNvPr id="50" name="Straight Connector 49">
+            <a:extLst>
+              <a:ext uri="{FF2B5EF4-FFF2-40B4-BE49-F238E27FC236}">
+                <a16:creationId xmlns:a16="http://schemas.microsoft.com/office/drawing/2014/main" id="{B9485A4D-4B07-DC49-93B4-69B4269F50F8}"/>
+              </a:ext>
+            </a:extLst>
+          </p:cNvPr>
+          <p:cNvCxnSpPr/>
+          <p:nvPr/>
+        </p:nvCxnSpPr>
+        <p:spPr>
+          <a:xfrm>
+            <a:off x="5160574" y="4950372"/>
+            <a:ext cx="147145" cy="210209"/>
+          </a:xfrm>
+          <a:prstGeom prst="line">
+            <a:avLst/>
+          </a:prstGeom>
+          <a:ln w="12700">
+            <a:solidFill>
+              <a:schemeClr val="tx1"/>
+            </a:solidFill>
+          </a:ln>
+        </p:spPr>
+        <p:style>
+          <a:lnRef idx="1">
+            <a:schemeClr val="accent1"/>
+          </a:lnRef>
+          <a:fillRef idx="0">
+            <a:schemeClr val="accent1"/>
+          </a:fillRef>
+          <a:effectRef idx="0">
+            <a:schemeClr val="accent1"/>
+          </a:effectRef>
+          <a:fontRef idx="minor">
+            <a:schemeClr val="tx1"/>
+          </a:fontRef>
+        </p:style>
+      </p:cxnSp>
+      <p:cxnSp>
+        <p:nvCxnSpPr>
+          <p:cNvPr id="51" name="Straight Connector 50">
+            <a:extLst>
+              <a:ext uri="{FF2B5EF4-FFF2-40B4-BE49-F238E27FC236}">
+                <a16:creationId xmlns:a16="http://schemas.microsoft.com/office/drawing/2014/main" id="{0B4AB3B6-7CF4-3D43-A5D8-41EA3365E97B}"/>
+              </a:ext>
+            </a:extLst>
+          </p:cNvPr>
+          <p:cNvCxnSpPr/>
+          <p:nvPr/>
+        </p:nvCxnSpPr>
+        <p:spPr>
+          <a:xfrm>
+            <a:off x="5360271" y="4981902"/>
+            <a:ext cx="147145" cy="210209"/>
+          </a:xfrm>
+          <a:prstGeom prst="line">
+            <a:avLst/>
+          </a:prstGeom>
+          <a:ln w="12700">
+            <a:solidFill>
+              <a:schemeClr val="tx1"/>
+            </a:solidFill>
+          </a:ln>
+        </p:spPr>
+        <p:style>
+          <a:lnRef idx="1">
+            <a:schemeClr val="accent1"/>
+          </a:lnRef>
+          <a:fillRef idx="0">
+            <a:schemeClr val="accent1"/>
+          </a:fillRef>
+          <a:effectRef idx="0">
+            <a:schemeClr val="accent1"/>
+          </a:effectRef>
+          <a:fontRef idx="minor">
+            <a:schemeClr val="tx1"/>
+          </a:fontRef>
+        </p:style>
+      </p:cxnSp>
+      <p:cxnSp>
+        <p:nvCxnSpPr>
+          <p:cNvPr id="52" name="Straight Connector 51">
+            <a:extLst>
+              <a:ext uri="{FF2B5EF4-FFF2-40B4-BE49-F238E27FC236}">
+                <a16:creationId xmlns:a16="http://schemas.microsoft.com/office/drawing/2014/main" id="{C3CD9655-4C51-4546-95B9-BBD56C446A64}"/>
+              </a:ext>
+            </a:extLst>
+          </p:cNvPr>
+          <p:cNvCxnSpPr/>
+          <p:nvPr/>
+        </p:nvCxnSpPr>
+        <p:spPr>
+          <a:xfrm>
+            <a:off x="5554711" y="5008182"/>
+            <a:ext cx="147145" cy="210209"/>
+          </a:xfrm>
+          <a:prstGeom prst="line">
+            <a:avLst/>
+          </a:prstGeom>
+          <a:ln w="12700">
+            <a:solidFill>
+              <a:schemeClr val="tx1"/>
+            </a:solidFill>
+          </a:ln>
+        </p:spPr>
+        <p:style>
+          <a:lnRef idx="1">
+            <a:schemeClr val="accent1"/>
+          </a:lnRef>
+          <a:fillRef idx="0">
+            <a:schemeClr val="accent1"/>
+          </a:fillRef>
+          <a:effectRef idx="0">
+            <a:schemeClr val="accent1"/>
+          </a:effectRef>
+          <a:fontRef idx="minor">
+            <a:schemeClr val="tx1"/>
+          </a:fontRef>
+        </p:style>
+      </p:cxnSp>
+      <p:cxnSp>
+        <p:nvCxnSpPr>
+          <p:cNvPr id="53" name="Straight Connector 52">
+            <a:extLst>
+              <a:ext uri="{FF2B5EF4-FFF2-40B4-BE49-F238E27FC236}">
+                <a16:creationId xmlns:a16="http://schemas.microsoft.com/office/drawing/2014/main" id="{066806BB-2910-F541-ACFE-B394BF8D0CF1}"/>
+              </a:ext>
+            </a:extLst>
+          </p:cNvPr>
+          <p:cNvCxnSpPr/>
+          <p:nvPr/>
+        </p:nvCxnSpPr>
+        <p:spPr>
+          <a:xfrm>
+            <a:off x="5738640" y="5013432"/>
+            <a:ext cx="147145" cy="210209"/>
+          </a:xfrm>
+          <a:prstGeom prst="line">
+            <a:avLst/>
+          </a:prstGeom>
+          <a:ln w="12700">
+            <a:solidFill>
+              <a:schemeClr val="tx1"/>
+            </a:solidFill>
+          </a:ln>
+        </p:spPr>
+        <p:style>
+          <a:lnRef idx="1">
+            <a:schemeClr val="accent1"/>
+          </a:lnRef>
+          <a:fillRef idx="0">
+            <a:schemeClr val="accent1"/>
+          </a:fillRef>
+          <a:effectRef idx="0">
+            <a:schemeClr val="accent1"/>
+          </a:effectRef>
+          <a:fontRef idx="minor">
+            <a:schemeClr val="tx1"/>
+          </a:fontRef>
+        </p:style>
+      </p:cxnSp>
+      <p:cxnSp>
+        <p:nvCxnSpPr>
+          <p:cNvPr id="54" name="Straight Connector 53">
+            <a:extLst>
+              <a:ext uri="{FF2B5EF4-FFF2-40B4-BE49-F238E27FC236}">
+                <a16:creationId xmlns:a16="http://schemas.microsoft.com/office/drawing/2014/main" id="{A681C79D-E92A-6044-A178-4DCAEA8BA82C}"/>
+              </a:ext>
+            </a:extLst>
+          </p:cNvPr>
+          <p:cNvCxnSpPr/>
+          <p:nvPr/>
+        </p:nvCxnSpPr>
+        <p:spPr>
+          <a:xfrm>
+            <a:off x="5933080" y="5039712"/>
+            <a:ext cx="147145" cy="210209"/>
+          </a:xfrm>
+          <a:prstGeom prst="line">
+            <a:avLst/>
+          </a:prstGeom>
+          <a:ln w="12700">
+            <a:solidFill>
+              <a:schemeClr val="tx1"/>
+            </a:solidFill>
+          </a:ln>
+        </p:spPr>
+        <p:style>
+          <a:lnRef idx="1">
+            <a:schemeClr val="accent1"/>
+          </a:lnRef>
+          <a:fillRef idx="0">
+            <a:schemeClr val="accent1"/>
+          </a:fillRef>
+          <a:effectRef idx="0">
+            <a:schemeClr val="accent1"/>
+          </a:effectRef>
+          <a:fontRef idx="minor">
+            <a:schemeClr val="tx1"/>
+          </a:fontRef>
+        </p:style>
+      </p:cxnSp>
+      <p:cxnSp>
+        <p:nvCxnSpPr>
+          <p:cNvPr id="55" name="Straight Connector 54">
+            <a:extLst>
+              <a:ext uri="{FF2B5EF4-FFF2-40B4-BE49-F238E27FC236}">
+                <a16:creationId xmlns:a16="http://schemas.microsoft.com/office/drawing/2014/main" id="{0B6E5AEA-4B3F-2A43-B9B5-7A67A9D28D16}"/>
+              </a:ext>
+            </a:extLst>
+          </p:cNvPr>
+          <p:cNvCxnSpPr/>
+          <p:nvPr/>
+        </p:nvCxnSpPr>
+        <p:spPr>
+          <a:xfrm>
+            <a:off x="6153798" y="5050222"/>
+            <a:ext cx="147145" cy="210209"/>
+          </a:xfrm>
+          <a:prstGeom prst="line">
+            <a:avLst/>
+          </a:prstGeom>
+          <a:ln w="12700">
+            <a:solidFill>
+              <a:schemeClr val="tx1"/>
+            </a:solidFill>
+          </a:ln>
+        </p:spPr>
+        <p:style>
+          <a:lnRef idx="1">
+            <a:schemeClr val="accent1"/>
+          </a:lnRef>
+          <a:fillRef idx="0">
+            <a:schemeClr val="accent1"/>
+          </a:fillRef>
+          <a:effectRef idx="0">
+            <a:schemeClr val="accent1"/>
+          </a:effectRef>
+          <a:fontRef idx="minor">
+            <a:schemeClr val="tx1"/>
+          </a:fontRef>
+        </p:style>
+      </p:cxnSp>
+      <p:cxnSp>
+        <p:nvCxnSpPr>
+          <p:cNvPr id="56" name="Straight Connector 55">
+            <a:extLst>
+              <a:ext uri="{FF2B5EF4-FFF2-40B4-BE49-F238E27FC236}">
+                <a16:creationId xmlns:a16="http://schemas.microsoft.com/office/drawing/2014/main" id="{8B3DD41B-B79E-6041-AE9D-3029F425C2E3}"/>
+              </a:ext>
+            </a:extLst>
+          </p:cNvPr>
+          <p:cNvCxnSpPr/>
+          <p:nvPr/>
+        </p:nvCxnSpPr>
+        <p:spPr>
+          <a:xfrm>
+            <a:off x="6364005" y="5071242"/>
+            <a:ext cx="147145" cy="210209"/>
+          </a:xfrm>
+          <a:prstGeom prst="line">
+            <a:avLst/>
+          </a:prstGeom>
+          <a:ln w="12700">
+            <a:solidFill>
+              <a:schemeClr val="tx1"/>
+            </a:solidFill>
+          </a:ln>
+        </p:spPr>
+        <p:style>
+          <a:lnRef idx="1">
+            <a:schemeClr val="accent1"/>
+          </a:lnRef>
+          <a:fillRef idx="0">
+            <a:schemeClr val="accent1"/>
+          </a:fillRef>
+          <a:effectRef idx="0">
+            <a:schemeClr val="accent1"/>
+          </a:effectRef>
+          <a:fontRef idx="minor">
+            <a:schemeClr val="tx1"/>
+          </a:fontRef>
+        </p:style>
+      </p:cxnSp>
+      <p:cxnSp>
+        <p:nvCxnSpPr>
+          <p:cNvPr id="57" name="Straight Connector 56">
+            <a:extLst>
+              <a:ext uri="{FF2B5EF4-FFF2-40B4-BE49-F238E27FC236}">
+                <a16:creationId xmlns:a16="http://schemas.microsoft.com/office/drawing/2014/main" id="{2F1CF0D6-1797-1042-BC13-A306C2C24231}"/>
+              </a:ext>
+            </a:extLst>
+          </p:cNvPr>
+          <p:cNvCxnSpPr/>
+          <p:nvPr/>
+        </p:nvCxnSpPr>
+        <p:spPr>
+          <a:xfrm>
+            <a:off x="6568955" y="5087012"/>
+            <a:ext cx="147145" cy="210209"/>
+          </a:xfrm>
+          <a:prstGeom prst="line">
+            <a:avLst/>
+          </a:prstGeom>
+          <a:ln w="12700">
+            <a:solidFill>
+              <a:schemeClr val="tx1"/>
+            </a:solidFill>
+          </a:ln>
+        </p:spPr>
+        <p:style>
+          <a:lnRef idx="1">
+            <a:schemeClr val="accent1"/>
+          </a:lnRef>
+          <a:fillRef idx="0">
+            <a:schemeClr val="accent1"/>
+          </a:fillRef>
+          <a:effectRef idx="0">
+            <a:schemeClr val="accent1"/>
+          </a:effectRef>
+          <a:fontRef idx="minor">
+            <a:schemeClr val="tx1"/>
+          </a:fontRef>
+        </p:style>
+      </p:cxnSp>
+      <p:cxnSp>
+        <p:nvCxnSpPr>
+          <p:cNvPr id="58" name="Straight Connector 57">
+            <a:extLst>
+              <a:ext uri="{FF2B5EF4-FFF2-40B4-BE49-F238E27FC236}">
+                <a16:creationId xmlns:a16="http://schemas.microsoft.com/office/drawing/2014/main" id="{716DBF99-8201-494A-9579-C60D12E97E17}"/>
+              </a:ext>
+            </a:extLst>
+          </p:cNvPr>
+          <p:cNvCxnSpPr/>
+          <p:nvPr/>
+        </p:nvCxnSpPr>
+        <p:spPr>
+          <a:xfrm>
+            <a:off x="6784417" y="5102772"/>
+            <a:ext cx="147145" cy="210209"/>
+          </a:xfrm>
+          <a:prstGeom prst="line">
+            <a:avLst/>
+          </a:prstGeom>
+          <a:ln w="12700">
+            <a:solidFill>
+              <a:schemeClr val="tx1"/>
+            </a:solidFill>
+          </a:ln>
+        </p:spPr>
+        <p:style>
+          <a:lnRef idx="1">
+            <a:schemeClr val="accent1"/>
+          </a:lnRef>
+          <a:fillRef idx="0">
+            <a:schemeClr val="accent1"/>
+          </a:fillRef>
+          <a:effectRef idx="0">
+            <a:schemeClr val="accent1"/>
+          </a:effectRef>
+          <a:fontRef idx="minor">
+            <a:schemeClr val="tx1"/>
+          </a:fontRef>
+        </p:style>
+      </p:cxnSp>
+      <p:cxnSp>
+        <p:nvCxnSpPr>
+          <p:cNvPr id="59" name="Straight Connector 58">
+            <a:extLst>
+              <a:ext uri="{FF2B5EF4-FFF2-40B4-BE49-F238E27FC236}">
+                <a16:creationId xmlns:a16="http://schemas.microsoft.com/office/drawing/2014/main" id="{BFC290F0-65C4-FE4C-9602-81311653C6F1}"/>
+              </a:ext>
+            </a:extLst>
+          </p:cNvPr>
+          <p:cNvCxnSpPr/>
+          <p:nvPr/>
+        </p:nvCxnSpPr>
+        <p:spPr>
+          <a:xfrm>
+            <a:off x="6978857" y="5118542"/>
+            <a:ext cx="147145" cy="210209"/>
+          </a:xfrm>
+          <a:prstGeom prst="line">
+            <a:avLst/>
+          </a:prstGeom>
+          <a:ln w="12700">
+            <a:solidFill>
+              <a:schemeClr val="tx1"/>
+            </a:solidFill>
+          </a:ln>
+        </p:spPr>
+        <p:style>
+          <a:lnRef idx="1">
+            <a:schemeClr val="accent1"/>
+          </a:lnRef>
+          <a:fillRef idx="0">
+            <a:schemeClr val="accent1"/>
+          </a:fillRef>
+          <a:effectRef idx="0">
+            <a:schemeClr val="accent1"/>
+          </a:effectRef>
+          <a:fontRef idx="minor">
+            <a:schemeClr val="tx1"/>
+          </a:fontRef>
+        </p:style>
+      </p:cxnSp>
+      <p:cxnSp>
+        <p:nvCxnSpPr>
+          <p:cNvPr id="60" name="Straight Connector 59">
+            <a:extLst>
+              <a:ext uri="{FF2B5EF4-FFF2-40B4-BE49-F238E27FC236}">
+                <a16:creationId xmlns:a16="http://schemas.microsoft.com/office/drawing/2014/main" id="{CCC92A1E-30EC-7446-A42C-031DA8BE0CC9}"/>
+              </a:ext>
+            </a:extLst>
+          </p:cNvPr>
+          <p:cNvCxnSpPr/>
+          <p:nvPr/>
+        </p:nvCxnSpPr>
+        <p:spPr>
+          <a:xfrm>
+            <a:off x="7199575" y="5129052"/>
+            <a:ext cx="147145" cy="210209"/>
+          </a:xfrm>
+          <a:prstGeom prst="line">
+            <a:avLst/>
+          </a:prstGeom>
+          <a:ln w="12700">
+            <a:solidFill>
+              <a:schemeClr val="tx1"/>
+            </a:solidFill>
+          </a:ln>
+        </p:spPr>
+        <p:style>
+          <a:lnRef idx="1">
+            <a:schemeClr val="accent1"/>
+          </a:lnRef>
+          <a:fillRef idx="0">
+            <a:schemeClr val="accent1"/>
+          </a:fillRef>
+          <a:effectRef idx="0">
+            <a:schemeClr val="accent1"/>
+          </a:effectRef>
+          <a:fontRef idx="minor">
+            <a:schemeClr val="tx1"/>
+          </a:fontRef>
+        </p:style>
+      </p:cxnSp>
+      <p:cxnSp>
+        <p:nvCxnSpPr>
+          <p:cNvPr id="61" name="Straight Connector 60">
+            <a:extLst>
+              <a:ext uri="{FF2B5EF4-FFF2-40B4-BE49-F238E27FC236}">
+                <a16:creationId xmlns:a16="http://schemas.microsoft.com/office/drawing/2014/main" id="{ADD35C74-BFEB-DC4C-95C4-083DF60A4C97}"/>
+              </a:ext>
+            </a:extLst>
+          </p:cNvPr>
+          <p:cNvCxnSpPr/>
+          <p:nvPr/>
+        </p:nvCxnSpPr>
+        <p:spPr>
+          <a:xfrm>
+            <a:off x="7409782" y="5139562"/>
+            <a:ext cx="147145" cy="210209"/>
+          </a:xfrm>
+          <a:prstGeom prst="line">
+            <a:avLst/>
+          </a:prstGeom>
+          <a:ln w="12700">
+            <a:solidFill>
+              <a:schemeClr val="tx1"/>
+            </a:solidFill>
+          </a:ln>
+        </p:spPr>
+        <p:style>
+          <a:lnRef idx="1">
+            <a:schemeClr val="accent1"/>
+          </a:lnRef>
+          <a:fillRef idx="0">
+            <a:schemeClr val="accent1"/>
+          </a:fillRef>
+          <a:effectRef idx="0">
+            <a:schemeClr val="accent1"/>
+          </a:effectRef>
+          <a:fontRef idx="minor">
+            <a:schemeClr val="tx1"/>
+          </a:fontRef>
+        </p:style>
+      </p:cxnSp>
+      <p:cxnSp>
+        <p:nvCxnSpPr>
+          <p:cNvPr id="62" name="Straight Connector 61">
+            <a:extLst>
+              <a:ext uri="{FF2B5EF4-FFF2-40B4-BE49-F238E27FC236}">
+                <a16:creationId xmlns:a16="http://schemas.microsoft.com/office/drawing/2014/main" id="{9F429580-5F25-BF42-81EF-DA9642358915}"/>
+              </a:ext>
+            </a:extLst>
+          </p:cNvPr>
+          <p:cNvCxnSpPr/>
+          <p:nvPr/>
+        </p:nvCxnSpPr>
+        <p:spPr>
+          <a:xfrm>
+            <a:off x="7614732" y="5144822"/>
+            <a:ext cx="147145" cy="210209"/>
+          </a:xfrm>
+          <a:prstGeom prst="line">
+            <a:avLst/>
+          </a:prstGeom>
+          <a:ln w="12700">
+            <a:solidFill>
+              <a:schemeClr val="tx1"/>
+            </a:solidFill>
+          </a:ln>
+        </p:spPr>
+        <p:style>
+          <a:lnRef idx="1">
+            <a:schemeClr val="accent1"/>
+          </a:lnRef>
+          <a:fillRef idx="0">
+            <a:schemeClr val="accent1"/>
+          </a:fillRef>
+          <a:effectRef idx="0">
+            <a:schemeClr val="accent1"/>
+          </a:effectRef>
+          <a:fontRef idx="minor">
+            <a:schemeClr val="tx1"/>
+          </a:fontRef>
+        </p:style>
+      </p:cxnSp>
+      <p:cxnSp>
+        <p:nvCxnSpPr>
+          <p:cNvPr id="63" name="Straight Connector 62">
+            <a:extLst>
+              <a:ext uri="{FF2B5EF4-FFF2-40B4-BE49-F238E27FC236}">
+                <a16:creationId xmlns:a16="http://schemas.microsoft.com/office/drawing/2014/main" id="{15EBE080-5F42-4642-BDF9-CA2D862E777A}"/>
+              </a:ext>
+            </a:extLst>
+          </p:cNvPr>
+          <p:cNvCxnSpPr/>
+          <p:nvPr/>
+        </p:nvCxnSpPr>
+        <p:spPr>
+          <a:xfrm>
+            <a:off x="7830196" y="5139562"/>
+            <a:ext cx="147145" cy="210209"/>
+          </a:xfrm>
+          <a:prstGeom prst="line">
+            <a:avLst/>
+          </a:prstGeom>
+          <a:ln w="12700">
+            <a:solidFill>
+              <a:schemeClr val="tx1"/>
+            </a:solidFill>
+          </a:ln>
+        </p:spPr>
+        <p:style>
+          <a:lnRef idx="1">
+            <a:schemeClr val="accent1"/>
+          </a:lnRef>
+          <a:fillRef idx="0">
+            <a:schemeClr val="accent1"/>
+          </a:fillRef>
+          <a:effectRef idx="0">
+            <a:schemeClr val="accent1"/>
+          </a:effectRef>
+          <a:fontRef idx="minor">
+            <a:schemeClr val="tx1"/>
+          </a:fontRef>
+        </p:style>
+      </p:cxnSp>
+      <p:cxnSp>
+        <p:nvCxnSpPr>
+          <p:cNvPr id="64" name="Straight Connector 63">
+            <a:extLst>
+              <a:ext uri="{FF2B5EF4-FFF2-40B4-BE49-F238E27FC236}">
+                <a16:creationId xmlns:a16="http://schemas.microsoft.com/office/drawing/2014/main" id="{870AD693-1492-9A4A-A804-56672E0708F8}"/>
+              </a:ext>
+            </a:extLst>
+          </p:cNvPr>
+          <p:cNvCxnSpPr/>
+          <p:nvPr/>
+        </p:nvCxnSpPr>
+        <p:spPr>
+          <a:xfrm>
+            <a:off x="8035146" y="5155332"/>
+            <a:ext cx="147145" cy="210209"/>
+          </a:xfrm>
+          <a:prstGeom prst="line">
+            <a:avLst/>
+          </a:prstGeom>
+          <a:ln w="12700">
+            <a:solidFill>
+              <a:schemeClr val="tx1"/>
+            </a:solidFill>
+          </a:ln>
+        </p:spPr>
+        <p:style>
+          <a:lnRef idx="1">
+            <a:schemeClr val="accent1"/>
+          </a:lnRef>
+          <a:fillRef idx="0">
+            <a:schemeClr val="accent1"/>
+          </a:fillRef>
+          <a:effectRef idx="0">
+            <a:schemeClr val="accent1"/>
+          </a:effectRef>
+          <a:fontRef idx="minor">
+            <a:schemeClr val="tx1"/>
+          </a:fontRef>
+        </p:style>
+      </p:cxnSp>
+      <p:cxnSp>
+        <p:nvCxnSpPr>
+          <p:cNvPr id="65" name="Straight Connector 64">
+            <a:extLst>
+              <a:ext uri="{FF2B5EF4-FFF2-40B4-BE49-F238E27FC236}">
+                <a16:creationId xmlns:a16="http://schemas.microsoft.com/office/drawing/2014/main" id="{DCA5CBE6-2E14-D147-9462-1F8C24E50C32}"/>
+              </a:ext>
+            </a:extLst>
+          </p:cNvPr>
+          <p:cNvCxnSpPr/>
+          <p:nvPr/>
+        </p:nvCxnSpPr>
+        <p:spPr>
+          <a:xfrm>
+            <a:off x="8250608" y="5171092"/>
+            <a:ext cx="147145" cy="210209"/>
+          </a:xfrm>
+          <a:prstGeom prst="line">
+            <a:avLst/>
+          </a:prstGeom>
+          <a:ln w="12700">
+            <a:solidFill>
+              <a:schemeClr val="tx1"/>
+            </a:solidFill>
+          </a:ln>
+        </p:spPr>
+        <p:style>
+          <a:lnRef idx="1">
+            <a:schemeClr val="accent1"/>
+          </a:lnRef>
+          <a:fillRef idx="0">
+            <a:schemeClr val="accent1"/>
+          </a:fillRef>
+          <a:effectRef idx="0">
+            <a:schemeClr val="accent1"/>
+          </a:effectRef>
+          <a:fontRef idx="minor">
+            <a:schemeClr val="tx1"/>
+          </a:fontRef>
+        </p:style>
+      </p:cxnSp>
+      <p:cxnSp>
+        <p:nvCxnSpPr>
+          <p:cNvPr id="66" name="Straight Connector 65">
+            <a:extLst>
+              <a:ext uri="{FF2B5EF4-FFF2-40B4-BE49-F238E27FC236}">
+                <a16:creationId xmlns:a16="http://schemas.microsoft.com/office/drawing/2014/main" id="{1D2D20DC-89AE-634E-B3AA-48F66C40BBDF}"/>
+              </a:ext>
+            </a:extLst>
+          </p:cNvPr>
+          <p:cNvCxnSpPr/>
+          <p:nvPr/>
+        </p:nvCxnSpPr>
+        <p:spPr>
+          <a:xfrm>
+            <a:off x="8445048" y="5186862"/>
+            <a:ext cx="147145" cy="210209"/>
+          </a:xfrm>
+          <a:prstGeom prst="line">
+            <a:avLst/>
+          </a:prstGeom>
+          <a:ln w="12700">
+            <a:solidFill>
+              <a:schemeClr val="tx1"/>
+            </a:solidFill>
+          </a:ln>
+        </p:spPr>
+        <p:style>
+          <a:lnRef idx="1">
+            <a:schemeClr val="accent1"/>
+          </a:lnRef>
+          <a:fillRef idx="0">
+            <a:schemeClr val="accent1"/>
+          </a:fillRef>
+          <a:effectRef idx="0">
+            <a:schemeClr val="accent1"/>
+          </a:effectRef>
+          <a:fontRef idx="minor">
+            <a:schemeClr val="tx1"/>
+          </a:fontRef>
+        </p:style>
+      </p:cxnSp>
+      <p:cxnSp>
+        <p:nvCxnSpPr>
+          <p:cNvPr id="67" name="Straight Connector 66">
+            <a:extLst>
+              <a:ext uri="{FF2B5EF4-FFF2-40B4-BE49-F238E27FC236}">
+                <a16:creationId xmlns:a16="http://schemas.microsoft.com/office/drawing/2014/main" id="{037281EC-80E0-7F4C-887A-9ADC520377CE}"/>
+              </a:ext>
+            </a:extLst>
+          </p:cNvPr>
+          <p:cNvCxnSpPr/>
+          <p:nvPr/>
+        </p:nvCxnSpPr>
+        <p:spPr>
+          <a:xfrm>
+            <a:off x="8665766" y="5186862"/>
+            <a:ext cx="147145" cy="210209"/>
+          </a:xfrm>
+          <a:prstGeom prst="line">
+            <a:avLst/>
+          </a:prstGeom>
+          <a:ln w="12700">
+            <a:solidFill>
+              <a:schemeClr val="tx1"/>
+            </a:solidFill>
+          </a:ln>
+        </p:spPr>
+        <p:style>
+          <a:lnRef idx="1">
+            <a:schemeClr val="accent1"/>
+          </a:lnRef>
+          <a:fillRef idx="0">
+            <a:schemeClr val="accent1"/>
+          </a:fillRef>
+          <a:effectRef idx="0">
+            <a:schemeClr val="accent1"/>
+          </a:effectRef>
+          <a:fontRef idx="minor">
+            <a:schemeClr val="tx1"/>
+          </a:fontRef>
+        </p:style>
+      </p:cxnSp>
+      <p:cxnSp>
+        <p:nvCxnSpPr>
+          <p:cNvPr id="68" name="Straight Connector 67">
+            <a:extLst>
+              <a:ext uri="{FF2B5EF4-FFF2-40B4-BE49-F238E27FC236}">
+                <a16:creationId xmlns:a16="http://schemas.microsoft.com/office/drawing/2014/main" id="{998A52FE-587A-8C42-8FEF-EFD80A98496A}"/>
+              </a:ext>
+            </a:extLst>
+          </p:cNvPr>
+          <p:cNvCxnSpPr/>
+          <p:nvPr/>
+        </p:nvCxnSpPr>
+        <p:spPr>
+          <a:xfrm>
+            <a:off x="8875973" y="5186862"/>
+            <a:ext cx="147145" cy="210209"/>
+          </a:xfrm>
+          <a:prstGeom prst="line">
+            <a:avLst/>
+          </a:prstGeom>
+          <a:ln w="12700">
+            <a:solidFill>
+              <a:schemeClr val="tx1"/>
+            </a:solidFill>
+          </a:ln>
+        </p:spPr>
+        <p:style>
+          <a:lnRef idx="1">
+            <a:schemeClr val="accent1"/>
+          </a:lnRef>
+          <a:fillRef idx="0">
+            <a:schemeClr val="accent1"/>
+          </a:fillRef>
+          <a:effectRef idx="0">
+            <a:schemeClr val="accent1"/>
+          </a:effectRef>
+          <a:fontRef idx="minor">
+            <a:schemeClr val="tx1"/>
+          </a:fontRef>
+        </p:style>
+      </p:cxnSp>
+      <p:cxnSp>
+        <p:nvCxnSpPr>
+          <p:cNvPr id="69" name="Straight Connector 68">
+            <a:extLst>
+              <a:ext uri="{FF2B5EF4-FFF2-40B4-BE49-F238E27FC236}">
+                <a16:creationId xmlns:a16="http://schemas.microsoft.com/office/drawing/2014/main" id="{AEF9C705-268D-074C-9CB9-E4FDA9D90F7F}"/>
+              </a:ext>
+            </a:extLst>
+          </p:cNvPr>
+          <p:cNvCxnSpPr/>
+          <p:nvPr/>
+        </p:nvCxnSpPr>
+        <p:spPr>
+          <a:xfrm>
+            <a:off x="9080923" y="5192122"/>
+            <a:ext cx="147145" cy="210209"/>
+          </a:xfrm>
+          <a:prstGeom prst="line">
+            <a:avLst/>
+          </a:prstGeom>
+          <a:ln w="12700">
+            <a:solidFill>
+              <a:schemeClr val="tx1"/>
+            </a:solidFill>
+          </a:ln>
+        </p:spPr>
+        <p:style>
+          <a:lnRef idx="1">
+            <a:schemeClr val="accent1"/>
+          </a:lnRef>
+          <a:fillRef idx="0">
+            <a:schemeClr val="accent1"/>
+          </a:fillRef>
+          <a:effectRef idx="0">
+            <a:schemeClr val="accent1"/>
+          </a:effectRef>
+          <a:fontRef idx="minor">
+            <a:schemeClr val="tx1"/>
+          </a:fontRef>
+        </p:style>
+      </p:cxnSp>
+      <p:cxnSp>
+        <p:nvCxnSpPr>
+          <p:cNvPr id="70" name="Straight Connector 69">
+            <a:extLst>
+              <a:ext uri="{FF2B5EF4-FFF2-40B4-BE49-F238E27FC236}">
+                <a16:creationId xmlns:a16="http://schemas.microsoft.com/office/drawing/2014/main" id="{073040A6-16C0-0948-B388-E1F7D308ECA1}"/>
+              </a:ext>
+            </a:extLst>
+          </p:cNvPr>
+          <p:cNvCxnSpPr/>
+          <p:nvPr/>
+        </p:nvCxnSpPr>
+        <p:spPr>
+          <a:xfrm>
+            <a:off x="9296386" y="5186872"/>
+            <a:ext cx="147145" cy="210209"/>
+          </a:xfrm>
+          <a:prstGeom prst="line">
+            <a:avLst/>
+          </a:prstGeom>
+          <a:ln w="12700">
+            <a:solidFill>
+              <a:schemeClr val="tx1"/>
+            </a:solidFill>
+          </a:ln>
+        </p:spPr>
+        <p:style>
+          <a:lnRef idx="1">
+            <a:schemeClr val="accent1"/>
+          </a:lnRef>
+          <a:fillRef idx="0">
+            <a:schemeClr val="accent1"/>
+          </a:fillRef>
+          <a:effectRef idx="0">
+            <a:schemeClr val="accent1"/>
+          </a:effectRef>
+          <a:fontRef idx="minor">
+            <a:schemeClr val="tx1"/>
+          </a:fontRef>
+        </p:style>
+      </p:cxnSp>
+      <p:sp>
+        <p:nvSpPr>
+          <p:cNvPr id="2" name="TextBox 1">
+            <a:extLst>
+              <a:ext uri="{FF2B5EF4-FFF2-40B4-BE49-F238E27FC236}">
+                <a16:creationId xmlns:a16="http://schemas.microsoft.com/office/drawing/2014/main" id="{2228F6DD-BC2E-BE65-C653-2446D095CF5D}"/>
+              </a:ext>
+            </a:extLst>
+          </p:cNvPr>
+          <p:cNvSpPr txBox="1"/>
+          <p:nvPr/>
+        </p:nvSpPr>
+        <p:spPr>
+          <a:xfrm>
+            <a:off x="9601204" y="2794969"/>
+            <a:ext cx="352982" cy="369332"/>
+          </a:xfrm>
+          <a:prstGeom prst="rect">
+            <a:avLst/>
+          </a:prstGeom>
+          <a:noFill/>
+        </p:spPr>
+        <p:txBody>
+          <a:bodyPr wrap="none" rtlCol="0">
+            <a:spAutoFit/>
+          </a:bodyPr>
+          <a:lstStyle/>
+          <a:p>
+            <a:r>
+              <a:rPr lang="en-US" dirty="0"/>
+              <a:t>Z</a:t>
+            </a:r>
+            <a:r>
+              <a:rPr lang="en-US" baseline="-25000" dirty="0"/>
+              <a:t>s</a:t>
+            </a:r>
+            <a:endParaRPr lang="en-US" dirty="0"/>
+          </a:p>
+        </p:txBody>
+      </p:sp>
+    </p:spTree>
+    <p:extLst>
+      <p:ext uri="{BB962C8B-B14F-4D97-AF65-F5344CB8AC3E}">
+        <p14:creationId xmlns:p14="http://schemas.microsoft.com/office/powerpoint/2010/main" val="218851510"/>
+      </p:ext>
+    </p:extLst>
+  </p:cSld>
+  <p:clrMapOvr>
+    <a:masterClrMapping/>
+  </p:clrMapOvr>
+</p:sld>
+</file>
+
+<file path=ppt/slides/slide8.xml><?xml version="1.0" encoding="utf-8"?>
+<p:sld xmlns:a="http://schemas.openxmlformats.org/drawingml/2006/main" xmlns:r="http://schemas.openxmlformats.org/officeDocument/2006/relationships" xmlns:p="http://schemas.openxmlformats.org/presentationml/2006/main">
+  <p:cSld>
+    <p:spTree>
+      <p:nvGrpSpPr>
+        <p:cNvPr id="1" name=""/>
+        <p:cNvGrpSpPr/>
+        <p:nvPr/>
+      </p:nvGrpSpPr>
+      <p:grpSpPr>
+        <a:xfrm>
+          <a:off x="0" y="0"/>
+          <a:ext cx="0" cy="0"/>
+          <a:chOff x="0" y="0"/>
+          <a:chExt cx="0" cy="0"/>
+        </a:xfrm>
+      </p:grpSpPr>
+    </p:spTree>
+    <p:extLst>
+      <p:ext uri="{BB962C8B-B14F-4D97-AF65-F5344CB8AC3E}">
+        <p14:creationId xmlns:p14="http://schemas.microsoft.com/office/powerpoint/2010/main" val="3549355023"/>
       </p:ext>
     </p:extLst>
   </p:cSld>
